--- a/ULI101-10.1.pptx
+++ b/ULI101-10.1.pptx
@@ -128,6 +128,364 @@
 </p:presentation>
 </file>
 
+<file path=ppt/revisionInfo.xml><?xml version="1.0" encoding="utf-8"?>
+<p1510:revInfo xmlns:a="http://schemas.openxmlformats.org/drawingml/2006/main" xmlns:r="http://schemas.openxmlformats.org/officeDocument/2006/relationships" xmlns:p1510="http://schemas.microsoft.com/office/powerpoint/2015/10/main">
+  <p1510:revLst>
+    <p1510:client id="{DC31C17A-2C30-3D40-9F04-343AF17EA3F3}" v="227" dt="2023-03-22T14:06:03.606"/>
+  </p1510:revLst>
+</p1510:revInfo>
+</file>
+
+<file path=ppt/changesInfos/changesInfo1.xml><?xml version="1.0" encoding="utf-8"?>
+<pc:chgInfo xmlns:a="http://schemas.openxmlformats.org/drawingml/2006/main" xmlns:r="http://schemas.openxmlformats.org/officeDocument/2006/relationships" xmlns:ac="http://schemas.microsoft.com/office/drawing/2013/main/command" xmlns:pc="http://schemas.microsoft.com/office/powerpoint/2013/main/command">
+  <pc:docChgLst>
+    <pc:chgData name="Chris Johnson" userId="ff589efc-7bdb-4c2a-ab65-6fce12576f74" providerId="ADAL" clId="{DC31C17A-2C30-3D40-9F04-343AF17EA3F3}"/>
+    <pc:docChg chg="custSel modSld">
+      <pc:chgData name="Chris Johnson" userId="ff589efc-7bdb-4c2a-ab65-6fce12576f74" providerId="ADAL" clId="{DC31C17A-2C30-3D40-9F04-343AF17EA3F3}" dt="2023-03-22T14:06:03.606" v="252" actId="20577"/>
+      <pc:docMkLst>
+        <pc:docMk/>
+      </pc:docMkLst>
+      <pc:sldChg chg="modSp mod modAnim">
+        <pc:chgData name="Chris Johnson" userId="ff589efc-7bdb-4c2a-ab65-6fce12576f74" providerId="ADAL" clId="{DC31C17A-2C30-3D40-9F04-343AF17EA3F3}" dt="2023-03-22T13:53:06.229" v="44" actId="12"/>
+        <pc:sldMkLst>
+          <pc:docMk/>
+          <pc:sldMk cId="2276954950" sldId="369"/>
+        </pc:sldMkLst>
+        <pc:spChg chg="mod">
+          <ac:chgData name="Chris Johnson" userId="ff589efc-7bdb-4c2a-ab65-6fce12576f74" providerId="ADAL" clId="{DC31C17A-2C30-3D40-9F04-343AF17EA3F3}" dt="2023-03-22T13:53:06.229" v="44" actId="12"/>
+          <ac:spMkLst>
+            <pc:docMk/>
+            <pc:sldMk cId="2276954950" sldId="369"/>
+            <ac:spMk id="3" creationId="{99DF4C7A-3854-7B4B-8D4F-4AD959A565DC}"/>
+          </ac:spMkLst>
+        </pc:spChg>
+      </pc:sldChg>
+      <pc:sldChg chg="modSp">
+        <pc:chgData name="Chris Johnson" userId="ff589efc-7bdb-4c2a-ab65-6fce12576f74" providerId="ADAL" clId="{DC31C17A-2C30-3D40-9F04-343AF17EA3F3}" dt="2023-03-22T13:55:14.935" v="154" actId="6549"/>
+        <pc:sldMkLst>
+          <pc:docMk/>
+          <pc:sldMk cId="1504172679" sldId="371"/>
+        </pc:sldMkLst>
+        <pc:spChg chg="mod">
+          <ac:chgData name="Chris Johnson" userId="ff589efc-7bdb-4c2a-ab65-6fce12576f74" providerId="ADAL" clId="{DC31C17A-2C30-3D40-9F04-343AF17EA3F3}" dt="2023-03-22T13:55:14.935" v="154" actId="6549"/>
+          <ac:spMkLst>
+            <pc:docMk/>
+            <pc:sldMk cId="1504172679" sldId="371"/>
+            <ac:spMk id="3" creationId="{99DF4C7A-3854-7B4B-8D4F-4AD959A565DC}"/>
+          </ac:spMkLst>
+        </pc:spChg>
+      </pc:sldChg>
+      <pc:sldChg chg="modSp mod modAnim">
+        <pc:chgData name="Chris Johnson" userId="ff589efc-7bdb-4c2a-ab65-6fce12576f74" providerId="ADAL" clId="{DC31C17A-2C30-3D40-9F04-343AF17EA3F3}" dt="2023-03-22T13:54:31.807" v="133" actId="12"/>
+        <pc:sldMkLst>
+          <pc:docMk/>
+          <pc:sldMk cId="2406794684" sldId="440"/>
+        </pc:sldMkLst>
+        <pc:spChg chg="mod">
+          <ac:chgData name="Chris Johnson" userId="ff589efc-7bdb-4c2a-ab65-6fce12576f74" providerId="ADAL" clId="{DC31C17A-2C30-3D40-9F04-343AF17EA3F3}" dt="2023-03-22T13:54:31.807" v="133" actId="12"/>
+          <ac:spMkLst>
+            <pc:docMk/>
+            <pc:sldMk cId="2406794684" sldId="440"/>
+            <ac:spMk id="3" creationId="{99DF4C7A-3854-7B4B-8D4F-4AD959A565DC}"/>
+          </ac:spMkLst>
+        </pc:spChg>
+      </pc:sldChg>
+      <pc:sldChg chg="modSp modAnim">
+        <pc:chgData name="Chris Johnson" userId="ff589efc-7bdb-4c2a-ab65-6fce12576f74" providerId="ADAL" clId="{DC31C17A-2C30-3D40-9F04-343AF17EA3F3}" dt="2023-03-22T13:55:08.178" v="150" actId="6549"/>
+        <pc:sldMkLst>
+          <pc:docMk/>
+          <pc:sldMk cId="1769548815" sldId="441"/>
+        </pc:sldMkLst>
+        <pc:spChg chg="mod">
+          <ac:chgData name="Chris Johnson" userId="ff589efc-7bdb-4c2a-ab65-6fce12576f74" providerId="ADAL" clId="{DC31C17A-2C30-3D40-9F04-343AF17EA3F3}" dt="2023-03-22T13:55:08.178" v="150" actId="6549"/>
+          <ac:spMkLst>
+            <pc:docMk/>
+            <pc:sldMk cId="1769548815" sldId="441"/>
+            <ac:spMk id="3" creationId="{99DF4C7A-3854-7B4B-8D4F-4AD959A565DC}"/>
+          </ac:spMkLst>
+        </pc:spChg>
+      </pc:sldChg>
+      <pc:sldChg chg="modSp modAnim">
+        <pc:chgData name="Chris Johnson" userId="ff589efc-7bdb-4c2a-ab65-6fce12576f74" providerId="ADAL" clId="{DC31C17A-2C30-3D40-9F04-343AF17EA3F3}" dt="2023-03-22T13:55:30.487" v="169" actId="6549"/>
+        <pc:sldMkLst>
+          <pc:docMk/>
+          <pc:sldMk cId="564689372" sldId="442"/>
+        </pc:sldMkLst>
+        <pc:spChg chg="mod">
+          <ac:chgData name="Chris Johnson" userId="ff589efc-7bdb-4c2a-ab65-6fce12576f74" providerId="ADAL" clId="{DC31C17A-2C30-3D40-9F04-343AF17EA3F3}" dt="2023-03-22T13:55:30.487" v="169" actId="6549"/>
+          <ac:spMkLst>
+            <pc:docMk/>
+            <pc:sldMk cId="564689372" sldId="442"/>
+            <ac:spMk id="3" creationId="{99DF4C7A-3854-7B4B-8D4F-4AD959A565DC}"/>
+          </ac:spMkLst>
+        </pc:spChg>
+      </pc:sldChg>
+      <pc:sldChg chg="modSp modAnim">
+        <pc:chgData name="Chris Johnson" userId="ff589efc-7bdb-4c2a-ab65-6fce12576f74" providerId="ADAL" clId="{DC31C17A-2C30-3D40-9F04-343AF17EA3F3}" dt="2023-03-22T13:55:46.859" v="186" actId="6549"/>
+        <pc:sldMkLst>
+          <pc:docMk/>
+          <pc:sldMk cId="4186803242" sldId="443"/>
+        </pc:sldMkLst>
+        <pc:spChg chg="mod">
+          <ac:chgData name="Chris Johnson" userId="ff589efc-7bdb-4c2a-ab65-6fce12576f74" providerId="ADAL" clId="{DC31C17A-2C30-3D40-9F04-343AF17EA3F3}" dt="2023-03-22T13:55:46.859" v="186" actId="6549"/>
+          <ac:spMkLst>
+            <pc:docMk/>
+            <pc:sldMk cId="4186803242" sldId="443"/>
+            <ac:spMk id="3" creationId="{99DF4C7A-3854-7B4B-8D4F-4AD959A565DC}"/>
+          </ac:spMkLst>
+        </pc:spChg>
+      </pc:sldChg>
+      <pc:sldChg chg="modSp modAnim">
+        <pc:chgData name="Chris Johnson" userId="ff589efc-7bdb-4c2a-ab65-6fce12576f74" providerId="ADAL" clId="{DC31C17A-2C30-3D40-9F04-343AF17EA3F3}" dt="2023-03-22T13:56:01.882" v="200" actId="6549"/>
+        <pc:sldMkLst>
+          <pc:docMk/>
+          <pc:sldMk cId="1180873474" sldId="444"/>
+        </pc:sldMkLst>
+        <pc:spChg chg="mod">
+          <ac:chgData name="Chris Johnson" userId="ff589efc-7bdb-4c2a-ab65-6fce12576f74" providerId="ADAL" clId="{DC31C17A-2C30-3D40-9F04-343AF17EA3F3}" dt="2023-03-22T13:56:01.882" v="200" actId="6549"/>
+          <ac:spMkLst>
+            <pc:docMk/>
+            <pc:sldMk cId="1180873474" sldId="444"/>
+            <ac:spMk id="3" creationId="{99DF4C7A-3854-7B4B-8D4F-4AD959A565DC}"/>
+          </ac:spMkLst>
+        </pc:spChg>
+      </pc:sldChg>
+      <pc:sldChg chg="modSp modAnim">
+        <pc:chgData name="Chris Johnson" userId="ff589efc-7bdb-4c2a-ab65-6fce12576f74" providerId="ADAL" clId="{DC31C17A-2C30-3D40-9F04-343AF17EA3F3}" dt="2023-03-22T14:06:03.606" v="252" actId="20577"/>
+        <pc:sldMkLst>
+          <pc:docMk/>
+          <pc:sldMk cId="663243784" sldId="445"/>
+        </pc:sldMkLst>
+        <pc:spChg chg="mod">
+          <ac:chgData name="Chris Johnson" userId="ff589efc-7bdb-4c2a-ab65-6fce12576f74" providerId="ADAL" clId="{DC31C17A-2C30-3D40-9F04-343AF17EA3F3}" dt="2023-03-22T14:02:20.957" v="247" actId="20577"/>
+          <ac:spMkLst>
+            <pc:docMk/>
+            <pc:sldMk cId="663243784" sldId="445"/>
+            <ac:spMk id="3" creationId="{99DF4C7A-3854-7B4B-8D4F-4AD959A565DC}"/>
+          </ac:spMkLst>
+        </pc:spChg>
+      </pc:sldChg>
+      <pc:sldChg chg="modSp mod modAnim">
+        <pc:chgData name="Chris Johnson" userId="ff589efc-7bdb-4c2a-ab65-6fce12576f74" providerId="ADAL" clId="{DC31C17A-2C30-3D40-9F04-343AF17EA3F3}" dt="2023-03-22T13:56:30.099" v="230" actId="6549"/>
+        <pc:sldMkLst>
+          <pc:docMk/>
+          <pc:sldMk cId="26897159" sldId="469"/>
+        </pc:sldMkLst>
+        <pc:spChg chg="mod">
+          <ac:chgData name="Chris Johnson" userId="ff589efc-7bdb-4c2a-ab65-6fce12576f74" providerId="ADAL" clId="{DC31C17A-2C30-3D40-9F04-343AF17EA3F3}" dt="2023-03-22T13:56:30.099" v="230" actId="6549"/>
+          <ac:spMkLst>
+            <pc:docMk/>
+            <pc:sldMk cId="26897159" sldId="469"/>
+            <ac:spMk id="3" creationId="{99DF4C7A-3854-7B4B-8D4F-4AD959A565DC}"/>
+          </ac:spMkLst>
+        </pc:spChg>
+      </pc:sldChg>
+      <pc:sldChg chg="modSp mod modAnim">
+        <pc:chgData name="Chris Johnson" userId="ff589efc-7bdb-4c2a-ab65-6fce12576f74" providerId="ADAL" clId="{DC31C17A-2C30-3D40-9F04-343AF17EA3F3}" dt="2023-03-22T13:54:12.249" v="104" actId="15"/>
+        <pc:sldMkLst>
+          <pc:docMk/>
+          <pc:sldMk cId="2601394664" sldId="474"/>
+        </pc:sldMkLst>
+        <pc:spChg chg="mod">
+          <ac:chgData name="Chris Johnson" userId="ff589efc-7bdb-4c2a-ab65-6fce12576f74" providerId="ADAL" clId="{DC31C17A-2C30-3D40-9F04-343AF17EA3F3}" dt="2023-03-22T13:54:12.249" v="104" actId="15"/>
+          <ac:spMkLst>
+            <pc:docMk/>
+            <pc:sldMk cId="2601394664" sldId="474"/>
+            <ac:spMk id="3" creationId="{99DF4C7A-3854-7B4B-8D4F-4AD959A565DC}"/>
+          </ac:spMkLst>
+        </pc:spChg>
+      </pc:sldChg>
+      <pc:sldChg chg="modSp modAnim">
+        <pc:chgData name="Chris Johnson" userId="ff589efc-7bdb-4c2a-ab65-6fce12576f74" providerId="ADAL" clId="{DC31C17A-2C30-3D40-9F04-343AF17EA3F3}" dt="2023-03-22T13:52:33.770" v="18" actId="6549"/>
+        <pc:sldMkLst>
+          <pc:docMk/>
+          <pc:sldMk cId="1147268123" sldId="478"/>
+        </pc:sldMkLst>
+        <pc:spChg chg="mod">
+          <ac:chgData name="Chris Johnson" userId="ff589efc-7bdb-4c2a-ab65-6fce12576f74" providerId="ADAL" clId="{DC31C17A-2C30-3D40-9F04-343AF17EA3F3}" dt="2023-03-22T13:52:33.770" v="18" actId="6549"/>
+          <ac:spMkLst>
+            <pc:docMk/>
+            <pc:sldMk cId="1147268123" sldId="478"/>
+            <ac:spMk id="3" creationId="{99DF4C7A-3854-7B4B-8D4F-4AD959A565DC}"/>
+          </ac:spMkLst>
+        </pc:spChg>
+      </pc:sldChg>
+    </pc:docChg>
+  </pc:docChgLst>
+  <pc:docChgLst>
+    <pc:chgData name="Chris Johnson" userId="ff589efc-7bdb-4c2a-ab65-6fce12576f74" providerId="ADAL" clId="{926550C6-F7DD-4446-BA98-9DC9885AA5E9}"/>
+    <pc:docChg chg="undo custSel modSld">
+      <pc:chgData name="Chris Johnson" userId="ff589efc-7bdb-4c2a-ab65-6fce12576f74" providerId="ADAL" clId="{926550C6-F7DD-4446-BA98-9DC9885AA5E9}" dt="2022-11-17T20:57:13.236" v="138"/>
+      <pc:docMkLst>
+        <pc:docMk/>
+      </pc:docMkLst>
+      <pc:sldChg chg="modSp mod">
+        <pc:chgData name="Chris Johnson" userId="ff589efc-7bdb-4c2a-ab65-6fce12576f74" providerId="ADAL" clId="{926550C6-F7DD-4446-BA98-9DC9885AA5E9}" dt="2022-11-17T20:17:25.556" v="31" actId="1035"/>
+        <pc:sldMkLst>
+          <pc:docMk/>
+          <pc:sldMk cId="1986477174" sldId="301"/>
+        </pc:sldMkLst>
+        <pc:spChg chg="mod">
+          <ac:chgData name="Chris Johnson" userId="ff589efc-7bdb-4c2a-ab65-6fce12576f74" providerId="ADAL" clId="{926550C6-F7DD-4446-BA98-9DC9885AA5E9}" dt="2022-11-17T20:17:25.556" v="31" actId="1035"/>
+          <ac:spMkLst>
+            <pc:docMk/>
+            <pc:sldMk cId="1986477174" sldId="301"/>
+            <ac:spMk id="2" creationId="{1AF487AF-3253-5F42-B599-57667778EABD}"/>
+          </ac:spMkLst>
+        </pc:spChg>
+      </pc:sldChg>
+      <pc:sldChg chg="modSp mod">
+        <pc:chgData name="Chris Johnson" userId="ff589efc-7bdb-4c2a-ab65-6fce12576f74" providerId="ADAL" clId="{926550C6-F7DD-4446-BA98-9DC9885AA5E9}" dt="2022-11-17T20:18:20.971" v="64" actId="1076"/>
+        <pc:sldMkLst>
+          <pc:docMk/>
+          <pc:sldMk cId="1769548815" sldId="441"/>
+        </pc:sldMkLst>
+        <pc:spChg chg="mod">
+          <ac:chgData name="Chris Johnson" userId="ff589efc-7bdb-4c2a-ab65-6fce12576f74" providerId="ADAL" clId="{926550C6-F7DD-4446-BA98-9DC9885AA5E9}" dt="2022-11-17T20:18:00.881" v="51" actId="6549"/>
+          <ac:spMkLst>
+            <pc:docMk/>
+            <pc:sldMk cId="1769548815" sldId="441"/>
+            <ac:spMk id="3" creationId="{99DF4C7A-3854-7B4B-8D4F-4AD959A565DC}"/>
+          </ac:spMkLst>
+        </pc:spChg>
+        <pc:spChg chg="mod">
+          <ac:chgData name="Chris Johnson" userId="ff589efc-7bdb-4c2a-ab65-6fce12576f74" providerId="ADAL" clId="{926550C6-F7DD-4446-BA98-9DC9885AA5E9}" dt="2022-11-17T20:18:20.971" v="64" actId="1076"/>
+          <ac:spMkLst>
+            <pc:docMk/>
+            <pc:sldMk cId="1769548815" sldId="441"/>
+            <ac:spMk id="4" creationId="{52FEBBB0-8579-C64A-9BE7-A644EBBA126B}"/>
+          </ac:spMkLst>
+        </pc:spChg>
+        <pc:cxnChg chg="mod">
+          <ac:chgData name="Chris Johnson" userId="ff589efc-7bdb-4c2a-ab65-6fce12576f74" providerId="ADAL" clId="{926550C6-F7DD-4446-BA98-9DC9885AA5E9}" dt="2022-11-17T20:18:20.971" v="64" actId="1076"/>
+          <ac:cxnSpMkLst>
+            <pc:docMk/>
+            <pc:sldMk cId="1769548815" sldId="441"/>
+            <ac:cxnSpMk id="9" creationId="{7EB81E9B-C984-F947-A897-93B0F1ED0421}"/>
+          </ac:cxnSpMkLst>
+        </pc:cxnChg>
+      </pc:sldChg>
+      <pc:sldChg chg="modSp mod">
+        <pc:chgData name="Chris Johnson" userId="ff589efc-7bdb-4c2a-ab65-6fce12576f74" providerId="ADAL" clId="{926550C6-F7DD-4446-BA98-9DC9885AA5E9}" dt="2022-11-17T20:18:37.961" v="81" actId="1076"/>
+        <pc:sldMkLst>
+          <pc:docMk/>
+          <pc:sldMk cId="564689372" sldId="442"/>
+        </pc:sldMkLst>
+        <pc:spChg chg="mod">
+          <ac:chgData name="Chris Johnson" userId="ff589efc-7bdb-4c2a-ab65-6fce12576f74" providerId="ADAL" clId="{926550C6-F7DD-4446-BA98-9DC9885AA5E9}" dt="2022-11-17T20:18:29.284" v="79" actId="6549"/>
+          <ac:spMkLst>
+            <pc:docMk/>
+            <pc:sldMk cId="564689372" sldId="442"/>
+            <ac:spMk id="3" creationId="{99DF4C7A-3854-7B4B-8D4F-4AD959A565DC}"/>
+          </ac:spMkLst>
+        </pc:spChg>
+        <pc:spChg chg="mod">
+          <ac:chgData name="Chris Johnson" userId="ff589efc-7bdb-4c2a-ab65-6fce12576f74" providerId="ADAL" clId="{926550C6-F7DD-4446-BA98-9DC9885AA5E9}" dt="2022-11-17T20:18:37.961" v="81" actId="1076"/>
+          <ac:spMkLst>
+            <pc:docMk/>
+            <pc:sldMk cId="564689372" sldId="442"/>
+            <ac:spMk id="4" creationId="{52FEBBB0-8579-C64A-9BE7-A644EBBA126B}"/>
+          </ac:spMkLst>
+        </pc:spChg>
+        <pc:cxnChg chg="mod">
+          <ac:chgData name="Chris Johnson" userId="ff589efc-7bdb-4c2a-ab65-6fce12576f74" providerId="ADAL" clId="{926550C6-F7DD-4446-BA98-9DC9885AA5E9}" dt="2022-11-17T20:18:34.236" v="80" actId="1076"/>
+          <ac:cxnSpMkLst>
+            <pc:docMk/>
+            <pc:sldMk cId="564689372" sldId="442"/>
+            <ac:cxnSpMk id="9" creationId="{7EB81E9B-C984-F947-A897-93B0F1ED0421}"/>
+          </ac:cxnSpMkLst>
+        </pc:cxnChg>
+      </pc:sldChg>
+      <pc:sldChg chg="modSp mod">
+        <pc:chgData name="Chris Johnson" userId="ff589efc-7bdb-4c2a-ab65-6fce12576f74" providerId="ADAL" clId="{926550C6-F7DD-4446-BA98-9DC9885AA5E9}" dt="2022-11-17T20:19:12.836" v="107" actId="1076"/>
+        <pc:sldMkLst>
+          <pc:docMk/>
+          <pc:sldMk cId="4186803242" sldId="443"/>
+        </pc:sldMkLst>
+        <pc:spChg chg="mod">
+          <ac:chgData name="Chris Johnson" userId="ff589efc-7bdb-4c2a-ab65-6fce12576f74" providerId="ADAL" clId="{926550C6-F7DD-4446-BA98-9DC9885AA5E9}" dt="2022-11-17T20:18:50.877" v="103" actId="20577"/>
+          <ac:spMkLst>
+            <pc:docMk/>
+            <pc:sldMk cId="4186803242" sldId="443"/>
+            <ac:spMk id="3" creationId="{99DF4C7A-3854-7B4B-8D4F-4AD959A565DC}"/>
+          </ac:spMkLst>
+        </pc:spChg>
+        <pc:spChg chg="mod">
+          <ac:chgData name="Chris Johnson" userId="ff589efc-7bdb-4c2a-ab65-6fce12576f74" providerId="ADAL" clId="{926550C6-F7DD-4446-BA98-9DC9885AA5E9}" dt="2022-11-17T20:19:08.556" v="106" actId="6549"/>
+          <ac:spMkLst>
+            <pc:docMk/>
+            <pc:sldMk cId="4186803242" sldId="443"/>
+            <ac:spMk id="4" creationId="{52FEBBB0-8579-C64A-9BE7-A644EBBA126B}"/>
+          </ac:spMkLst>
+        </pc:spChg>
+        <pc:cxnChg chg="mod">
+          <ac:chgData name="Chris Johnson" userId="ff589efc-7bdb-4c2a-ab65-6fce12576f74" providerId="ADAL" clId="{926550C6-F7DD-4446-BA98-9DC9885AA5E9}" dt="2022-11-17T20:19:12.836" v="107" actId="1076"/>
+          <ac:cxnSpMkLst>
+            <pc:docMk/>
+            <pc:sldMk cId="4186803242" sldId="443"/>
+            <ac:cxnSpMk id="9" creationId="{7EB81E9B-C984-F947-A897-93B0F1ED0421}"/>
+          </ac:cxnSpMkLst>
+        </pc:cxnChg>
+      </pc:sldChg>
+      <pc:sldChg chg="modSp mod">
+        <pc:chgData name="Chris Johnson" userId="ff589efc-7bdb-4c2a-ab65-6fce12576f74" providerId="ADAL" clId="{926550C6-F7DD-4446-BA98-9DC9885AA5E9}" dt="2022-11-17T20:19:36.504" v="133" actId="403"/>
+        <pc:sldMkLst>
+          <pc:docMk/>
+          <pc:sldMk cId="1180873474" sldId="444"/>
+        </pc:sldMkLst>
+        <pc:spChg chg="mod">
+          <ac:chgData name="Chris Johnson" userId="ff589efc-7bdb-4c2a-ab65-6fce12576f74" providerId="ADAL" clId="{926550C6-F7DD-4446-BA98-9DC9885AA5E9}" dt="2022-11-17T20:19:24.382" v="129" actId="20577"/>
+          <ac:spMkLst>
+            <pc:docMk/>
+            <pc:sldMk cId="1180873474" sldId="444"/>
+            <ac:spMk id="3" creationId="{99DF4C7A-3854-7B4B-8D4F-4AD959A565DC}"/>
+          </ac:spMkLst>
+        </pc:spChg>
+        <pc:spChg chg="mod">
+          <ac:chgData name="Chris Johnson" userId="ff589efc-7bdb-4c2a-ab65-6fce12576f74" providerId="ADAL" clId="{926550C6-F7DD-4446-BA98-9DC9885AA5E9}" dt="2022-11-17T20:19:36.504" v="133" actId="403"/>
+          <ac:spMkLst>
+            <pc:docMk/>
+            <pc:sldMk cId="1180873474" sldId="444"/>
+            <ac:spMk id="4" creationId="{52FEBBB0-8579-C64A-9BE7-A644EBBA126B}"/>
+          </ac:spMkLst>
+        </pc:spChg>
+        <pc:cxnChg chg="mod">
+          <ac:chgData name="Chris Johnson" userId="ff589efc-7bdb-4c2a-ab65-6fce12576f74" providerId="ADAL" clId="{926550C6-F7DD-4446-BA98-9DC9885AA5E9}" dt="2022-11-17T20:19:27.906" v="130" actId="1076"/>
+          <ac:cxnSpMkLst>
+            <pc:docMk/>
+            <pc:sldMk cId="1180873474" sldId="444"/>
+            <ac:cxnSpMk id="9" creationId="{7EB81E9B-C984-F947-A897-93B0F1ED0421}"/>
+          </ac:cxnSpMkLst>
+        </pc:cxnChg>
+      </pc:sldChg>
+      <pc:sldChg chg="addSp delSp modSp mod">
+        <pc:chgData name="Chris Johnson" userId="ff589efc-7bdb-4c2a-ab65-6fce12576f74" providerId="ADAL" clId="{926550C6-F7DD-4446-BA98-9DC9885AA5E9}" dt="2022-11-17T20:57:13.236" v="138"/>
+        <pc:sldMkLst>
+          <pc:docMk/>
+          <pc:sldMk cId="663243784" sldId="445"/>
+        </pc:sldMkLst>
+        <pc:spChg chg="mod">
+          <ac:chgData name="Chris Johnson" userId="ff589efc-7bdb-4c2a-ab65-6fce12576f74" providerId="ADAL" clId="{926550C6-F7DD-4446-BA98-9DC9885AA5E9}" dt="2022-11-17T20:21:00.888" v="135" actId="27636"/>
+          <ac:spMkLst>
+            <pc:docMk/>
+            <pc:sldMk cId="663243784" sldId="445"/>
+            <ac:spMk id="3" creationId="{99DF4C7A-3854-7B4B-8D4F-4AD959A565DC}"/>
+          </ac:spMkLst>
+        </pc:spChg>
+        <pc:spChg chg="add del mod">
+          <ac:chgData name="Chris Johnson" userId="ff589efc-7bdb-4c2a-ab65-6fce12576f74" providerId="ADAL" clId="{926550C6-F7DD-4446-BA98-9DC9885AA5E9}" dt="2022-11-17T20:57:13.236" v="138"/>
+          <ac:spMkLst>
+            <pc:docMk/>
+            <pc:sldMk cId="663243784" sldId="445"/>
+            <ac:spMk id="4" creationId="{C5ED1C54-E2F8-EA00-ECD8-C429662D3E2E}"/>
+          </ac:spMkLst>
+        </pc:spChg>
+      </pc:sldChg>
+    </pc:docChg>
+  </pc:docChgLst>
+</pc:chgInfo>
+</file>
+
 <file path=ppt/notesMasters/notesMaster1.xml><?xml version="1.0" encoding="utf-8"?>
 <p:notesMaster xmlns:a="http://schemas.openxmlformats.org/drawingml/2006/main" xmlns:r="http://schemas.openxmlformats.org/officeDocument/2006/relationships" xmlns:p="http://schemas.openxmlformats.org/presentationml/2006/main">
   <p:cSld>
@@ -210,7 +568,7 @@
           <a:p>
             <a:fld id="{92107E4A-59D9-C648-BC62-133DA4EC414F}" type="datetimeFigureOut">
               <a:rPr lang="en-US" smtClean="0"/>
-              <a:t>4/29/2022</a:t>
+              <a:t>3/22/23</a:t>
             </a:fld>
             <a:endParaRPr lang="en-US"/>
           </a:p>
@@ -477,6 +835,90 @@
 </p:notesMaster>
 </file>
 
+<file path=ppt/notesSlides/notesSlide1.xml><?xml version="1.0" encoding="utf-8"?>
+<p:notes xmlns:a="http://schemas.openxmlformats.org/drawingml/2006/main" xmlns:r="http://schemas.openxmlformats.org/officeDocument/2006/relationships" xmlns:p="http://schemas.openxmlformats.org/presentationml/2006/main">
+  <p:cSld>
+    <p:spTree>
+      <p:nvGrpSpPr>
+        <p:cNvPr id="1" name=""/>
+        <p:cNvGrpSpPr/>
+        <p:nvPr/>
+      </p:nvGrpSpPr>
+      <p:grpSpPr>
+        <a:xfrm>
+          <a:off x="0" y="0"/>
+          <a:ext cx="0" cy="0"/>
+          <a:chOff x="0" y="0"/>
+          <a:chExt cx="0" cy="0"/>
+        </a:xfrm>
+      </p:grpSpPr>
+      <p:sp>
+        <p:nvSpPr>
+          <p:cNvPr id="2" name="Slide Image Placeholder 1"/>
+          <p:cNvSpPr>
+            <a:spLocks noGrp="1" noRot="1" noChangeAspect="1"/>
+          </p:cNvSpPr>
+          <p:nvPr>
+            <p:ph type="sldImg"/>
+          </p:nvPr>
+        </p:nvSpPr>
+        <p:spPr/>
+      </p:sp>
+      <p:sp>
+        <p:nvSpPr>
+          <p:cNvPr id="3" name="Notes Placeholder 2"/>
+          <p:cNvSpPr>
+            <a:spLocks noGrp="1"/>
+          </p:cNvSpPr>
+          <p:nvPr>
+            <p:ph type="body" idx="1"/>
+          </p:nvPr>
+        </p:nvSpPr>
+        <p:spPr/>
+        <p:txBody>
+          <a:bodyPr/>
+          <a:lstStyle/>
+          <a:p>
+            <a:endParaRPr lang="en-US" dirty="0"/>
+          </a:p>
+        </p:txBody>
+      </p:sp>
+      <p:sp>
+        <p:nvSpPr>
+          <p:cNvPr id="4" name="Slide Number Placeholder 3"/>
+          <p:cNvSpPr>
+            <a:spLocks noGrp="1"/>
+          </p:cNvSpPr>
+          <p:nvPr>
+            <p:ph type="sldNum" sz="quarter" idx="5"/>
+          </p:nvPr>
+        </p:nvSpPr>
+        <p:spPr/>
+        <p:txBody>
+          <a:bodyPr/>
+          <a:lstStyle/>
+          <a:p>
+            <a:fld id="{08E4455B-62BF-5D44-9335-C2CCD755CFEA}" type="slidenum">
+              <a:rPr lang="en-US" smtClean="0"/>
+              <a:t>13</a:t>
+            </a:fld>
+            <a:endParaRPr lang="en-US"/>
+          </a:p>
+        </p:txBody>
+      </p:sp>
+    </p:spTree>
+    <p:extLst>
+      <p:ext uri="{BB962C8B-B14F-4D97-AF65-F5344CB8AC3E}">
+        <p14:creationId xmlns:p14="http://schemas.microsoft.com/office/powerpoint/2010/main" val="890996975"/>
+      </p:ext>
+    </p:extLst>
+  </p:cSld>
+  <p:clrMapOvr>
+    <a:masterClrMapping/>
+  </p:clrMapOvr>
+</p:notes>
+</file>
+
 <file path=ppt/slideLayouts/slideLayout1.xml><?xml version="1.0" encoding="utf-8"?>
 <p:sldLayout xmlns:a="http://schemas.openxmlformats.org/drawingml/2006/main" xmlns:r="http://schemas.openxmlformats.org/officeDocument/2006/relationships" xmlns:p="http://schemas.openxmlformats.org/presentationml/2006/main" type="title" preserve="1">
   <p:cSld name="Title Slide">
@@ -616,7 +1058,7 @@
           <a:p>
             <a:fld id="{4AB1357F-A277-7442-BEE7-4FE250216E54}" type="datetimeFigureOut">
               <a:rPr lang="en-US" smtClean="0"/>
-              <a:t>4/29/2022</a:t>
+              <a:t>3/22/23</a:t>
             </a:fld>
             <a:endParaRPr lang="en-US"/>
           </a:p>
@@ -827,7 +1269,7 @@
           <a:p>
             <a:fld id="{4AB1357F-A277-7442-BEE7-4FE250216E54}" type="datetimeFigureOut">
               <a:rPr lang="en-US" smtClean="0"/>
-              <a:t>4/29/2022</a:t>
+              <a:t>3/22/23</a:t>
             </a:fld>
             <a:endParaRPr lang="en-US"/>
           </a:p>
@@ -1042,7 +1484,7 @@
           <a:p>
             <a:fld id="{4AB1357F-A277-7442-BEE7-4FE250216E54}" type="datetimeFigureOut">
               <a:rPr lang="en-US" smtClean="0"/>
-              <a:t>4/29/2022</a:t>
+              <a:t>3/22/23</a:t>
             </a:fld>
             <a:endParaRPr lang="en-US"/>
           </a:p>
@@ -1243,7 +1685,7 @@
           <a:p>
             <a:fld id="{4AB1357F-A277-7442-BEE7-4FE250216E54}" type="datetimeFigureOut">
               <a:rPr lang="en-US" smtClean="0"/>
-              <a:t>4/29/2022</a:t>
+              <a:t>3/22/23</a:t>
             </a:fld>
             <a:endParaRPr lang="en-US"/>
           </a:p>
@@ -1522,7 +1964,7 @@
           <a:p>
             <a:fld id="{4AB1357F-A277-7442-BEE7-4FE250216E54}" type="datetimeFigureOut">
               <a:rPr lang="en-US" smtClean="0"/>
-              <a:t>4/29/2022</a:t>
+              <a:t>3/22/23</a:t>
             </a:fld>
             <a:endParaRPr lang="en-US"/>
           </a:p>
@@ -1790,7 +2232,7 @@
           <a:p>
             <a:fld id="{4AB1357F-A277-7442-BEE7-4FE250216E54}" type="datetimeFigureOut">
               <a:rPr lang="en-US" smtClean="0"/>
-              <a:t>4/29/2022</a:t>
+              <a:t>3/22/23</a:t>
             </a:fld>
             <a:endParaRPr lang="en-US"/>
           </a:p>
@@ -2206,7 +2648,7 @@
           <a:p>
             <a:fld id="{4AB1357F-A277-7442-BEE7-4FE250216E54}" type="datetimeFigureOut">
               <a:rPr lang="en-US" smtClean="0"/>
-              <a:t>4/29/2022</a:t>
+              <a:t>3/22/23</a:t>
             </a:fld>
             <a:endParaRPr lang="en-US"/>
           </a:p>
@@ -2355,7 +2797,7 @@
           <a:p>
             <a:fld id="{4AB1357F-A277-7442-BEE7-4FE250216E54}" type="datetimeFigureOut">
               <a:rPr lang="en-US" smtClean="0"/>
-              <a:t>4/29/2022</a:t>
+              <a:t>3/22/23</a:t>
             </a:fld>
             <a:endParaRPr lang="en-US"/>
           </a:p>
@@ -2481,7 +2923,7 @@
           <a:p>
             <a:fld id="{4AB1357F-A277-7442-BEE7-4FE250216E54}" type="datetimeFigureOut">
               <a:rPr lang="en-US" smtClean="0"/>
-              <a:t>4/29/2022</a:t>
+              <a:t>3/22/23</a:t>
             </a:fld>
             <a:endParaRPr lang="en-US"/>
           </a:p>
@@ -2732,7 +3174,7 @@
           <a:p>
             <a:fld id="{4AB1357F-A277-7442-BEE7-4FE250216E54}" type="datetimeFigureOut">
               <a:rPr lang="en-US" smtClean="0"/>
-              <a:t>4/29/2022</a:t>
+              <a:t>3/22/23</a:t>
             </a:fld>
             <a:endParaRPr lang="en-US"/>
           </a:p>
@@ -3177,7 +3619,7 @@
           <a:p>
             <a:fld id="{4AB1357F-A277-7442-BEE7-4FE250216E54}" type="datetimeFigureOut">
               <a:rPr lang="en-US" smtClean="0"/>
-              <a:t>4/29/2022</a:t>
+              <a:t>3/22/23</a:t>
             </a:fld>
             <a:endParaRPr lang="en-US"/>
           </a:p>
@@ -3504,7 +3946,7 @@
           <a:p>
             <a:fld id="{4AB1357F-A277-7442-BEE7-4FE250216E54}" type="datetimeFigureOut">
               <a:rPr lang="en-US" smtClean="0"/>
-              <a:t>4/29/2022</a:t>
+              <a:t>3/22/23</a:t>
             </a:fld>
             <a:endParaRPr lang="en-US"/>
           </a:p>
@@ -4008,7 +4450,7 @@
         </p:nvSpPr>
         <p:spPr>
           <a:xfrm>
-            <a:off x="1964987" y="802298"/>
+            <a:off x="1964987" y="243498"/>
             <a:ext cx="9089865" cy="3822329"/>
           </a:xfrm>
         </p:spPr>
@@ -4034,20 +4476,12 @@
               <a:rPr lang="en-US" sz="2400" dirty="0"/>
               <a:t>ULI101:  Introduction to Unix / Linux and the Internet</a:t>
             </a:r>
-            <a:r>
-              <a:rPr lang="en-US" dirty="0"/>
-              <a:t/>
-            </a:r>
             <a:br>
               <a:rPr lang="en-US" dirty="0"/>
             </a:br>
             <a:r>
               <a:rPr lang="en-US" sz="1200" dirty="0"/>
               <a:t> </a:t>
-            </a:r>
-            <a:r>
-              <a:rPr lang="en-US" dirty="0"/>
-              <a:t/>
             </a:r>
             <a:br>
               <a:rPr lang="en-US" dirty="0"/>
@@ -4069,23 +4503,7 @@
                   <a:srgbClr val="0070C0"/>
                 </a:solidFill>
               </a:rPr>
-              <a:t>Week </a:t>
-            </a:r>
-            <a:r>
-              <a:rPr lang="en-US" sz="2200" dirty="0" smtClean="0">
-                <a:solidFill>
-                  <a:srgbClr val="0070C0"/>
-                </a:solidFill>
-              </a:rPr>
-              <a:t>10 </a:t>
-            </a:r>
-            <a:r>
-              <a:rPr lang="en-US" sz="2200" dirty="0">
-                <a:solidFill>
-                  <a:srgbClr val="0070C0"/>
-                </a:solidFill>
-              </a:rPr>
-              <a:t>lesson 1</a:t>
+              <a:t>Week 10 lesson 1</a:t>
             </a:r>
             <a:br>
               <a:rPr lang="en-US" sz="2200" dirty="0">
@@ -4094,10 +4512,6 @@
                 </a:solidFill>
               </a:rPr>
             </a:br>
-            <a:r>
-              <a:rPr lang="en-US" sz="2200" dirty="0"/>
-              <a:t/>
-            </a:r>
             <a:br>
               <a:rPr lang="en-US" sz="2200" dirty="0"/>
             </a:br>
@@ -4117,35 +4531,6 @@
               </a:rPr>
               <a:t>The sed utility </a:t>
             </a:r>
-            <a:br>
-              <a:rPr lang="en-CA" sz="2200" dirty="0">
-                <a:solidFill>
-                  <a:srgbClr val="0070C0"/>
-                </a:solidFill>
-              </a:rPr>
-            </a:br>
-            <a:r>
-              <a:rPr lang="en-CA" sz="2200" dirty="0">
-                <a:solidFill>
-                  <a:srgbClr val="0070C0"/>
-                </a:solidFill>
-              </a:rPr>
-              <a:t>   </a:t>
-            </a:r>
-            <a:r>
-              <a:rPr lang="en-CA" dirty="0"/>
-              <a:t/>
-            </a:r>
-            <a:br>
-              <a:rPr lang="en-CA" dirty="0"/>
-            </a:br>
-            <a:r>
-              <a:rPr lang="en-US" sz="2400" dirty="0"/>
-              <a:t/>
-            </a:r>
-            <a:br>
-              <a:rPr lang="en-US" sz="2400" dirty="0"/>
-            </a:br>
             <a:endParaRPr lang="en-US" dirty="0"/>
           </a:p>
         </p:txBody>
@@ -4205,13 +4590,6 @@
   <p:clrMapOvr>
     <a:masterClrMapping/>
   </p:clrMapOvr>
-  <p:timing>
-    <p:tnLst>
-      <p:par>
-        <p:cTn id="1" dur="indefinite" restart="never" nodeType="tmRoot"/>
-      </p:par>
-    </p:tnLst>
-  </p:timing>
 </p:sld>
 </file>
 
@@ -4287,7 +4665,7 @@
         </p:spPr>
         <p:txBody>
           <a:bodyPr>
-            <a:normAutofit fontScale="70000" lnSpcReduction="20000"/>
+            <a:normAutofit/>
           </a:bodyPr>
           <a:lstStyle/>
           <a:p>
@@ -4298,61 +4676,34 @@
               <a:rPr lang="en-CA" sz="2400" b="1" dirty="0"/>
               <a:t>Example 4</a:t>
             </a:r>
-            <a:r>
-              <a:rPr lang="en-CA" b="1" dirty="0"/>
-              <a:t/>
-            </a:r>
-            <a:br>
-              <a:rPr lang="en-CA" b="1" dirty="0"/>
-            </a:br>
-            <a:r>
-              <a:rPr lang="en-CA" b="1" dirty="0"/>
-              <a:t/>
-            </a:r>
-            <a:br>
-              <a:rPr lang="en-CA" b="1" dirty="0"/>
-            </a:br>
-            <a:r>
-              <a:rPr lang="en-CA" dirty="0"/>
-              <a:t>The following sed command displays a </a:t>
-            </a:r>
-            <a:r>
-              <a:rPr lang="en-CA" b="1" dirty="0"/>
-              <a:t>TAB</a:t>
-            </a:r>
-            <a:r>
-              <a:rPr lang="en-CA" dirty="0"/>
-              <a:t> character</a:t>
-            </a:r>
-            <a:br>
-              <a:rPr lang="en-CA" dirty="0"/>
-            </a:br>
-            <a:r>
-              <a:rPr lang="en-CA" dirty="0"/>
-              <a:t>for lines contained in a file. </a:t>
-            </a:r>
-            <a:br>
-              <a:rPr lang="en-CA" dirty="0"/>
-            </a:br>
-            <a:endParaRPr lang="en-CA" dirty="0"/>
           </a:p>
           <a:p>
             <a:pPr marL="0" indent="0">
               <a:buNone/>
             </a:pPr>
             <a:r>
+              <a:rPr lang="en-CA" dirty="0"/>
+              <a:t>The following sed command displays a </a:t>
+            </a:r>
+            <a:r>
+              <a:rPr lang="en-CA" b="1" dirty="0"/>
+              <a:t>TAB</a:t>
+            </a:r>
+            <a:r>
+              <a:rPr lang="en-CA" dirty="0"/>
+              <a:t> character for lines contained in a file. </a:t>
+            </a:r>
+          </a:p>
+          <a:p>
+            <a:pPr marL="0" indent="0">
+              <a:buNone/>
+            </a:pPr>
+            <a:r>
               <a:rPr lang="en-CA" b="1" dirty="0">
                 <a:latin typeface="Courier New" panose="02070309020205020404" pitchFamily="49" charset="0"/>
                 <a:cs typeface="Courier New" panose="02070309020205020404" pitchFamily="49" charset="0"/>
               </a:rPr>
               <a:t>$ sed 's/^./\t&amp;/' readme </a:t>
-            </a:r>
-            <a:r>
-              <a:rPr lang="en-CA" dirty="0">
-                <a:latin typeface="Courier New" panose="02070309020205020404" pitchFamily="49" charset="0"/>
-                <a:cs typeface="Courier New" panose="02070309020205020404" pitchFamily="49" charset="0"/>
-              </a:rPr>
-              <a:t/>
             </a:r>
             <a:br>
               <a:rPr lang="en-CA" dirty="0">
@@ -4406,129 +4757,6 @@
               </a:rPr>
               <a:t>   etc...</a:t>
             </a:r>
-            <a:br>
-              <a:rPr lang="en-CA" dirty="0">
-                <a:latin typeface="Courier New" panose="02070309020205020404" pitchFamily="49" charset="0"/>
-                <a:cs typeface="Courier New" panose="02070309020205020404" pitchFamily="49" charset="0"/>
-              </a:rPr>
-            </a:br>
-            <a:r>
-              <a:rPr lang="en-CA" dirty="0">
-                <a:latin typeface="Courier New" panose="02070309020205020404" pitchFamily="49" charset="0"/>
-                <a:cs typeface="Courier New" panose="02070309020205020404" pitchFamily="49" charset="0"/>
-              </a:rPr>
-              <a:t/>
-            </a:r>
-            <a:br>
-              <a:rPr lang="en-CA" dirty="0">
-                <a:latin typeface="Courier New" panose="02070309020205020404" pitchFamily="49" charset="0"/>
-                <a:cs typeface="Courier New" panose="02070309020205020404" pitchFamily="49" charset="0"/>
-              </a:rPr>
-            </a:br>
-            <a:r>
-              <a:rPr lang="en-CA" dirty="0">
-                <a:latin typeface="Courier New" panose="02070309020205020404" pitchFamily="49" charset="0"/>
-                <a:cs typeface="Courier New" panose="02070309020205020404" pitchFamily="49" charset="0"/>
-              </a:rPr>
-              <a:t/>
-            </a:r>
-            <a:br>
-              <a:rPr lang="en-CA" dirty="0">
-                <a:latin typeface="Courier New" panose="02070309020205020404" pitchFamily="49" charset="0"/>
-                <a:cs typeface="Courier New" panose="02070309020205020404" pitchFamily="49" charset="0"/>
-              </a:rPr>
-            </a:br>
-            <a:r>
-              <a:rPr lang="en-CA" dirty="0">
-                <a:latin typeface="Courier New" panose="02070309020205020404" pitchFamily="49" charset="0"/>
-                <a:cs typeface="Courier New" panose="02070309020205020404" pitchFamily="49" charset="0"/>
-              </a:rPr>
-              <a:t/>
-            </a:r>
-            <a:br>
-              <a:rPr lang="en-CA" dirty="0">
-                <a:latin typeface="Courier New" panose="02070309020205020404" pitchFamily="49" charset="0"/>
-                <a:cs typeface="Courier New" panose="02070309020205020404" pitchFamily="49" charset="0"/>
-              </a:rPr>
-            </a:br>
-            <a:r>
-              <a:rPr lang="en-CA" dirty="0">
-                <a:latin typeface="Courier New" panose="02070309020205020404" pitchFamily="49" charset="0"/>
-                <a:cs typeface="Courier New" panose="02070309020205020404" pitchFamily="49" charset="0"/>
-              </a:rPr>
-              <a:t/>
-            </a:r>
-            <a:br>
-              <a:rPr lang="en-CA" dirty="0">
-                <a:latin typeface="Courier New" panose="02070309020205020404" pitchFamily="49" charset="0"/>
-                <a:cs typeface="Courier New" panose="02070309020205020404" pitchFamily="49" charset="0"/>
-              </a:rPr>
-            </a:br>
-            <a:r>
-              <a:rPr lang="en-CA" dirty="0">
-                <a:latin typeface="Courier New" panose="02070309020205020404" pitchFamily="49" charset="0"/>
-                <a:cs typeface="Courier New" panose="02070309020205020404" pitchFamily="49" charset="0"/>
-              </a:rPr>
-              <a:t/>
-            </a:r>
-            <a:br>
-              <a:rPr lang="en-CA" dirty="0">
-                <a:latin typeface="Courier New" panose="02070309020205020404" pitchFamily="49" charset="0"/>
-                <a:cs typeface="Courier New" panose="02070309020205020404" pitchFamily="49" charset="0"/>
-              </a:rPr>
-            </a:br>
-            <a:r>
-              <a:rPr lang="en-CA" dirty="0">
-                <a:latin typeface="Courier New" panose="02070309020205020404" pitchFamily="49" charset="0"/>
-                <a:cs typeface="Courier New" panose="02070309020205020404" pitchFamily="49" charset="0"/>
-              </a:rPr>
-              <a:t/>
-            </a:r>
-            <a:br>
-              <a:rPr lang="en-CA" dirty="0">
-                <a:latin typeface="Courier New" panose="02070309020205020404" pitchFamily="49" charset="0"/>
-                <a:cs typeface="Courier New" panose="02070309020205020404" pitchFamily="49" charset="0"/>
-              </a:rPr>
-            </a:br>
-            <a:r>
-              <a:rPr lang="en-CA" dirty="0">
-                <a:latin typeface="Courier New" panose="02070309020205020404" pitchFamily="49" charset="0"/>
-                <a:cs typeface="Courier New" panose="02070309020205020404" pitchFamily="49" charset="0"/>
-              </a:rPr>
-              <a:t/>
-            </a:r>
-            <a:br>
-              <a:rPr lang="en-CA" dirty="0">
-                <a:latin typeface="Courier New" panose="02070309020205020404" pitchFamily="49" charset="0"/>
-                <a:cs typeface="Courier New" panose="02070309020205020404" pitchFamily="49" charset="0"/>
-              </a:rPr>
-            </a:br>
-            <a:r>
-              <a:rPr lang="en-CA" dirty="0">
-                <a:latin typeface="Courier New" panose="02070309020205020404" pitchFamily="49" charset="0"/>
-                <a:cs typeface="Courier New" panose="02070309020205020404" pitchFamily="49" charset="0"/>
-              </a:rPr>
-              <a:t/>
-            </a:r>
-            <a:br>
-              <a:rPr lang="en-CA" dirty="0">
-                <a:latin typeface="Courier New" panose="02070309020205020404" pitchFamily="49" charset="0"/>
-                <a:cs typeface="Courier New" panose="02070309020205020404" pitchFamily="49" charset="0"/>
-              </a:rPr>
-            </a:br>
-            <a:r>
-              <a:rPr lang="en-CA" dirty="0">
-                <a:latin typeface="Courier New" panose="02070309020205020404" pitchFamily="49" charset="0"/>
-                <a:cs typeface="Courier New" panose="02070309020205020404" pitchFamily="49" charset="0"/>
-              </a:rPr>
-              <a:t/>
-            </a:r>
-            <a:br>
-              <a:rPr lang="en-CA" dirty="0">
-                <a:latin typeface="Courier New" panose="02070309020205020404" pitchFamily="49" charset="0"/>
-                <a:cs typeface="Courier New" panose="02070309020205020404" pitchFamily="49" charset="0"/>
-              </a:rPr>
-            </a:br>
             <a:endParaRPr lang="en-CA" b="1" dirty="0">
               <a:solidFill>
                 <a:srgbClr val="0070C0"/>
@@ -4554,7 +4782,7 @@
         <p:spPr>
           <a:xfrm>
             <a:off x="6653494" y="2972922"/>
-            <a:ext cx="5113867" cy="2031325"/>
+            <a:ext cx="5113867" cy="3139321"/>
           </a:xfrm>
           <a:prstGeom prst="rect">
             <a:avLst/>
@@ -4571,11 +4799,11 @@
           <a:lstStyle/>
           <a:p>
             <a:r>
-              <a:rPr lang="en-CA" sz="1400" dirty="0"/>
+              <a:rPr lang="en-CA" dirty="0"/>
               <a:t>The regular expression in the following instruction (</a:t>
             </a:r>
             <a:r>
-              <a:rPr lang="en-CA" sz="1400" b="1" dirty="0">
+              <a:rPr lang="en-CA" b="1" dirty="0">
                 <a:solidFill>
                   <a:srgbClr val="0070C0"/>
                 </a:solidFill>
@@ -4585,35 +4813,28 @@
               <a:t>^.</a:t>
             </a:r>
             <a:r>
-              <a:rPr lang="en-CA" sz="1400" dirty="0"/>
+              <a:rPr lang="en-CA" dirty="0"/>
               <a:t>) matches one character at the beginning of every line that is not empty. </a:t>
             </a:r>
           </a:p>
           <a:p>
-            <a:endParaRPr lang="en-CA" sz="1400" dirty="0"/>
-          </a:p>
-          <a:p>
-            <a:r>
-              <a:rPr lang="en-CA" sz="1400" dirty="0"/>
-              <a:t> The replacement string (between the second and third forward slashes) contains a backslash escape sequence that represents </a:t>
-            </a:r>
-            <a:br>
-              <a:rPr lang="en-CA" sz="1400" dirty="0"/>
-            </a:br>
-            <a:r>
-              <a:rPr lang="en-CA" sz="1400" dirty="0"/>
-              <a:t>a </a:t>
-            </a:r>
-            <a:r>
-              <a:rPr lang="en-CA" sz="1400" b="1" dirty="0"/>
+            <a:endParaRPr lang="en-CA" dirty="0"/>
+          </a:p>
+          <a:p>
+            <a:r>
+              <a:rPr lang="en-CA" dirty="0"/>
+              <a:t> The replacement string (between the second and third forward slashes) contains a backslash escape sequence that represents a </a:t>
+            </a:r>
+            <a:r>
+              <a:rPr lang="en-CA" b="1" dirty="0"/>
               <a:t>TAB</a:t>
             </a:r>
             <a:r>
-              <a:rPr lang="en-CA" sz="1400" dirty="0"/>
+              <a:rPr lang="en-CA" dirty="0"/>
               <a:t> character </a:t>
             </a:r>
             <a:r>
-              <a:rPr lang="en-CA" sz="1400" b="1" dirty="0">
+              <a:rPr lang="en-CA" b="1" dirty="0">
                 <a:solidFill>
                   <a:srgbClr val="0070C0"/>
                 </a:solidFill>
@@ -4623,11 +4844,11 @@
               <a:t>(\t</a:t>
             </a:r>
             <a:r>
-              <a:rPr lang="en-CA" sz="1400" dirty="0"/>
+              <a:rPr lang="en-CA" dirty="0"/>
               <a:t>) followed by an ampersand (</a:t>
             </a:r>
             <a:r>
-              <a:rPr lang="en-CA" sz="1400" b="1" dirty="0">
+              <a:rPr lang="en-CA" b="1" dirty="0">
                 <a:solidFill>
                   <a:srgbClr val="0070C0"/>
                 </a:solidFill>
@@ -4637,28 +4858,28 @@
               <a:t>&amp;</a:t>
             </a:r>
             <a:r>
-              <a:rPr lang="en-CA" sz="1400" dirty="0"/>
+              <a:rPr lang="en-CA" dirty="0"/>
               <a:t>). </a:t>
             </a:r>
           </a:p>
           <a:p>
-            <a:endParaRPr lang="en-CA" sz="1400" dirty="0"/>
-          </a:p>
-          <a:p>
-            <a:r>
-              <a:rPr lang="en-CA" sz="1400" dirty="0"/>
+            <a:endParaRPr lang="en-CA" dirty="0"/>
+          </a:p>
+          <a:p>
+            <a:r>
+              <a:rPr lang="en-CA" dirty="0"/>
               <a:t>The </a:t>
             </a:r>
             <a:r>
-              <a:rPr lang="en-CA" sz="1400" b="1" dirty="0"/>
+              <a:rPr lang="en-CA" b="1" dirty="0"/>
               <a:t>ampersand</a:t>
             </a:r>
             <a:r>
-              <a:rPr lang="en-CA" sz="1400" dirty="0"/>
+              <a:rPr lang="en-CA" dirty="0"/>
               <a:t> character (</a:t>
             </a:r>
             <a:r>
-              <a:rPr lang="en-CA" sz="1400" b="1" dirty="0">
+              <a:rPr lang="en-CA" b="1" dirty="0">
                 <a:solidFill>
                   <a:srgbClr val="0070C0"/>
                 </a:solidFill>
@@ -4668,10 +4889,10 @@
               <a:t>&amp;</a:t>
             </a:r>
             <a:r>
-              <a:rPr lang="en-CA" sz="1400" dirty="0"/>
+              <a:rPr lang="en-CA" dirty="0"/>
               <a:t>) takes on the value of what the regular expression matched.</a:t>
             </a:r>
-            <a:endParaRPr lang="en-US" sz="1400" dirty="0"/>
+            <a:endParaRPr lang="en-US" dirty="0"/>
           </a:p>
         </p:txBody>
       </p:sp>
@@ -4691,7 +4912,7 @@
         </p:nvCxnSpPr>
         <p:spPr>
           <a:xfrm flipH="1">
-            <a:off x="5138166" y="3223684"/>
+            <a:off x="5227066" y="4366684"/>
             <a:ext cx="1233583" cy="0"/>
           </a:xfrm>
           <a:prstGeom prst="straightConnector1">
@@ -4737,7 +4958,7 @@
           <a:blip r:embed="rId2">
             <a:extLst>
               <a:ext uri="{837473B0-CC2E-450A-ABE3-18F120FF3D39}">
-                <a1611:picAttrSrcUrl xmlns:a1611="http://schemas.microsoft.com/office/drawing/2016/11/main" xmlns="" r:id="rId3"/>
+                <a1611:picAttrSrcUrl xmlns:a1611="http://schemas.microsoft.com/office/drawing/2016/11/main" r:id="rId3"/>
               </a:ext>
             </a:extLst>
           </a:blip>
@@ -4850,6 +5071,37 @@
                                   </p:childTnLst>
                                 </p:cTn>
                               </p:par>
+                              <p:par>
+                                <p:cTn id="9" presetID="1" presetClass="entr" presetSubtype="0" fill="hold" grpId="0" nodeType="withEffect">
+                                  <p:stCondLst>
+                                    <p:cond delay="0"/>
+                                  </p:stCondLst>
+                                  <p:childTnLst>
+                                    <p:set>
+                                      <p:cBhvr>
+                                        <p:cTn id="10" dur="1" fill="hold">
+                                          <p:stCondLst>
+                                            <p:cond delay="0"/>
+                                          </p:stCondLst>
+                                        </p:cTn>
+                                        <p:tgtEl>
+                                          <p:spTgt spid="3">
+                                            <p:txEl>
+                                              <p:pRg st="2" end="2"/>
+                                            </p:txEl>
+                                          </p:spTgt>
+                                        </p:tgtEl>
+                                        <p:attrNameLst>
+                                          <p:attrName>style.visibility</p:attrName>
+                                        </p:attrNameLst>
+                                      </p:cBhvr>
+                                      <p:to>
+                                        <p:strVal val="visible"/>
+                                      </p:to>
+                                    </p:set>
+                                  </p:childTnLst>
+                                </p:cTn>
+                              </p:par>
                             </p:childTnLst>
                           </p:cTn>
                         </p:par>
@@ -4857,26 +5109,26 @@
                     </p:cTn>
                   </p:par>
                   <p:par>
-                    <p:cTn id="9" fill="hold">
+                    <p:cTn id="11" fill="hold">
                       <p:stCondLst>
                         <p:cond delay="indefinite"/>
                       </p:stCondLst>
                       <p:childTnLst>
                         <p:par>
-                          <p:cTn id="10" fill="hold">
+                          <p:cTn id="12" fill="hold">
                             <p:stCondLst>
                               <p:cond delay="0"/>
                             </p:stCondLst>
                             <p:childTnLst>
                               <p:par>
-                                <p:cTn id="11" presetID="1" presetClass="entr" presetSubtype="0" fill="hold" nodeType="clickEffect">
+                                <p:cTn id="13" presetID="1" presetClass="entr" presetSubtype="0" fill="hold" nodeType="clickEffect">
                                   <p:stCondLst>
                                     <p:cond delay="0"/>
                                   </p:stCondLst>
                                   <p:childTnLst>
                                     <p:set>
                                       <p:cBhvr>
-                                        <p:cTn id="12" dur="1" fill="hold">
+                                        <p:cTn id="14" dur="1" fill="hold">
                                           <p:stCondLst>
                                             <p:cond delay="0"/>
                                           </p:stCondLst>
@@ -4899,20 +5151,20 @@
                           </p:cTn>
                         </p:par>
                         <p:par>
-                          <p:cTn id="13" fill="hold">
+                          <p:cTn id="15" fill="hold">
                             <p:stCondLst>
                               <p:cond delay="0"/>
                             </p:stCondLst>
                             <p:childTnLst>
                               <p:par>
-                                <p:cTn id="14" presetID="1" presetClass="entr" presetSubtype="0" fill="hold" grpId="0" nodeType="afterEffect">
+                                <p:cTn id="16" presetID="1" presetClass="entr" presetSubtype="0" fill="hold" grpId="0" nodeType="afterEffect">
                                   <p:stCondLst>
                                     <p:cond delay="0"/>
                                   </p:stCondLst>
                                   <p:childTnLst>
                                     <p:set>
                                       <p:cBhvr>
-                                        <p:cTn id="15" dur="1" fill="hold">
+                                        <p:cTn id="17" dur="1" fill="hold">
                                           <p:stCondLst>
                                             <p:cond delay="0"/>
                                           </p:stCondLst>
@@ -5038,7 +5290,7 @@
         </p:spPr>
         <p:txBody>
           <a:bodyPr>
-            <a:normAutofit fontScale="70000" lnSpcReduction="20000"/>
+            <a:normAutofit/>
           </a:bodyPr>
           <a:lstStyle/>
           <a:p>
@@ -5049,53 +5301,37 @@
               <a:rPr lang="en-CA" sz="2400" b="1" dirty="0"/>
               <a:t>Example 5</a:t>
             </a:r>
-            <a:br>
-              <a:rPr lang="en-CA" sz="2400" b="1" dirty="0"/>
-            </a:br>
-            <a:r>
-              <a:rPr lang="en-CA" sz="2400" b="1" dirty="0"/>
-              <a:t/>
-            </a:r>
-            <a:br>
-              <a:rPr lang="en-CA" sz="2400" b="1" dirty="0"/>
-            </a:br>
-            <a:r>
-              <a:rPr lang="en-CA" dirty="0"/>
-              <a:t>The following sed command uses a </a:t>
-            </a:r>
-            <a:r>
-              <a:rPr lang="en-CA" b="1" dirty="0"/>
-              <a:t>regular expression</a:t>
-            </a:r>
-            <a:r>
-              <a:rPr lang="en-CA" dirty="0"/>
-              <a:t/>
-            </a:r>
-            <a:br>
-              <a:rPr lang="en-CA" dirty="0"/>
-            </a:br>
-            <a:r>
-              <a:rPr lang="en-CA" dirty="0"/>
-              <a:t>and the </a:t>
-            </a:r>
-            <a:r>
-              <a:rPr lang="en-CA" b="1" dirty="0"/>
-              <a:t>quit</a:t>
-            </a:r>
-            <a:r>
-              <a:rPr lang="en-CA" dirty="0"/>
-              <a:t> instruction.</a:t>
-            </a:r>
-            <a:br>
-              <a:rPr lang="en-CA" dirty="0"/>
-            </a:br>
-            <a:endParaRPr lang="en-CA" dirty="0"/>
           </a:p>
           <a:p>
             <a:pPr marL="0" indent="0">
               <a:buNone/>
             </a:pPr>
             <a:r>
+              <a:rPr lang="en-CA" dirty="0"/>
+              <a:t>The following sed command uses a </a:t>
+            </a:r>
+            <a:r>
+              <a:rPr lang="en-CA" b="1" dirty="0"/>
+              <a:t>regular expression </a:t>
+            </a:r>
+            <a:r>
+              <a:rPr lang="en-CA" dirty="0"/>
+              <a:t>and the </a:t>
+            </a:r>
+            <a:r>
+              <a:rPr lang="en-CA" b="1" dirty="0"/>
+              <a:t>quit</a:t>
+            </a:r>
+            <a:r>
+              <a:rPr lang="en-CA" dirty="0"/>
+              <a:t> instruction.</a:t>
+            </a:r>
+          </a:p>
+          <a:p>
+            <a:pPr marL="0" indent="0">
+              <a:buNone/>
+            </a:pPr>
+            <a:r>
               <a:rPr lang="en-CA" b="1" dirty="0">
                 <a:latin typeface="Courier New" panose="02070309020205020404" pitchFamily="49" charset="0"/>
                 <a:cs typeface="Courier New" panose="02070309020205020404" pitchFamily="49" charset="0"/>
@@ -5115,13 +5351,6 @@
                 <a:cs typeface="Courier New" panose="02070309020205020404" pitchFamily="49" charset="0"/>
               </a:rPr>
               <a:t> </a:t>
-            </a:r>
-            <a:r>
-              <a:rPr lang="en-CA" dirty="0">
-                <a:latin typeface="Courier New" panose="02070309020205020404" pitchFamily="49" charset="0"/>
-                <a:cs typeface="Courier New" panose="02070309020205020404" pitchFamily="49" charset="0"/>
-              </a:rPr>
-              <a:t/>
             </a:r>
             <a:br>
               <a:rPr lang="en-CA" dirty="0">
@@ -5182,129 +5411,6 @@
               </a:rPr>
               <a:t>Happy112</a:t>
             </a:r>
-            <a:br>
-              <a:rPr lang="en-CA" dirty="0">
-                <a:latin typeface="Courier New" panose="02070309020205020404" pitchFamily="49" charset="0"/>
-                <a:cs typeface="Courier New" panose="02070309020205020404" pitchFamily="49" charset="0"/>
-              </a:rPr>
-            </a:br>
-            <a:r>
-              <a:rPr lang="en-CA" dirty="0">
-                <a:latin typeface="Courier New" panose="02070309020205020404" pitchFamily="49" charset="0"/>
-                <a:cs typeface="Courier New" panose="02070309020205020404" pitchFamily="49" charset="0"/>
-              </a:rPr>
-              <a:t/>
-            </a:r>
-            <a:br>
-              <a:rPr lang="en-CA" dirty="0">
-                <a:latin typeface="Courier New" panose="02070309020205020404" pitchFamily="49" charset="0"/>
-                <a:cs typeface="Courier New" panose="02070309020205020404" pitchFamily="49" charset="0"/>
-              </a:rPr>
-            </a:br>
-            <a:r>
-              <a:rPr lang="en-CA" dirty="0">
-                <a:latin typeface="Courier New" panose="02070309020205020404" pitchFamily="49" charset="0"/>
-                <a:cs typeface="Courier New" panose="02070309020205020404" pitchFamily="49" charset="0"/>
-              </a:rPr>
-              <a:t/>
-            </a:r>
-            <a:br>
-              <a:rPr lang="en-CA" dirty="0">
-                <a:latin typeface="Courier New" panose="02070309020205020404" pitchFamily="49" charset="0"/>
-                <a:cs typeface="Courier New" panose="02070309020205020404" pitchFamily="49" charset="0"/>
-              </a:rPr>
-            </a:br>
-            <a:r>
-              <a:rPr lang="en-CA" dirty="0">
-                <a:latin typeface="Courier New" panose="02070309020205020404" pitchFamily="49" charset="0"/>
-                <a:cs typeface="Courier New" panose="02070309020205020404" pitchFamily="49" charset="0"/>
-              </a:rPr>
-              <a:t/>
-            </a:r>
-            <a:br>
-              <a:rPr lang="en-CA" dirty="0">
-                <a:latin typeface="Courier New" panose="02070309020205020404" pitchFamily="49" charset="0"/>
-                <a:cs typeface="Courier New" panose="02070309020205020404" pitchFamily="49" charset="0"/>
-              </a:rPr>
-            </a:br>
-            <a:r>
-              <a:rPr lang="en-CA" dirty="0">
-                <a:latin typeface="Courier New" panose="02070309020205020404" pitchFamily="49" charset="0"/>
-                <a:cs typeface="Courier New" panose="02070309020205020404" pitchFamily="49" charset="0"/>
-              </a:rPr>
-              <a:t/>
-            </a:r>
-            <a:br>
-              <a:rPr lang="en-CA" dirty="0">
-                <a:latin typeface="Courier New" panose="02070309020205020404" pitchFamily="49" charset="0"/>
-                <a:cs typeface="Courier New" panose="02070309020205020404" pitchFamily="49" charset="0"/>
-              </a:rPr>
-            </a:br>
-            <a:r>
-              <a:rPr lang="en-CA" dirty="0">
-                <a:latin typeface="Courier New" panose="02070309020205020404" pitchFamily="49" charset="0"/>
-                <a:cs typeface="Courier New" panose="02070309020205020404" pitchFamily="49" charset="0"/>
-              </a:rPr>
-              <a:t/>
-            </a:r>
-            <a:br>
-              <a:rPr lang="en-CA" dirty="0">
-                <a:latin typeface="Courier New" panose="02070309020205020404" pitchFamily="49" charset="0"/>
-                <a:cs typeface="Courier New" panose="02070309020205020404" pitchFamily="49" charset="0"/>
-              </a:rPr>
-            </a:br>
-            <a:r>
-              <a:rPr lang="en-CA" dirty="0">
-                <a:latin typeface="Courier New" panose="02070309020205020404" pitchFamily="49" charset="0"/>
-                <a:cs typeface="Courier New" panose="02070309020205020404" pitchFamily="49" charset="0"/>
-              </a:rPr>
-              <a:t/>
-            </a:r>
-            <a:br>
-              <a:rPr lang="en-CA" dirty="0">
-                <a:latin typeface="Courier New" panose="02070309020205020404" pitchFamily="49" charset="0"/>
-                <a:cs typeface="Courier New" panose="02070309020205020404" pitchFamily="49" charset="0"/>
-              </a:rPr>
-            </a:br>
-            <a:r>
-              <a:rPr lang="en-CA" dirty="0">
-                <a:latin typeface="Courier New" panose="02070309020205020404" pitchFamily="49" charset="0"/>
-                <a:cs typeface="Courier New" panose="02070309020205020404" pitchFamily="49" charset="0"/>
-              </a:rPr>
-              <a:t/>
-            </a:r>
-            <a:br>
-              <a:rPr lang="en-CA" dirty="0">
-                <a:latin typeface="Courier New" panose="02070309020205020404" pitchFamily="49" charset="0"/>
-                <a:cs typeface="Courier New" panose="02070309020205020404" pitchFamily="49" charset="0"/>
-              </a:rPr>
-            </a:br>
-            <a:r>
-              <a:rPr lang="en-CA" dirty="0">
-                <a:latin typeface="Courier New" panose="02070309020205020404" pitchFamily="49" charset="0"/>
-                <a:cs typeface="Courier New" panose="02070309020205020404" pitchFamily="49" charset="0"/>
-              </a:rPr>
-              <a:t/>
-            </a:r>
-            <a:br>
-              <a:rPr lang="en-CA" dirty="0">
-                <a:latin typeface="Courier New" panose="02070309020205020404" pitchFamily="49" charset="0"/>
-                <a:cs typeface="Courier New" panose="02070309020205020404" pitchFamily="49" charset="0"/>
-              </a:rPr>
-            </a:br>
-            <a:r>
-              <a:rPr lang="en-CA" dirty="0">
-                <a:latin typeface="Courier New" panose="02070309020205020404" pitchFamily="49" charset="0"/>
-                <a:cs typeface="Courier New" panose="02070309020205020404" pitchFamily="49" charset="0"/>
-              </a:rPr>
-              <a:t/>
-            </a:r>
-            <a:br>
-              <a:rPr lang="en-CA" dirty="0">
-                <a:latin typeface="Courier New" panose="02070309020205020404" pitchFamily="49" charset="0"/>
-                <a:cs typeface="Courier New" panose="02070309020205020404" pitchFamily="49" charset="0"/>
-              </a:rPr>
-            </a:br>
             <a:endParaRPr lang="en-CA" b="1" dirty="0">
               <a:solidFill>
                 <a:srgbClr val="0070C0"/>
@@ -5329,8 +5435,8 @@
         </p:nvSpPr>
         <p:spPr>
           <a:xfrm>
-            <a:off x="6993467" y="3129226"/>
-            <a:ext cx="5198533" cy="1815882"/>
+            <a:off x="6828367" y="3335305"/>
+            <a:ext cx="5198533" cy="3139321"/>
           </a:xfrm>
           <a:prstGeom prst="rect">
             <a:avLst/>
@@ -5347,14 +5453,14 @@
           <a:lstStyle/>
           <a:p>
             <a:r>
-              <a:rPr lang="en-CA" sz="1400" dirty="0"/>
+              <a:rPr lang="en-CA" dirty="0"/>
               <a:t>The regular expression in the following expression </a:t>
             </a:r>
             <a:br>
-              <a:rPr lang="en-CA" sz="1400" dirty="0"/>
+              <a:rPr lang="en-CA" dirty="0"/>
             </a:br>
             <a:r>
-              <a:rPr lang="en-CA" sz="1400" b="1" dirty="0">
+              <a:rPr lang="en-CA" b="1" dirty="0">
                 <a:solidFill>
                   <a:srgbClr val="0070C0"/>
                 </a:solidFill>
@@ -5364,57 +5470,53 @@
               <a:t>[0-9][0-9][0-9]$ </a:t>
             </a:r>
             <a:r>
-              <a:rPr lang="en-CA" sz="1400" dirty="0"/>
+              <a:rPr lang="en-CA" dirty="0"/>
               <a:t>matches </a:t>
             </a:r>
             <a:r>
-              <a:rPr lang="en-CA" sz="1400" b="1" dirty="0"/>
+              <a:rPr lang="en-CA" b="1" dirty="0"/>
               <a:t>three digits </a:t>
             </a:r>
             <a:r>
-              <a:rPr lang="en-CA" sz="1400" dirty="0"/>
+              <a:rPr lang="en-CA" dirty="0"/>
               <a:t>at the </a:t>
             </a:r>
             <a:r>
-              <a:rPr lang="en-CA" sz="1400" u="sng" dirty="0"/>
+              <a:rPr lang="en-CA" u="sng" dirty="0"/>
               <a:t>end</a:t>
             </a:r>
             <a:r>
-              <a:rPr lang="en-CA" sz="1400" dirty="0"/>
+              <a:rPr lang="en-CA" dirty="0"/>
               <a:t> of a line.</a:t>
             </a:r>
           </a:p>
           <a:p>
-            <a:endParaRPr lang="en-CA" sz="1400" dirty="0"/>
-          </a:p>
-          <a:p>
-            <a:r>
-              <a:rPr lang="en-CA" sz="1400" dirty="0"/>
+            <a:endParaRPr lang="en-CA" dirty="0"/>
+          </a:p>
+          <a:p>
+            <a:r>
+              <a:rPr lang="en-CA" dirty="0"/>
               <a:t>The command will process the file, one-line at a time, beginning at the top and (by default) outputting each line to standard output. </a:t>
             </a:r>
             <a:br>
-              <a:rPr lang="en-CA" sz="1400" dirty="0"/>
+              <a:rPr lang="en-CA" dirty="0"/>
             </a:br>
-            <a:r>
-              <a:rPr lang="en-CA" sz="1400" dirty="0"/>
-              <a:t/>
-            </a:r>
             <a:br>
-              <a:rPr lang="en-CA" sz="1400" dirty="0"/>
+              <a:rPr lang="en-CA" dirty="0"/>
             </a:br>
             <a:r>
-              <a:rPr lang="en-CA" sz="1400" dirty="0"/>
+              <a:rPr lang="en-CA" dirty="0"/>
               <a:t>Once the regular expression is matched, it will display the matched line and stop processing the </a:t>
             </a:r>
             <a:r>
-              <a:rPr lang="en-CA" sz="1400" i="1" dirty="0"/>
+              <a:rPr lang="en-CA" i="1" dirty="0"/>
               <a:t>sed</a:t>
             </a:r>
             <a:r>
-              <a:rPr lang="en-CA" sz="1400" dirty="0"/>
+              <a:rPr lang="en-CA" dirty="0"/>
               <a:t> command.</a:t>
             </a:r>
-            <a:endParaRPr lang="en-US" sz="1400" dirty="0"/>
+            <a:endParaRPr lang="en-US" dirty="0"/>
           </a:p>
         </p:txBody>
       </p:sp>
@@ -5434,7 +5536,7 @@
         </p:nvCxnSpPr>
         <p:spPr>
           <a:xfrm flipH="1">
-            <a:off x="4862601" y="3674533"/>
+            <a:off x="4697501" y="4842933"/>
             <a:ext cx="1891063" cy="1"/>
           </a:xfrm>
           <a:prstGeom prst="straightConnector1">
@@ -5480,7 +5582,7 @@
           <a:blip r:embed="rId2">
             <a:extLst>
               <a:ext uri="{837473B0-CC2E-450A-ABE3-18F120FF3D39}">
-                <a1611:picAttrSrcUrl xmlns:a1611="http://schemas.microsoft.com/office/drawing/2016/11/main" xmlns="" r:id="rId3"/>
+                <a1611:picAttrSrcUrl xmlns:a1611="http://schemas.microsoft.com/office/drawing/2016/11/main" r:id="rId3"/>
               </a:ext>
             </a:extLst>
           </a:blip>
@@ -5593,6 +5695,37 @@
                                   </p:childTnLst>
                                 </p:cTn>
                               </p:par>
+                              <p:par>
+                                <p:cTn id="9" presetID="1" presetClass="entr" presetSubtype="0" fill="hold" grpId="0" nodeType="withEffect">
+                                  <p:stCondLst>
+                                    <p:cond delay="0"/>
+                                  </p:stCondLst>
+                                  <p:childTnLst>
+                                    <p:set>
+                                      <p:cBhvr>
+                                        <p:cTn id="10" dur="1" fill="hold">
+                                          <p:stCondLst>
+                                            <p:cond delay="0"/>
+                                          </p:stCondLst>
+                                        </p:cTn>
+                                        <p:tgtEl>
+                                          <p:spTgt spid="3">
+                                            <p:txEl>
+                                              <p:pRg st="2" end="2"/>
+                                            </p:txEl>
+                                          </p:spTgt>
+                                        </p:tgtEl>
+                                        <p:attrNameLst>
+                                          <p:attrName>style.visibility</p:attrName>
+                                        </p:attrNameLst>
+                                      </p:cBhvr>
+                                      <p:to>
+                                        <p:strVal val="visible"/>
+                                      </p:to>
+                                    </p:set>
+                                  </p:childTnLst>
+                                </p:cTn>
+                              </p:par>
                             </p:childTnLst>
                           </p:cTn>
                         </p:par>
@@ -5600,26 +5733,26 @@
                     </p:cTn>
                   </p:par>
                   <p:par>
-                    <p:cTn id="9" fill="hold">
+                    <p:cTn id="11" fill="hold">
                       <p:stCondLst>
                         <p:cond delay="indefinite"/>
                       </p:stCondLst>
                       <p:childTnLst>
                         <p:par>
-                          <p:cTn id="10" fill="hold">
+                          <p:cTn id="12" fill="hold">
                             <p:stCondLst>
                               <p:cond delay="0"/>
                             </p:stCondLst>
                             <p:childTnLst>
                               <p:par>
-                                <p:cTn id="11" presetID="1" presetClass="entr" presetSubtype="0" fill="hold" nodeType="clickEffect">
+                                <p:cTn id="13" presetID="1" presetClass="entr" presetSubtype="0" fill="hold" nodeType="clickEffect">
                                   <p:stCondLst>
                                     <p:cond delay="0"/>
                                   </p:stCondLst>
                                   <p:childTnLst>
                                     <p:set>
                                       <p:cBhvr>
-                                        <p:cTn id="12" dur="1" fill="hold">
+                                        <p:cTn id="14" dur="1" fill="hold">
                                           <p:stCondLst>
                                             <p:cond delay="0"/>
                                           </p:stCondLst>
@@ -5639,14 +5772,14 @@
                                 </p:cTn>
                               </p:par>
                               <p:par>
-                                <p:cTn id="13" presetID="1" presetClass="entr" presetSubtype="0" fill="hold" grpId="0" nodeType="withEffect">
+                                <p:cTn id="15" presetID="1" presetClass="entr" presetSubtype="0" fill="hold" grpId="0" nodeType="withEffect">
                                   <p:stCondLst>
                                     <p:cond delay="0"/>
                                   </p:stCondLst>
                                   <p:childTnLst>
                                     <p:set>
                                       <p:cBhvr>
-                                        <p:cTn id="14" dur="1" fill="hold">
+                                        <p:cTn id="16" dur="1" fill="hold">
                                           <p:stCondLst>
                                             <p:cond delay="0"/>
                                           </p:stCondLst>
@@ -5775,7 +5908,7 @@
         </p:spPr>
         <p:txBody>
           <a:bodyPr>
-            <a:normAutofit fontScale="92500" lnSpcReduction="20000"/>
+            <a:normAutofit/>
           </a:bodyPr>
           <a:lstStyle/>
           <a:p>
@@ -5786,17 +5919,9 @@
               <a:rPr lang="en-CA" b="1" dirty="0"/>
               <a:t>Using sed Utility as a Filter with Pipeline Commands</a:t>
             </a:r>
-            <a:r>
-              <a:rPr lang="en-CA" dirty="0"/>
-              <a:t/>
-            </a:r>
-            <a:br>
-              <a:rPr lang="en-CA" dirty="0"/>
-            </a:br>
-            <a:endParaRPr lang="en-CA" dirty="0"/>
-          </a:p>
-          <a:p>
-            <a:pPr marL="0" indent="0" fontAlgn="base">
+          </a:p>
+          <a:p>
+            <a:pPr marL="0" indent="0">
               <a:buNone/>
             </a:pPr>
             <a:r>
@@ -5819,33 +5944,20 @@
               <a:rPr lang="en-CA" sz="1800" dirty="0"/>
               <a:t>.</a:t>
             </a:r>
-            <a:br>
-              <a:rPr lang="en-CA" sz="1800" dirty="0"/>
-            </a:br>
-            <a:endParaRPr lang="en-CA" sz="1800" dirty="0"/>
-          </a:p>
-          <a:p>
-            <a:pPr marL="0" indent="0" fontAlgn="base">
+          </a:p>
+          <a:p>
+            <a:pPr marL="0" indent="0">
               <a:buNone/>
             </a:pPr>
             <a:r>
               <a:rPr lang="en-CA" sz="1800" b="1" dirty="0"/>
               <a:t>Examples</a:t>
             </a:r>
-            <a:r>
-              <a:rPr lang="en-CA" sz="1800" dirty="0"/>
-              <a:t/>
-            </a:r>
-            <a:br>
-              <a:rPr lang="en-CA" sz="1800" dirty="0"/>
-            </a:br>
-            <a:r>
-              <a:rPr lang="en-CA" sz="1800" dirty="0"/>
-              <a:t/>
-            </a:r>
-            <a:br>
-              <a:rPr lang="en-CA" sz="1800" dirty="0"/>
-            </a:br>
+          </a:p>
+          <a:p>
+            <a:pPr marL="0" indent="0">
+              <a:buNone/>
+            </a:pPr>
             <a:r>
               <a:rPr lang="en-CA" sz="1800" b="1" dirty="0">
                 <a:solidFill>
@@ -5875,117 +5987,6 @@
               </a:rPr>
               <a:t>echo “I like Linux” | sed 's/ /,/g'</a:t>
             </a:r>
-            <a:br>
-              <a:rPr lang="en-CA" sz="1800" b="1" dirty="0">
-                <a:solidFill>
-                  <a:srgbClr val="0070C0"/>
-                </a:solidFill>
-                <a:latin typeface="Courier New" panose="02070309020205020404" pitchFamily="49" charset="0"/>
-                <a:cs typeface="Courier New" panose="02070309020205020404" pitchFamily="49" charset="0"/>
-              </a:rPr>
-            </a:br>
-            <a:r>
-              <a:rPr lang="en-CA" sz="1800" b="1" dirty="0">
-                <a:solidFill>
-                  <a:srgbClr val="0070C0"/>
-                </a:solidFill>
-                <a:latin typeface="Courier New" panose="02070309020205020404" pitchFamily="49" charset="0"/>
-                <a:cs typeface="Courier New" panose="02070309020205020404" pitchFamily="49" charset="0"/>
-              </a:rPr>
-              <a:t/>
-            </a:r>
-            <a:br>
-              <a:rPr lang="en-CA" sz="1800" b="1" dirty="0">
-                <a:solidFill>
-                  <a:srgbClr val="0070C0"/>
-                </a:solidFill>
-                <a:latin typeface="Courier New" panose="02070309020205020404" pitchFamily="49" charset="0"/>
-                <a:cs typeface="Courier New" panose="02070309020205020404" pitchFamily="49" charset="0"/>
-              </a:rPr>
-            </a:br>
-            <a:r>
-              <a:rPr lang="en-CA" sz="1800" b="1" dirty="0">
-                <a:solidFill>
-                  <a:srgbClr val="0070C0"/>
-                </a:solidFill>
-                <a:latin typeface="Courier New" panose="02070309020205020404" pitchFamily="49" charset="0"/>
-                <a:cs typeface="Courier New" panose="02070309020205020404" pitchFamily="49" charset="0"/>
-              </a:rPr>
-              <a:t/>
-            </a:r>
-            <a:br>
-              <a:rPr lang="en-CA" sz="1800" b="1" dirty="0">
-                <a:solidFill>
-                  <a:srgbClr val="0070C0"/>
-                </a:solidFill>
-                <a:latin typeface="Courier New" panose="02070309020205020404" pitchFamily="49" charset="0"/>
-                <a:cs typeface="Courier New" panose="02070309020205020404" pitchFamily="49" charset="0"/>
-              </a:rPr>
-            </a:br>
-            <a:r>
-              <a:rPr lang="en-CA" sz="1800" b="1" dirty="0">
-                <a:solidFill>
-                  <a:srgbClr val="0070C0"/>
-                </a:solidFill>
-                <a:latin typeface="Courier New" panose="02070309020205020404" pitchFamily="49" charset="0"/>
-                <a:cs typeface="Courier New" panose="02070309020205020404" pitchFamily="49" charset="0"/>
-              </a:rPr>
-              <a:t/>
-            </a:r>
-            <a:br>
-              <a:rPr lang="en-CA" sz="1800" b="1" dirty="0">
-                <a:solidFill>
-                  <a:srgbClr val="0070C0"/>
-                </a:solidFill>
-                <a:latin typeface="Courier New" panose="02070309020205020404" pitchFamily="49" charset="0"/>
-                <a:cs typeface="Courier New" panose="02070309020205020404" pitchFamily="49" charset="0"/>
-              </a:rPr>
-            </a:br>
-            <a:r>
-              <a:rPr lang="en-CA" sz="1800" b="1" dirty="0">
-                <a:solidFill>
-                  <a:srgbClr val="0070C0"/>
-                </a:solidFill>
-                <a:latin typeface="Courier New" panose="02070309020205020404" pitchFamily="49" charset="0"/>
-                <a:cs typeface="Courier New" panose="02070309020205020404" pitchFamily="49" charset="0"/>
-              </a:rPr>
-              <a:t/>
-            </a:r>
-            <a:br>
-              <a:rPr lang="en-CA" sz="1800" b="1" dirty="0">
-                <a:solidFill>
-                  <a:srgbClr val="0070C0"/>
-                </a:solidFill>
-                <a:latin typeface="Courier New" panose="02070309020205020404" pitchFamily="49" charset="0"/>
-                <a:cs typeface="Courier New" panose="02070309020205020404" pitchFamily="49" charset="0"/>
-              </a:rPr>
-            </a:br>
-            <a:r>
-              <a:rPr lang="en-CA" sz="1800" b="1" dirty="0">
-                <a:solidFill>
-                  <a:srgbClr val="0070C0"/>
-                </a:solidFill>
-                <a:latin typeface="Courier New" panose="02070309020205020404" pitchFamily="49" charset="0"/>
-                <a:cs typeface="Courier New" panose="02070309020205020404" pitchFamily="49" charset="0"/>
-              </a:rPr>
-              <a:t/>
-            </a:r>
-            <a:br>
-              <a:rPr lang="en-CA" sz="1800" b="1" dirty="0">
-                <a:solidFill>
-                  <a:srgbClr val="0070C0"/>
-                </a:solidFill>
-                <a:latin typeface="Courier New" panose="02070309020205020404" pitchFamily="49" charset="0"/>
-                <a:cs typeface="Courier New" panose="02070309020205020404" pitchFamily="49" charset="0"/>
-              </a:rPr>
-            </a:br>
-            <a:r>
-              <a:rPr lang="en-CA" dirty="0"/>
-              <a:t/>
-            </a:r>
-            <a:br>
-              <a:rPr lang="en-CA" dirty="0"/>
-            </a:br>
             <a:endParaRPr lang="en-CA" dirty="0"/>
           </a:p>
         </p:txBody>
@@ -6008,7 +6009,7 @@
           <a:blip r:embed="rId2">
             <a:extLst>
               <a:ext uri="{837473B0-CC2E-450A-ABE3-18F120FF3D39}">
-                <a1611:picAttrSrcUrl xmlns:a1611="http://schemas.microsoft.com/office/drawing/2016/11/main" xmlns="" r:id="rId3"/>
+                <a1611:picAttrSrcUrl xmlns:a1611="http://schemas.microsoft.com/office/drawing/2016/11/main" r:id="rId3"/>
               </a:ext>
             </a:extLst>
           </a:blip>
@@ -6121,26 +6122,39 @@
                                   </p:childTnLst>
                                 </p:cTn>
                               </p:par>
-                            </p:childTnLst>
-                          </p:cTn>
-                        </p:par>
-                      </p:childTnLst>
-                    </p:cTn>
-                  </p:par>
-                  <p:par>
-                    <p:cTn id="9" fill="hold">
-                      <p:stCondLst>
-                        <p:cond delay="indefinite"/>
-                      </p:stCondLst>
-                      <p:childTnLst>
-                        <p:par>
-                          <p:cTn id="10" fill="hold">
-                            <p:stCondLst>
-                              <p:cond delay="0"/>
-                            </p:stCondLst>
-                            <p:childTnLst>
                               <p:par>
-                                <p:cTn id="11" presetID="1" presetClass="entr" presetSubtype="0" fill="hold" grpId="0" nodeType="clickEffect">
+                                <p:cTn id="9" presetID="1" presetClass="entr" presetSubtype="0" fill="hold" grpId="0" nodeType="withEffect">
+                                  <p:stCondLst>
+                                    <p:cond delay="0"/>
+                                  </p:stCondLst>
+                                  <p:childTnLst>
+                                    <p:set>
+                                      <p:cBhvr>
+                                        <p:cTn id="10" dur="1" fill="hold">
+                                          <p:stCondLst>
+                                            <p:cond delay="0"/>
+                                          </p:stCondLst>
+                                        </p:cTn>
+                                        <p:tgtEl>
+                                          <p:spTgt spid="3">
+                                            <p:txEl>
+                                              <p:pRg st="2" end="2"/>
+                                            </p:txEl>
+                                          </p:spTgt>
+                                        </p:tgtEl>
+                                        <p:attrNameLst>
+                                          <p:attrName>style.visibility</p:attrName>
+                                        </p:attrNameLst>
+                                      </p:cBhvr>
+                                      <p:to>
+                                        <p:strVal val="visible"/>
+                                      </p:to>
+                                    </p:set>
+                                  </p:childTnLst>
+                                </p:cTn>
+                              </p:par>
+                              <p:par>
+                                <p:cTn id="11" presetID="1" presetClass="entr" presetSubtype="0" fill="hold" grpId="0" nodeType="withEffect">
                                   <p:stCondLst>
                                     <p:cond delay="0"/>
                                   </p:stCondLst>
@@ -6155,7 +6169,7 @@
                                         <p:tgtEl>
                                           <p:spTgt spid="3">
                                             <p:txEl>
-                                              <p:pRg st="2" end="2"/>
+                                              <p:pRg st="3" end="3"/>
                                             </p:txEl>
                                           </p:spTgt>
                                         </p:tgtEl>
@@ -6276,7 +6290,7 @@
         </p:spPr>
         <p:txBody>
           <a:bodyPr>
-            <a:normAutofit fontScale="77500" lnSpcReduction="20000"/>
+            <a:normAutofit fontScale="85000" lnSpcReduction="20000"/>
           </a:bodyPr>
           <a:lstStyle/>
           <a:p>
@@ -6305,51 +6319,39 @@
               <a:rPr lang="en-CA" dirty="0"/>
               <a:t> utility.</a:t>
             </a:r>
+          </a:p>
+          <a:p>
+            <a:pPr marL="0" indent="0">
+              <a:buNone/>
+            </a:pPr>
+            <a:r>
+              <a:rPr lang="en-CA" dirty="0"/>
+              <a:t>Pathname of cars database</a:t>
+            </a:r>
+            <a:r>
+              <a:rPr lang="en-CA" b="1" dirty="0">
+                <a:latin typeface="Courier New" panose="02070309020205020404" pitchFamily="49" charset="0"/>
+                <a:cs typeface="Courier New" panose="02070309020205020404" pitchFamily="49" charset="0"/>
+              </a:rPr>
+              <a:t>:   ~</a:t>
+            </a:r>
+            <a:r>
+              <a:rPr lang="en-CA" b="1" dirty="0" err="1">
+                <a:latin typeface="Courier New" panose="02070309020205020404" pitchFamily="49" charset="0"/>
+                <a:cs typeface="Courier New" panose="02070309020205020404" pitchFamily="49" charset="0"/>
+              </a:rPr>
+              <a:t>murray.saul</a:t>
+            </a:r>
+            <a:r>
+              <a:rPr lang="en-CA" b="1" dirty="0">
+                <a:latin typeface="Courier New" panose="02070309020205020404" pitchFamily="49" charset="0"/>
+                <a:cs typeface="Courier New" panose="02070309020205020404" pitchFamily="49" charset="0"/>
+              </a:rPr>
+              <a:t>/uli101/cars</a:t>
+            </a:r>
             <a:br>
               <a:rPr lang="en-CA" dirty="0"/>
             </a:br>
-            <a:endParaRPr lang="en-CA" dirty="0"/>
-          </a:p>
-          <a:p>
-            <a:pPr marL="0" indent="0">
-              <a:buNone/>
-            </a:pPr>
-            <a:r>
-              <a:rPr lang="en-CA" dirty="0"/>
-              <a:t>Pathname of cars database</a:t>
-            </a:r>
-            <a:r>
-              <a:rPr lang="en-CA" b="1" dirty="0">
-                <a:latin typeface="Courier New" panose="02070309020205020404" pitchFamily="49" charset="0"/>
-                <a:cs typeface="Courier New" panose="02070309020205020404" pitchFamily="49" charset="0"/>
-              </a:rPr>
-              <a:t>:   ~</a:t>
-            </a:r>
-            <a:r>
-              <a:rPr lang="en-CA" b="1" dirty="0" err="1">
-                <a:latin typeface="Courier New" panose="02070309020205020404" pitchFamily="49" charset="0"/>
-                <a:cs typeface="Courier New" panose="02070309020205020404" pitchFamily="49" charset="0"/>
-              </a:rPr>
-              <a:t>murray.saul</a:t>
-            </a:r>
-            <a:r>
-              <a:rPr lang="en-CA" b="1" dirty="0">
-                <a:latin typeface="Courier New" panose="02070309020205020404" pitchFamily="49" charset="0"/>
-                <a:cs typeface="Courier New" panose="02070309020205020404" pitchFamily="49" charset="0"/>
-              </a:rPr>
-              <a:t>/uli101/cars</a:t>
-            </a:r>
-            <a:r>
-              <a:rPr lang="en-CA" dirty="0"/>
-              <a:t/>
-            </a:r>
-            <a:br>
-              <a:rPr lang="en-CA" dirty="0"/>
-            </a:br>
-            <a:r>
-              <a:rPr lang="en-CA" dirty="0"/>
-              <a:t/>
-            </a:r>
             <a:br>
               <a:rPr lang="en-CA" dirty="0"/>
             </a:br>
@@ -6811,10 +6813,10 @@
           <p:nvPr/>
         </p:nvPicPr>
         <p:blipFill>
-          <a:blip r:embed="rId2">
+          <a:blip r:embed="rId3">
             <a:extLst>
               <a:ext uri="{837473B0-CC2E-450A-ABE3-18F120FF3D39}">
-                <a1611:picAttrSrcUrl xmlns:a1611="http://schemas.microsoft.com/office/drawing/2016/11/main" xmlns="" r:id="rId3"/>
+                <a1611:picAttrSrcUrl xmlns:a1611="http://schemas.microsoft.com/office/drawing/2016/11/main" r:id="rId4"/>
               </a:ext>
             </a:extLst>
           </a:blip>
@@ -6971,7 +6973,7 @@
           <a:lstStyle/>
           <a:p>
             <a:r>
-              <a:rPr lang="en-US" sz="2800" dirty="0" smtClean="0"/>
+              <a:rPr lang="en-US" sz="2800" dirty="0"/>
               <a:t>homework</a:t>
             </a:r>
             <a:endParaRPr lang="en-US" sz="3000" dirty="0"/>
@@ -7019,27 +7021,15 @@
               <a:buNone/>
             </a:pPr>
             <a:r>
-              <a:rPr lang="en-CA" dirty="0" smtClean="0"/>
+              <a:rPr lang="en-CA" dirty="0"/>
               <a:t>Perform </a:t>
             </a:r>
             <a:r>
               <a:rPr lang="en-CA" b="1" dirty="0"/>
-              <a:t>Week </a:t>
-            </a:r>
-            <a:r>
-              <a:rPr lang="en-CA" b="1" dirty="0" smtClean="0"/>
-              <a:t>10  </a:t>
-            </a:r>
-            <a:r>
+              <a:t>Week 10  Tutorial:</a:t>
+            </a:r>
+            <a:br>
               <a:rPr lang="en-CA" b="1" dirty="0"/>
-              <a:t>Tutorial</a:t>
-            </a:r>
-            <a:r>
-              <a:rPr lang="en-CA" b="1" dirty="0" smtClean="0"/>
-              <a:t>:</a:t>
-            </a:r>
-            <a:br>
-              <a:rPr lang="en-CA" b="1" dirty="0" smtClean="0"/>
             </a:br>
             <a:r>
               <a:rPr lang="en-US" sz="1600" b="1" spc="-1" dirty="0">
@@ -7047,23 +7037,7 @@
                   <a:srgbClr val="000000"/>
                 </a:solidFill>
               </a:rPr>
-              <a:t>(Due: Friday Week </a:t>
-            </a:r>
-            <a:r>
-              <a:rPr lang="en-US" sz="1600" b="1" spc="-1" dirty="0" smtClean="0">
-                <a:solidFill>
-                  <a:srgbClr val="000000"/>
-                </a:solidFill>
-              </a:rPr>
-              <a:t>11 </a:t>
-            </a:r>
-            <a:r>
-              <a:rPr lang="en-US" sz="1600" b="1" spc="-1" dirty="0">
-                <a:solidFill>
-                  <a:srgbClr val="000000"/>
-                </a:solidFill>
-              </a:rPr>
-              <a:t>@ midnight for a 2% grade)</a:t>
+              <a:t>(Due: Friday Week 11 @ midnight for a 2% grade)</a:t>
             </a:r>
             <a:r>
               <a:rPr lang="en-US" sz="1600" spc="-1" dirty="0">
@@ -7073,10 +7047,6 @@
               </a:rPr>
               <a:t>:</a:t>
             </a:r>
-            <a:r>
-              <a:rPr lang="en-CA" sz="1600" b="1" dirty="0"/>
-              <a:t/>
-            </a:r>
             <a:br>
               <a:rPr lang="en-CA" sz="1600" b="1" dirty="0"/>
             </a:br>
@@ -7090,10 +7060,6 @@
               </a:rPr>
               <a:t>INVESTIGATION 1: USING THE SED UTILITY</a:t>
             </a:r>
-            <a:r>
-              <a:rPr lang="en-CA" dirty="0"/>
-              <a:t/>
-            </a:r>
             <a:br>
               <a:rPr lang="en-CA" dirty="0"/>
             </a:br>
@@ -7118,59 +7084,27 @@
             <a:br>
               <a:rPr lang="en-CA" dirty="0"/>
             </a:br>
-            <a:r>
-              <a:rPr lang="en-CA" dirty="0"/>
-              <a:t/>
-            </a:r>
             <a:br>
               <a:rPr lang="en-CA" dirty="0"/>
             </a:br>
-            <a:r>
-              <a:rPr lang="en-CA" dirty="0"/>
-              <a:t/>
-            </a:r>
             <a:br>
               <a:rPr lang="en-CA" dirty="0"/>
             </a:br>
-            <a:r>
-              <a:rPr lang="en-CA" dirty="0"/>
-              <a:t/>
-            </a:r>
             <a:br>
               <a:rPr lang="en-CA" dirty="0"/>
             </a:br>
-            <a:r>
-              <a:rPr lang="en-CA" dirty="0"/>
-              <a:t/>
-            </a:r>
             <a:br>
               <a:rPr lang="en-CA" dirty="0"/>
             </a:br>
-            <a:r>
-              <a:rPr lang="en-CA" dirty="0"/>
-              <a:t/>
-            </a:r>
             <a:br>
               <a:rPr lang="en-CA" dirty="0"/>
             </a:br>
-            <a:r>
-              <a:rPr lang="en-CA" dirty="0"/>
-              <a:t/>
-            </a:r>
             <a:br>
               <a:rPr lang="en-CA" dirty="0"/>
             </a:br>
-            <a:r>
-              <a:rPr lang="en-CA" sz="1400" dirty="0"/>
-              <a:t/>
-            </a:r>
             <a:br>
               <a:rPr lang="en-CA" sz="1400" dirty="0"/>
             </a:br>
-            <a:r>
-              <a:rPr lang="en-CA" sz="1400" dirty="0"/>
-              <a:t/>
-            </a:r>
             <a:br>
               <a:rPr lang="en-CA" sz="1400" dirty="0"/>
             </a:br>
@@ -7546,13 +7480,8 @@
             </a:pPr>
             <a:r>
               <a:rPr lang="en-US" b="1" dirty="0"/>
-              <a:t>Perform Week </a:t>
-            </a:r>
-            <a:r>
-              <a:rPr lang="en-US" b="1" dirty="0" smtClean="0"/>
-              <a:t>10  Tutorial</a:t>
-            </a:r>
-            <a:endParaRPr lang="en-US" b="1" dirty="0"/>
+              <a:t>Perform Week 10  Tutorial</a:t>
+            </a:r>
           </a:p>
           <a:p>
             <a:pPr lvl="1"/>
@@ -7586,38 +7515,18 @@
             <a:br>
               <a:rPr lang="en-US" dirty="0"/>
             </a:br>
-            <a:r>
-              <a:rPr lang="en-US" dirty="0"/>
-              <a:t/>
-            </a:r>
             <a:br>
               <a:rPr lang="en-US" dirty="0"/>
             </a:br>
-            <a:r>
-              <a:rPr lang="en-US" dirty="0"/>
-              <a:t/>
-            </a:r>
             <a:br>
               <a:rPr lang="en-US" dirty="0"/>
             </a:br>
-            <a:r>
-              <a:rPr lang="en-US" dirty="0"/>
-              <a:t/>
-            </a:r>
             <a:br>
               <a:rPr lang="en-US" dirty="0"/>
             </a:br>
-            <a:r>
-              <a:rPr lang="en-US" dirty="0"/>
-              <a:t/>
-            </a:r>
             <a:br>
               <a:rPr lang="en-US" dirty="0"/>
             </a:br>
-            <a:r>
-              <a:rPr lang="en-US" dirty="0"/>
-              <a:t/>
-            </a:r>
             <a:br>
               <a:rPr lang="en-US" dirty="0"/>
             </a:br>
@@ -8038,13 +7947,6 @@
               <a:rPr lang="en-CA" sz="2400" b="1" dirty="0"/>
               <a:t>Purpose</a:t>
             </a:r>
-            <a:r>
-              <a:rPr lang="en-CA" b="1" dirty="0"/>
-              <a:t/>
-            </a:r>
-            <a:br>
-              <a:rPr lang="en-CA" b="1" dirty="0"/>
-            </a:br>
             <a:endParaRPr lang="en-CA" b="1" dirty="0"/>
           </a:p>
           <a:p>
@@ -8071,10 +7973,6 @@
               <a:rPr lang="en-US" sz="1800" dirty="0"/>
               <a:t>.</a:t>
             </a:r>
-            <a:br>
-              <a:rPr lang="en-US" sz="1800" dirty="0"/>
-            </a:br>
-            <a:endParaRPr lang="en-US" sz="1800" dirty="0"/>
           </a:p>
           <a:p>
             <a:pPr marL="0" indent="0">
@@ -8092,9 +7990,6 @@
               <a:rPr lang="en-US" sz="1800" dirty="0"/>
               <a:t>that is contained in a </a:t>
             </a:r>
-            <a:br>
-              <a:rPr lang="en-US" sz="1800" dirty="0"/>
-            </a:br>
             <a:r>
               <a:rPr lang="en-US" sz="1800" b="1" dirty="0"/>
               <a:t>text file </a:t>
@@ -8111,10 +8006,6 @@
               <a:rPr lang="en-US" sz="1800" dirty="0"/>
               <a:t>.</a:t>
             </a:r>
-            <a:br>
-              <a:rPr lang="en-US" sz="1800" dirty="0"/>
-            </a:br>
-            <a:endParaRPr lang="en-US" sz="1800" dirty="0"/>
           </a:p>
           <a:p>
             <a:pPr marL="0" indent="0">
@@ -8138,14 +8029,7 @@
             </a:r>
             <a:r>
               <a:rPr lang="en-US" sz="1800" dirty="0"/>
-              <a:t> text editor to display modified text </a:t>
-            </a:r>
-            <a:br>
-              <a:rPr lang="en-US" sz="1800" dirty="0"/>
-            </a:br>
-            <a:r>
-              <a:rPr lang="en-US" sz="1800" dirty="0"/>
-              <a:t>on the </a:t>
+              <a:t> text editor to display modified text on the </a:t>
             </a:r>
             <a:r>
               <a:rPr lang="en-US" sz="1800" b="1" dirty="0"/>
@@ -8171,20 +8055,6 @@
               <a:rPr lang="en-US" sz="1800" dirty="0"/>
               <a:t>within a pipeline command.</a:t>
             </a:r>
-            <a:r>
-              <a:rPr lang="en-US" sz="1800" i="1" dirty="0"/>
-              <a:t/>
-            </a:r>
-            <a:br>
-              <a:rPr lang="en-US" sz="1800" i="1" dirty="0"/>
-            </a:br>
-            <a:r>
-              <a:rPr lang="en-CA" sz="1800" dirty="0"/>
-              <a:t/>
-            </a:r>
-            <a:br>
-              <a:rPr lang="en-CA" sz="1800" dirty="0"/>
-            </a:br>
             <a:endParaRPr lang="en-CA" sz="1800" dirty="0"/>
           </a:p>
         </p:txBody>
@@ -8207,7 +8077,7 @@
           <a:blip r:embed="rId2">
             <a:extLst>
               <a:ext uri="{837473B0-CC2E-450A-ABE3-18F120FF3D39}">
-                <a1611:picAttrSrcUrl xmlns:a1611="http://schemas.microsoft.com/office/drawing/2016/11/main" xmlns="" r:id="rId3"/>
+                <a1611:picAttrSrcUrl xmlns:a1611="http://schemas.microsoft.com/office/drawing/2016/11/main" r:id="rId3"/>
               </a:ext>
             </a:extLst>
           </a:blip>
@@ -8229,6 +8099,468 @@
     <p:extLst>
       <p:ext uri="{BB962C8B-B14F-4D97-AF65-F5344CB8AC3E}">
         <p14:creationId xmlns:p14="http://schemas.microsoft.com/office/powerpoint/2010/main" val="1147268123"/>
+      </p:ext>
+    </p:extLst>
+  </p:cSld>
+  <p:clrMapOvr>
+    <a:masterClrMapping/>
+  </p:clrMapOvr>
+  <p:timing>
+    <p:tnLst>
+      <p:par>
+        <p:cTn id="1" dur="indefinite" restart="never" nodeType="tmRoot">
+          <p:childTnLst>
+            <p:seq concurrent="1" nextAc="seek">
+              <p:cTn id="2" dur="indefinite" nodeType="mainSeq">
+                <p:childTnLst>
+                  <p:par>
+                    <p:cTn id="3" fill="hold">
+                      <p:stCondLst>
+                        <p:cond delay="indefinite"/>
+                        <p:cond evt="onBegin" delay="0">
+                          <p:tn val="2"/>
+                        </p:cond>
+                      </p:stCondLst>
+                      <p:childTnLst>
+                        <p:par>
+                          <p:cTn id="4" fill="hold">
+                            <p:stCondLst>
+                              <p:cond delay="0"/>
+                            </p:stCondLst>
+                            <p:childTnLst>
+                              <p:par>
+                                <p:cTn id="5" presetID="1" presetClass="entr" presetSubtype="0" fill="hold" grpId="0" nodeType="withEffect">
+                                  <p:stCondLst>
+                                    <p:cond delay="0"/>
+                                  </p:stCondLst>
+                                  <p:childTnLst>
+                                    <p:set>
+                                      <p:cBhvr>
+                                        <p:cTn id="6" dur="1" fill="hold">
+                                          <p:stCondLst>
+                                            <p:cond delay="0"/>
+                                          </p:stCondLst>
+                                        </p:cTn>
+                                        <p:tgtEl>
+                                          <p:spTgt spid="3">
+                                            <p:txEl>
+                                              <p:pRg st="0" end="0"/>
+                                            </p:txEl>
+                                          </p:spTgt>
+                                        </p:tgtEl>
+                                        <p:attrNameLst>
+                                          <p:attrName>style.visibility</p:attrName>
+                                        </p:attrNameLst>
+                                      </p:cBhvr>
+                                      <p:to>
+                                        <p:strVal val="visible"/>
+                                      </p:to>
+                                    </p:set>
+                                  </p:childTnLst>
+                                </p:cTn>
+                              </p:par>
+                              <p:par>
+                                <p:cTn id="7" presetID="1" presetClass="entr" presetSubtype="0" fill="hold" grpId="0" nodeType="withEffect">
+                                  <p:stCondLst>
+                                    <p:cond delay="0"/>
+                                  </p:stCondLst>
+                                  <p:childTnLst>
+                                    <p:set>
+                                      <p:cBhvr>
+                                        <p:cTn id="8" dur="1" fill="hold">
+                                          <p:stCondLst>
+                                            <p:cond delay="0"/>
+                                          </p:stCondLst>
+                                        </p:cTn>
+                                        <p:tgtEl>
+                                          <p:spTgt spid="3">
+                                            <p:txEl>
+                                              <p:pRg st="1" end="1"/>
+                                            </p:txEl>
+                                          </p:spTgt>
+                                        </p:tgtEl>
+                                        <p:attrNameLst>
+                                          <p:attrName>style.visibility</p:attrName>
+                                        </p:attrNameLst>
+                                      </p:cBhvr>
+                                      <p:to>
+                                        <p:strVal val="visible"/>
+                                      </p:to>
+                                    </p:set>
+                                  </p:childTnLst>
+                                </p:cTn>
+                              </p:par>
+                              <p:par>
+                                <p:cTn id="9" presetID="1" presetClass="entr" presetSubtype="0" fill="hold" grpId="0" nodeType="withEffect">
+                                  <p:stCondLst>
+                                    <p:cond delay="0"/>
+                                  </p:stCondLst>
+                                  <p:childTnLst>
+                                    <p:set>
+                                      <p:cBhvr>
+                                        <p:cTn id="10" dur="1" fill="hold">
+                                          <p:stCondLst>
+                                            <p:cond delay="0"/>
+                                          </p:stCondLst>
+                                        </p:cTn>
+                                        <p:tgtEl>
+                                          <p:spTgt spid="3">
+                                            <p:txEl>
+                                              <p:pRg st="2" end="2"/>
+                                            </p:txEl>
+                                          </p:spTgt>
+                                        </p:tgtEl>
+                                        <p:attrNameLst>
+                                          <p:attrName>style.visibility</p:attrName>
+                                        </p:attrNameLst>
+                                      </p:cBhvr>
+                                      <p:to>
+                                        <p:strVal val="visible"/>
+                                      </p:to>
+                                    </p:set>
+                                  </p:childTnLst>
+                                </p:cTn>
+                              </p:par>
+                              <p:par>
+                                <p:cTn id="11" presetID="1" presetClass="entr" presetSubtype="0" fill="hold" grpId="0" nodeType="withEffect">
+                                  <p:stCondLst>
+                                    <p:cond delay="0"/>
+                                  </p:stCondLst>
+                                  <p:childTnLst>
+                                    <p:set>
+                                      <p:cBhvr>
+                                        <p:cTn id="12" dur="1" fill="hold">
+                                          <p:stCondLst>
+                                            <p:cond delay="0"/>
+                                          </p:stCondLst>
+                                        </p:cTn>
+                                        <p:tgtEl>
+                                          <p:spTgt spid="3">
+                                            <p:txEl>
+                                              <p:pRg st="3" end="3"/>
+                                            </p:txEl>
+                                          </p:spTgt>
+                                        </p:tgtEl>
+                                        <p:attrNameLst>
+                                          <p:attrName>style.visibility</p:attrName>
+                                        </p:attrNameLst>
+                                      </p:cBhvr>
+                                      <p:to>
+                                        <p:strVal val="visible"/>
+                                      </p:to>
+                                    </p:set>
+                                  </p:childTnLst>
+                                </p:cTn>
+                              </p:par>
+                            </p:childTnLst>
+                          </p:cTn>
+                        </p:par>
+                      </p:childTnLst>
+                    </p:cTn>
+                  </p:par>
+                </p:childTnLst>
+              </p:cTn>
+              <p:prevCondLst>
+                <p:cond evt="onPrev" delay="0">
+                  <p:tgtEl>
+                    <p:sldTgt/>
+                  </p:tgtEl>
+                </p:cond>
+              </p:prevCondLst>
+              <p:nextCondLst>
+                <p:cond evt="onNext" delay="0">
+                  <p:tgtEl>
+                    <p:sldTgt/>
+                  </p:tgtEl>
+                </p:cond>
+              </p:nextCondLst>
+            </p:seq>
+          </p:childTnLst>
+        </p:cTn>
+      </p:par>
+    </p:tnLst>
+    <p:bldLst>
+      <p:bldP spid="3" grpId="0" uiExpand="1" build="p"/>
+    </p:bldLst>
+  </p:timing>
+</p:sld>
+</file>
+
+<file path=ppt/slides/slide4.xml><?xml version="1.0" encoding="utf-8"?>
+<p:sld xmlns:a="http://schemas.openxmlformats.org/drawingml/2006/main" xmlns:r="http://schemas.openxmlformats.org/officeDocument/2006/relationships" xmlns:p="http://schemas.openxmlformats.org/presentationml/2006/main" showMasterSp="0">
+  <p:cSld>
+    <p:spTree>
+      <p:nvGrpSpPr>
+        <p:cNvPr id="1" name=""/>
+        <p:cNvGrpSpPr/>
+        <p:nvPr/>
+      </p:nvGrpSpPr>
+      <p:grpSpPr>
+        <a:xfrm>
+          <a:off x="0" y="0"/>
+          <a:ext cx="0" cy="0"/>
+          <a:chOff x="0" y="0"/>
+          <a:chExt cx="0" cy="0"/>
+        </a:xfrm>
+      </p:grpSpPr>
+      <p:sp>
+        <p:nvSpPr>
+          <p:cNvPr id="2" name="Title 1">
+            <a:extLst>
+              <a:ext uri="{FF2B5EF4-FFF2-40B4-BE49-F238E27FC236}">
+                <a16:creationId xmlns:a16="http://schemas.microsoft.com/office/drawing/2014/main" id="{303829AC-DEC4-1147-BF51-3849E59AC39E}"/>
+              </a:ext>
+            </a:extLst>
+          </p:cNvPr>
+          <p:cNvSpPr>
+            <a:spLocks noGrp="1"/>
+          </p:cNvSpPr>
+          <p:nvPr>
+            <p:ph type="title"/>
+          </p:nvPr>
+        </p:nvSpPr>
+        <p:spPr/>
+        <p:txBody>
+          <a:bodyPr>
+            <a:normAutofit/>
+          </a:bodyPr>
+          <a:lstStyle/>
+          <a:p>
+            <a:r>
+              <a:rPr lang="en-US" sz="2800" dirty="0"/>
+              <a:t>Sed utility</a:t>
+            </a:r>
+            <a:endParaRPr lang="en-US" sz="3000" dirty="0"/>
+          </a:p>
+        </p:txBody>
+      </p:sp>
+      <p:sp>
+        <p:nvSpPr>
+          <p:cNvPr id="3" name="Content Placeholder 2">
+            <a:extLst>
+              <a:ext uri="{FF2B5EF4-FFF2-40B4-BE49-F238E27FC236}">
+                <a16:creationId xmlns:a16="http://schemas.microsoft.com/office/drawing/2014/main" id="{99DF4C7A-3854-7B4B-8D4F-4AD959A565DC}"/>
+              </a:ext>
+            </a:extLst>
+          </p:cNvPr>
+          <p:cNvSpPr>
+            <a:spLocks noGrp="1"/>
+          </p:cNvSpPr>
+          <p:nvPr>
+            <p:ph idx="1"/>
+          </p:nvPr>
+        </p:nvSpPr>
+        <p:spPr>
+          <a:xfrm>
+            <a:off x="1451578" y="1706813"/>
+            <a:ext cx="9927622" cy="4755771"/>
+          </a:xfrm>
+        </p:spPr>
+        <p:txBody>
+          <a:bodyPr>
+            <a:normAutofit/>
+          </a:bodyPr>
+          <a:lstStyle/>
+          <a:p>
+            <a:pPr marL="0" indent="0">
+              <a:buNone/>
+            </a:pPr>
+            <a:r>
+              <a:rPr lang="en-CA" sz="2900" b="1" dirty="0"/>
+              <a:t>Usage: </a:t>
+            </a:r>
+          </a:p>
+          <a:p>
+            <a:pPr marL="457200" lvl="1" indent="0">
+              <a:buNone/>
+            </a:pPr>
+            <a:r>
+              <a:rPr lang="en-CA" sz="2700" b="1" dirty="0">
+                <a:solidFill>
+                  <a:srgbClr val="0070C0"/>
+                </a:solidFill>
+                <a:latin typeface="Courier New" panose="02070309020205020404" pitchFamily="49" charset="0"/>
+                <a:cs typeface="Courier New" panose="02070309020205020404" pitchFamily="49" charset="0"/>
+              </a:rPr>
+              <a:t>sed [-n] 'address instruction' filename</a:t>
+            </a:r>
+          </a:p>
+          <a:p>
+            <a:pPr marL="0" indent="0">
+              <a:buNone/>
+            </a:pPr>
+            <a:r>
+              <a:rPr lang="en-CA" sz="2900" b="1" dirty="0"/>
+              <a:t>How it Works:</a:t>
+            </a:r>
+          </a:p>
+          <a:p>
+            <a:r>
+              <a:rPr lang="en-CA" dirty="0"/>
+              <a:t>The sed command reads </a:t>
+            </a:r>
+            <a:r>
+              <a:rPr lang="en-CA" b="1" dirty="0"/>
+              <a:t>all lines in the input file</a:t>
+            </a:r>
+            <a:r>
+              <a:rPr lang="en-CA" dirty="0"/>
+              <a:t> and will be exposed to the expression</a:t>
+            </a:r>
+            <a:br>
+              <a:rPr lang="en-CA" dirty="0"/>
+            </a:br>
+            <a:r>
+              <a:rPr lang="en-CA" dirty="0"/>
+              <a:t>(i.e. area contained within </a:t>
+            </a:r>
+            <a:r>
+              <a:rPr lang="en-CA" b="1" dirty="0"/>
+              <a:t>quotes</a:t>
+            </a:r>
+            <a:r>
+              <a:rPr lang="en-CA" dirty="0"/>
+              <a:t>) one line at a time.</a:t>
+            </a:r>
+          </a:p>
+          <a:p>
+            <a:r>
+              <a:rPr lang="en-CA" dirty="0"/>
+              <a:t>The expression can be within </a:t>
+            </a:r>
+            <a:r>
+              <a:rPr lang="en-CA" b="1" dirty="0"/>
+              <a:t>single</a:t>
+            </a:r>
+            <a:r>
+              <a:rPr lang="en-CA" dirty="0"/>
+              <a:t> quotes or </a:t>
+            </a:r>
+            <a:r>
+              <a:rPr lang="en-CA" b="1" dirty="0"/>
+              <a:t>double</a:t>
+            </a:r>
+            <a:r>
+              <a:rPr lang="en-CA" dirty="0"/>
+              <a:t> quotes.</a:t>
+            </a:r>
+          </a:p>
+          <a:p>
+            <a:r>
+              <a:rPr lang="en-CA" dirty="0"/>
+              <a:t>The </a:t>
+            </a:r>
+            <a:r>
+              <a:rPr lang="en-CA" b="1" dirty="0"/>
+              <a:t>expression</a:t>
+            </a:r>
+            <a:r>
+              <a:rPr lang="en-CA" dirty="0"/>
+              <a:t> contains an </a:t>
+            </a:r>
+            <a:r>
+              <a:rPr lang="en-CA" b="1" dirty="0"/>
+              <a:t>address</a:t>
+            </a:r>
+            <a:r>
+              <a:rPr lang="en-CA" dirty="0"/>
+              <a:t> (match condition) and an </a:t>
+            </a:r>
+            <a:r>
+              <a:rPr lang="en-CA" b="1" dirty="0"/>
+              <a:t>instruction</a:t>
+            </a:r>
+            <a:r>
+              <a:rPr lang="en-CA" dirty="0"/>
+              <a:t> (operation).</a:t>
+            </a:r>
+          </a:p>
+          <a:p>
+            <a:r>
+              <a:rPr lang="en-CA" dirty="0"/>
+              <a:t>If the line matches the </a:t>
+            </a:r>
+            <a:r>
+              <a:rPr lang="en-CA" b="1" dirty="0"/>
+              <a:t>address</a:t>
+            </a:r>
+            <a:r>
+              <a:rPr lang="en-CA" dirty="0"/>
+              <a:t>, then it will perform the </a:t>
+            </a:r>
+            <a:r>
+              <a:rPr lang="en-CA" b="1" dirty="0"/>
+              <a:t>instruction</a:t>
+            </a:r>
+            <a:r>
+              <a:rPr lang="en-CA" dirty="0"/>
+              <a:t>.</a:t>
+            </a:r>
+          </a:p>
+          <a:p>
+            <a:r>
+              <a:rPr lang="en-CA" dirty="0"/>
+              <a:t>Lines will display be default unless the </a:t>
+            </a:r>
+            <a:r>
+              <a:rPr lang="en-CA" b="1" dirty="0"/>
+              <a:t>–n</a:t>
+            </a:r>
+            <a:r>
+              <a:rPr lang="en-CA" dirty="0"/>
+              <a:t> option is used to </a:t>
+            </a:r>
+            <a:r>
+              <a:rPr lang="en-CA" u="sng" dirty="0"/>
+              <a:t>suppress</a:t>
+            </a:r>
+            <a:r>
+              <a:rPr lang="en-CA" dirty="0"/>
+              <a:t> default display</a:t>
+            </a:r>
+          </a:p>
+        </p:txBody>
+      </p:sp>
+      <p:pic>
+        <p:nvPicPr>
+          <p:cNvPr id="4" name="Picture 3" descr="A close up of a logo&#10;&#10;Description automatically generated">
+            <a:extLst>
+              <a:ext uri="{FF2B5EF4-FFF2-40B4-BE49-F238E27FC236}">
+                <a16:creationId xmlns:a16="http://schemas.microsoft.com/office/drawing/2014/main" id="{FD97BBA8-A56B-2548-94E4-710318170A6A}"/>
+              </a:ext>
+            </a:extLst>
+          </p:cNvPr>
+          <p:cNvPicPr>
+            <a:picLocks noChangeAspect="1"/>
+          </p:cNvPicPr>
+          <p:nvPr/>
+        </p:nvPicPr>
+        <p:blipFill>
+          <a:blip r:embed="rId2">
+            <a:extLst>
+              <a:ext uri="{837473B0-CC2E-450A-ABE3-18F120FF3D39}">
+                <a1611:picAttrSrcUrl xmlns:a1611="http://schemas.microsoft.com/office/drawing/2016/11/main" r:id="rId3"/>
+              </a:ext>
+            </a:extLst>
+          </a:blip>
+          <a:stretch>
+            <a:fillRect/>
+          </a:stretch>
+        </p:blipFill>
+        <p:spPr>
+          <a:xfrm>
+            <a:off x="10594430" y="743812"/>
+            <a:ext cx="920848" cy="1227797"/>
+          </a:xfrm>
+          <a:prstGeom prst="rect">
+            <a:avLst/>
+          </a:prstGeom>
+        </p:spPr>
+      </p:pic>
+    </p:spTree>
+    <p:extLst>
+      <p:ext uri="{BB962C8B-B14F-4D97-AF65-F5344CB8AC3E}">
+        <p14:creationId xmlns:p14="http://schemas.microsoft.com/office/powerpoint/2010/main" val="2276954950"/>
       </p:ext>
     </p:extLst>
   </p:cSld>
@@ -8424,6 +8756,202 @@
                       </p:childTnLst>
                     </p:cTn>
                   </p:par>
+                  <p:par>
+                    <p:cTn id="17" fill="hold">
+                      <p:stCondLst>
+                        <p:cond delay="indefinite"/>
+                      </p:stCondLst>
+                      <p:childTnLst>
+                        <p:par>
+                          <p:cTn id="18" fill="hold">
+                            <p:stCondLst>
+                              <p:cond delay="0"/>
+                            </p:stCondLst>
+                            <p:childTnLst>
+                              <p:par>
+                                <p:cTn id="19" presetID="1" presetClass="entr" presetSubtype="0" fill="hold" grpId="0" nodeType="clickEffect">
+                                  <p:stCondLst>
+                                    <p:cond delay="0"/>
+                                  </p:stCondLst>
+                                  <p:childTnLst>
+                                    <p:set>
+                                      <p:cBhvr>
+                                        <p:cTn id="20" dur="1" fill="hold">
+                                          <p:stCondLst>
+                                            <p:cond delay="0"/>
+                                          </p:stCondLst>
+                                        </p:cTn>
+                                        <p:tgtEl>
+                                          <p:spTgt spid="3">
+                                            <p:txEl>
+                                              <p:pRg st="4" end="4"/>
+                                            </p:txEl>
+                                          </p:spTgt>
+                                        </p:tgtEl>
+                                        <p:attrNameLst>
+                                          <p:attrName>style.visibility</p:attrName>
+                                        </p:attrNameLst>
+                                      </p:cBhvr>
+                                      <p:to>
+                                        <p:strVal val="visible"/>
+                                      </p:to>
+                                    </p:set>
+                                  </p:childTnLst>
+                                </p:cTn>
+                              </p:par>
+                            </p:childTnLst>
+                          </p:cTn>
+                        </p:par>
+                      </p:childTnLst>
+                    </p:cTn>
+                  </p:par>
+                  <p:par>
+                    <p:cTn id="21" fill="hold">
+                      <p:stCondLst>
+                        <p:cond delay="indefinite"/>
+                      </p:stCondLst>
+                      <p:childTnLst>
+                        <p:par>
+                          <p:cTn id="22" fill="hold">
+                            <p:stCondLst>
+                              <p:cond delay="0"/>
+                            </p:stCondLst>
+                            <p:childTnLst>
+                              <p:par>
+                                <p:cTn id="23" presetID="1" presetClass="entr" presetSubtype="0" fill="hold" grpId="0" nodeType="clickEffect">
+                                  <p:stCondLst>
+                                    <p:cond delay="0"/>
+                                  </p:stCondLst>
+                                  <p:childTnLst>
+                                    <p:set>
+                                      <p:cBhvr>
+                                        <p:cTn id="24" dur="1" fill="hold">
+                                          <p:stCondLst>
+                                            <p:cond delay="0"/>
+                                          </p:stCondLst>
+                                        </p:cTn>
+                                        <p:tgtEl>
+                                          <p:spTgt spid="3">
+                                            <p:txEl>
+                                              <p:pRg st="5" end="5"/>
+                                            </p:txEl>
+                                          </p:spTgt>
+                                        </p:tgtEl>
+                                        <p:attrNameLst>
+                                          <p:attrName>style.visibility</p:attrName>
+                                        </p:attrNameLst>
+                                      </p:cBhvr>
+                                      <p:to>
+                                        <p:strVal val="visible"/>
+                                      </p:to>
+                                    </p:set>
+                                  </p:childTnLst>
+                                </p:cTn>
+                              </p:par>
+                            </p:childTnLst>
+                          </p:cTn>
+                        </p:par>
+                      </p:childTnLst>
+                    </p:cTn>
+                  </p:par>
+                  <p:par>
+                    <p:cTn id="25" fill="hold">
+                      <p:stCondLst>
+                        <p:cond delay="indefinite"/>
+                      </p:stCondLst>
+                      <p:childTnLst>
+                        <p:par>
+                          <p:cTn id="26" fill="hold">
+                            <p:stCondLst>
+                              <p:cond delay="0"/>
+                            </p:stCondLst>
+                            <p:childTnLst>
+                              <p:par>
+                                <p:cTn id="27" presetID="1" presetClass="entr" presetSubtype="0" fill="hold" grpId="0" nodeType="clickEffect">
+                                  <p:stCondLst>
+                                    <p:cond delay="0"/>
+                                  </p:stCondLst>
+                                  <p:childTnLst>
+                                    <p:set>
+                                      <p:cBhvr>
+                                        <p:cTn id="28" dur="1" fill="hold">
+                                          <p:stCondLst>
+                                            <p:cond delay="0"/>
+                                          </p:stCondLst>
+                                        </p:cTn>
+                                        <p:tgtEl>
+                                          <p:spTgt spid="3">
+                                            <p:txEl>
+                                              <p:pRg st="6" end="6"/>
+                                            </p:txEl>
+                                          </p:spTgt>
+                                        </p:tgtEl>
+                                        <p:attrNameLst>
+                                          <p:attrName>style.visibility</p:attrName>
+                                        </p:attrNameLst>
+                                      </p:cBhvr>
+                                      <p:to>
+                                        <p:strVal val="visible"/>
+                                      </p:to>
+                                    </p:set>
+                                  </p:childTnLst>
+                                </p:cTn>
+                              </p:par>
+                            </p:childTnLst>
+                          </p:cTn>
+                        </p:par>
+                      </p:childTnLst>
+                    </p:cTn>
+                  </p:par>
+                  <p:par>
+                    <p:cTn id="29" fill="hold">
+                      <p:stCondLst>
+                        <p:cond delay="indefinite"/>
+                      </p:stCondLst>
+                      <p:childTnLst>
+                        <p:par>
+                          <p:cTn id="30" fill="hold">
+                            <p:stCondLst>
+                              <p:cond delay="0"/>
+                            </p:stCondLst>
+                            <p:childTnLst>
+                              <p:par>
+                                <p:cTn id="31" presetID="1" presetClass="entr" presetSubtype="0" fill="hold" grpId="0" nodeType="clickEffect">
+                                  <p:stCondLst>
+                                    <p:cond delay="0"/>
+                                  </p:stCondLst>
+                                  <p:childTnLst>
+                                    <p:set>
+                                      <p:cBhvr>
+                                        <p:cTn id="32" dur="1" fill="hold">
+                                          <p:stCondLst>
+                                            <p:cond delay="0"/>
+                                          </p:stCondLst>
+                                        </p:cTn>
+                                        <p:tgtEl>
+                                          <p:spTgt spid="3">
+                                            <p:txEl>
+                                              <p:pRg st="7" end="7"/>
+                                            </p:txEl>
+                                          </p:spTgt>
+                                        </p:tgtEl>
+                                        <p:attrNameLst>
+                                          <p:attrName>style.visibility</p:attrName>
+                                        </p:attrNameLst>
+                                      </p:cBhvr>
+                                      <p:to>
+                                        <p:strVal val="visible"/>
+                                      </p:to>
+                                    </p:set>
+                                  </p:childTnLst>
+                                </p:cTn>
+                              </p:par>
+                            </p:childTnLst>
+                          </p:cTn>
+                        </p:par>
+                      </p:childTnLst>
+                    </p:cTn>
+                  </p:par>
                 </p:childTnLst>
               </p:cTn>
               <p:prevCondLst>
@@ -8452,7 +8980,7 @@
 </p:sld>
 </file>
 
-<file path=ppt/slides/slide4.xml><?xml version="1.0" encoding="utf-8"?>
+<file path=ppt/slides/slide5.xml><?xml version="1.0" encoding="utf-8"?>
 <p:sld xmlns:a="http://schemas.openxmlformats.org/drawingml/2006/main" xmlns:r="http://schemas.openxmlformats.org/officeDocument/2006/relationships" xmlns:p="http://schemas.openxmlformats.org/presentationml/2006/main" showMasterSp="0">
   <p:cSld>
     <p:spTree>
@@ -8524,7 +9052,7 @@
         </p:spPr>
         <p:txBody>
           <a:bodyPr>
-            <a:normAutofit fontScale="77500" lnSpcReduction="20000"/>
+            <a:normAutofit fontScale="92500" lnSpcReduction="10000"/>
           </a:bodyPr>
           <a:lstStyle/>
           <a:p>
@@ -8533,40 +9061,23 @@
             </a:pPr>
             <a:r>
               <a:rPr lang="en-CA" sz="2900" b="1" dirty="0"/>
-              <a:t>Usage: </a:t>
-            </a:r>
-            <a:r>
-              <a:rPr lang="en-CA" dirty="0"/>
-              <a:t/>
-            </a:r>
-            <a:br>
-              <a:rPr lang="en-CA" dirty="0"/>
-            </a:br>
-            <a:r>
-              <a:rPr lang="en-CA" sz="2900" dirty="0"/>
-              <a:t/>
-            </a:r>
-            <a:br>
-              <a:rPr lang="en-CA" sz="2900" dirty="0"/>
-            </a:br>
-            <a:r>
-              <a:rPr lang="en-CA" sz="2900" b="1" dirty="0">
+              <a:t>Usage:</a:t>
+            </a:r>
+          </a:p>
+          <a:p>
+            <a:pPr marL="457200" lvl="1" indent="0">
+              <a:buNone/>
+            </a:pPr>
+            <a:r>
+              <a:rPr lang="en-CA" sz="2700" b="1" dirty="0">
                 <a:solidFill>
                   <a:srgbClr val="0070C0"/>
                 </a:solidFill>
                 <a:latin typeface="Courier New" panose="02070309020205020404" pitchFamily="49" charset="0"/>
                 <a:cs typeface="Courier New" panose="02070309020205020404" pitchFamily="49" charset="0"/>
               </a:rPr>
-              <a:t>sed [-n] 'address instruction' filename </a:t>
-            </a:r>
-            <a:r>
-              <a:rPr lang="en-CA" dirty="0"/>
-              <a:t/>
-            </a:r>
-            <a:br>
-              <a:rPr lang="en-CA" dirty="0"/>
-            </a:br>
-            <a:endParaRPr lang="en-CA" sz="2900" dirty="0"/>
+              <a:t>sed [-n] 'address instruction' filename</a:t>
+            </a:r>
           </a:p>
           <a:p>
             <a:pPr marL="0" indent="0">
@@ -8574,84 +9085,185 @@
             </a:pPr>
             <a:r>
               <a:rPr lang="en-CA" sz="2900" b="1" dirty="0"/>
-              <a:t>How it Works:</a:t>
+              <a:t>Addresses:</a:t>
+            </a:r>
+          </a:p>
+          <a:p>
+            <a:r>
+              <a:rPr lang="en-CA" dirty="0"/>
+              <a:t>Can use a </a:t>
+            </a:r>
+            <a:r>
+              <a:rPr lang="en-CA" b="1" dirty="0"/>
+              <a:t>line number</a:t>
+            </a:r>
+            <a:r>
+              <a:rPr lang="en-CA" dirty="0"/>
+              <a:t>, to select a specific line (for example: </a:t>
+            </a:r>
+            <a:r>
+              <a:rPr lang="en-CA" b="1" dirty="0">
+                <a:solidFill>
+                  <a:srgbClr val="0070C0"/>
+                </a:solidFill>
+                <a:latin typeface="Courier New" panose="02070309020205020404" pitchFamily="49" charset="0"/>
+                <a:cs typeface="Courier New" panose="02070309020205020404" pitchFamily="49" charset="0"/>
+              </a:rPr>
+              <a:t>5</a:t>
+            </a:r>
+            <a:r>
+              <a:rPr lang="en-CA" dirty="0"/>
+              <a:t>)</a:t>
+            </a:r>
+          </a:p>
+          <a:p>
+            <a:r>
+              <a:rPr lang="en-CA" dirty="0"/>
+              <a:t>Can specify a </a:t>
+            </a:r>
+            <a:r>
+              <a:rPr lang="en-CA" b="1" dirty="0"/>
+              <a:t>range of line numbers </a:t>
+            </a:r>
+            <a:r>
+              <a:rPr lang="en-CA" dirty="0"/>
+              <a:t>(for example: </a:t>
+            </a:r>
+            <a:r>
+              <a:rPr lang="en-CA" b="1" dirty="0">
+                <a:solidFill>
+                  <a:srgbClr val="0070C0"/>
+                </a:solidFill>
+                <a:latin typeface="Courier New" panose="02070309020205020404" pitchFamily="49" charset="0"/>
+                <a:cs typeface="Courier New" panose="02070309020205020404" pitchFamily="49" charset="0"/>
+              </a:rPr>
+              <a:t>5,7</a:t>
+            </a:r>
+            <a:r>
+              <a:rPr lang="en-CA" b="1" dirty="0">
+                <a:latin typeface="Courier New" panose="02070309020205020404" pitchFamily="49" charset="0"/>
+                <a:cs typeface="Courier New" panose="02070309020205020404" pitchFamily="49" charset="0"/>
+              </a:rPr>
+              <a:t>)</a:t>
+            </a:r>
+            <a:endParaRPr lang="en-CA" dirty="0"/>
+          </a:p>
+          <a:p>
+            <a:r>
+              <a:rPr lang="en-CA" dirty="0"/>
+              <a:t>Regular expressions are contained within </a:t>
+            </a:r>
+            <a:r>
+              <a:rPr lang="en-CA" b="1" dirty="0"/>
+              <a:t>forward slashes</a:t>
             </a:r>
             <a:br>
-              <a:rPr lang="en-CA" sz="2900" b="1" dirty="0"/>
+              <a:rPr lang="en-CA" b="1" dirty="0">
+                <a:solidFill>
+                  <a:srgbClr val="0070C0"/>
+                </a:solidFill>
+                <a:latin typeface="Courier New" panose="02070309020205020404" pitchFamily="49" charset="0"/>
+                <a:cs typeface="Courier New" panose="02070309020205020404" pitchFamily="49" charset="0"/>
+              </a:rPr>
             </a:br>
-            <a:endParaRPr lang="en-CA" sz="2900" b="1" dirty="0"/>
-          </a:p>
-          <a:p>
+            <a:r>
+              <a:rPr lang="en-CA" b="1" dirty="0">
+                <a:solidFill>
+                  <a:srgbClr val="0070C0"/>
+                </a:solidFill>
+                <a:latin typeface="Courier New" panose="02070309020205020404" pitchFamily="49" charset="0"/>
+                <a:cs typeface="Courier New" panose="02070309020205020404" pitchFamily="49" charset="0"/>
+              </a:rPr>
+              <a:t>(</a:t>
+            </a:r>
             <a:r>
               <a:rPr lang="en-CA" dirty="0"/>
-              <a:t>The sed command reads </a:t>
+              <a:t>e.g</a:t>
+            </a:r>
+            <a:r>
+              <a:rPr lang="en-CA" dirty="0">
+                <a:latin typeface="Courier New" panose="02070309020205020404" pitchFamily="49" charset="0"/>
+                <a:cs typeface="Courier New" panose="02070309020205020404" pitchFamily="49" charset="0"/>
+              </a:rPr>
+              <a:t>.</a:t>
+            </a:r>
+            <a:r>
+              <a:rPr lang="en-CA" dirty="0">
+                <a:solidFill>
+                  <a:srgbClr val="0070C0"/>
+                </a:solidFill>
+                <a:latin typeface="Courier New" panose="02070309020205020404" pitchFamily="49" charset="0"/>
+                <a:cs typeface="Courier New" panose="02070309020205020404" pitchFamily="49" charset="0"/>
+              </a:rPr>
+              <a:t> </a:t>
+            </a:r>
+            <a:r>
+              <a:rPr lang="en-CA" b="1" dirty="0">
+                <a:latin typeface="Courier New" panose="02070309020205020404" pitchFamily="49" charset="0"/>
+                <a:cs typeface="Courier New" panose="02070309020205020404" pitchFamily="49" charset="0"/>
+              </a:rPr>
+              <a:t>/regular-expression/</a:t>
+            </a:r>
+            <a:r>
+              <a:rPr lang="en-CA" b="1" dirty="0">
+                <a:solidFill>
+                  <a:srgbClr val="0070C0"/>
+                </a:solidFill>
+                <a:latin typeface="Courier New" panose="02070309020205020404" pitchFamily="49" charset="0"/>
+                <a:cs typeface="Courier New" panose="02070309020205020404" pitchFamily="49" charset="0"/>
+              </a:rPr>
+              <a:t>)</a:t>
+            </a:r>
+            <a:endParaRPr lang="en-CA" dirty="0"/>
+          </a:p>
+          <a:p>
+            <a:r>
+              <a:rPr lang="en-CA" dirty="0"/>
+              <a:t>Can specify a </a:t>
             </a:r>
             <a:r>
               <a:rPr lang="en-CA" b="1" dirty="0"/>
-              <a:t>all lines in the input file</a:t>
+              <a:t>regular expression</a:t>
             </a:r>
             <a:r>
               <a:rPr lang="en-CA" dirty="0"/>
-              <a:t> and will be exposed to the expression</a:t>
-            </a:r>
-            <a:br>
+              <a:t> to select all lines that match a pattern                              (</a:t>
+            </a:r>
+            <a:r>
+              <a:rPr lang="en-CA" dirty="0" err="1"/>
+              <a:t>e.g</a:t>
+            </a:r>
+            <a:r>
               <a:rPr lang="en-CA" dirty="0"/>
-            </a:br>
+              <a:t> </a:t>
+            </a:r>
+            <a:r>
+              <a:rPr lang="en-CA" b="1" dirty="0">
+                <a:solidFill>
+                  <a:srgbClr val="0070C0"/>
+                </a:solidFill>
+                <a:latin typeface="Courier New" panose="02070309020205020404" pitchFamily="49" charset="0"/>
+                <a:cs typeface="Courier New" panose="02070309020205020404" pitchFamily="49" charset="0"/>
+              </a:rPr>
+              <a:t>/^[0-9].*[0-9]$/</a:t>
+            </a:r>
             <a:r>
               <a:rPr lang="en-CA" dirty="0"/>
-              <a:t>(i.e. area contained within </a:t>
+              <a:t>) </a:t>
+            </a:r>
+          </a:p>
+          <a:p>
+            <a:r>
+              <a:rPr lang="en-CA" dirty="0"/>
+              <a:t>If </a:t>
             </a:r>
             <a:r>
               <a:rPr lang="en-CA" b="1" dirty="0"/>
-              <a:t>quotes</a:t>
+              <a:t>NO</a:t>
             </a:r>
             <a:r>
               <a:rPr lang="en-CA" dirty="0"/>
-              <a:t>) one line at a time.</a:t>
-            </a:r>
-          </a:p>
-          <a:p>
-            <a:r>
-              <a:rPr lang="en-CA" dirty="0"/>
-              <a:t>The expression can be within </a:t>
-            </a:r>
-            <a:r>
-              <a:rPr lang="en-CA" b="1" dirty="0"/>
-              <a:t>single</a:t>
-            </a:r>
-            <a:r>
-              <a:rPr lang="en-CA" dirty="0"/>
-              <a:t> quotes or </a:t>
-            </a:r>
-            <a:r>
-              <a:rPr lang="en-CA" b="1" dirty="0"/>
-              <a:t>double</a:t>
-            </a:r>
-            <a:r>
-              <a:rPr lang="en-CA" dirty="0"/>
-              <a:t> quotes.</a:t>
-            </a:r>
-          </a:p>
-          <a:p>
-            <a:r>
-              <a:rPr lang="en-CA" dirty="0"/>
-              <a:t>The </a:t>
-            </a:r>
-            <a:r>
-              <a:rPr lang="en-CA" b="1" dirty="0"/>
-              <a:t>expression</a:t>
-            </a:r>
-            <a:r>
-              <a:rPr lang="en-CA" dirty="0"/>
-              <a:t> contains an </a:t>
-            </a:r>
-            <a:r>
-              <a:rPr lang="en-CA" b="1" dirty="0"/>
-              <a:t>address</a:t>
-            </a:r>
-            <a:r>
-              <a:rPr lang="en-CA" dirty="0"/>
-              <a:t> (match condition) and an </a:t>
+              <a:t> address is present, the </a:t>
             </a:r>
             <a:r>
               <a:rPr lang="en-CA" b="1" dirty="0"/>
@@ -8659,56 +9271,16 @@
             </a:r>
             <a:r>
               <a:rPr lang="en-CA" dirty="0"/>
-              <a:t> (operation).</a:t>
-            </a:r>
-          </a:p>
-          <a:p>
+              <a:t> will apply to </a:t>
+            </a:r>
+            <a:r>
+              <a:rPr lang="en-CA" b="1" dirty="0"/>
+              <a:t>ALL</a:t>
+            </a:r>
             <a:r>
               <a:rPr lang="en-CA" dirty="0"/>
-              <a:t>If the line matches the </a:t>
-            </a:r>
-            <a:r>
-              <a:rPr lang="en-CA" b="1" dirty="0"/>
-              <a:t>address</a:t>
-            </a:r>
-            <a:r>
-              <a:rPr lang="en-CA" dirty="0"/>
-              <a:t>, then it will perform the </a:t>
-            </a:r>
-            <a:r>
-              <a:rPr lang="en-CA" b="1" dirty="0"/>
-              <a:t>instruction</a:t>
-            </a:r>
-            <a:r>
-              <a:rPr lang="en-CA" dirty="0"/>
-              <a:t>.</a:t>
-            </a:r>
-          </a:p>
-          <a:p>
-            <a:r>
-              <a:rPr lang="en-CA" dirty="0"/>
-              <a:t>Lines will display be default unless the </a:t>
-            </a:r>
-            <a:r>
-              <a:rPr lang="en-CA" b="1" dirty="0"/>
-              <a:t>–n</a:t>
-            </a:r>
-            <a:r>
-              <a:rPr lang="en-CA" dirty="0"/>
-              <a:t> option is used to </a:t>
-            </a:r>
-            <a:r>
-              <a:rPr lang="en-CA" u="sng" dirty="0"/>
-              <a:t>suppress</a:t>
-            </a:r>
-            <a:r>
-              <a:rPr lang="en-CA" dirty="0"/>
-              <a:t> default display</a:t>
-            </a:r>
-            <a:br>
-              <a:rPr lang="en-CA" dirty="0"/>
-            </a:br>
-            <a:endParaRPr lang="en-CA" dirty="0"/>
+              <a:t> lines</a:t>
+            </a:r>
           </a:p>
         </p:txBody>
       </p:sp>
@@ -8717,7 +9289,7 @@
           <p:cNvPr id="4" name="Picture 3" descr="A close up of a logo&#10;&#10;Description automatically generated">
             <a:extLst>
               <a:ext uri="{FF2B5EF4-FFF2-40B4-BE49-F238E27FC236}">
-                <a16:creationId xmlns:a16="http://schemas.microsoft.com/office/drawing/2014/main" id="{FD97BBA8-A56B-2548-94E4-710318170A6A}"/>
+                <a16:creationId xmlns:a16="http://schemas.microsoft.com/office/drawing/2014/main" id="{33718DFE-4A9D-E647-8636-AFC606EAC5CE}"/>
               </a:ext>
             </a:extLst>
           </p:cNvPr>
@@ -8730,7 +9302,7 @@
           <a:blip r:embed="rId2">
             <a:extLst>
               <a:ext uri="{837473B0-CC2E-450A-ABE3-18F120FF3D39}">
-                <a1611:picAttrSrcUrl xmlns:a1611="http://schemas.microsoft.com/office/drawing/2016/11/main" xmlns="" r:id="rId3"/>
+                <a1611:picAttrSrcUrl xmlns:a1611="http://schemas.microsoft.com/office/drawing/2016/11/main" r:id="rId3"/>
               </a:ext>
             </a:extLst>
           </a:blip>
@@ -8740,7 +9312,7 @@
         </p:blipFill>
         <p:spPr>
           <a:xfrm>
-            <a:off x="10594430" y="743812"/>
+            <a:off x="10594430" y="715237"/>
             <a:ext cx="920848" cy="1227797"/>
           </a:xfrm>
           <a:prstGeom prst="rect">
@@ -8751,7 +9323,7 @@
     </p:spTree>
     <p:extLst>
       <p:ext uri="{BB962C8B-B14F-4D97-AF65-F5344CB8AC3E}">
-        <p14:creationId xmlns:p14="http://schemas.microsoft.com/office/powerpoint/2010/main" val="2276954950"/>
+        <p14:creationId xmlns:p14="http://schemas.microsoft.com/office/powerpoint/2010/main" val="2601394664"/>
       </p:ext>
     </p:extLst>
   </p:cSld>
@@ -8843,15 +9415,33 @@
                                   </p:childTnLst>
                                 </p:cTn>
                               </p:par>
+                            </p:childTnLst>
+                          </p:cTn>
+                        </p:par>
+                      </p:childTnLst>
+                    </p:cTn>
+                  </p:par>
+                  <p:par>
+                    <p:cTn id="9" fill="hold">
+                      <p:stCondLst>
+                        <p:cond delay="indefinite"/>
+                      </p:stCondLst>
+                      <p:childTnLst>
+                        <p:par>
+                          <p:cTn id="10" fill="hold">
+                            <p:stCondLst>
+                              <p:cond delay="0"/>
+                            </p:stCondLst>
+                            <p:childTnLst>
                               <p:par>
-                                <p:cTn id="9" presetID="1" presetClass="entr" presetSubtype="0" fill="hold" grpId="0" nodeType="withEffect">
+                                <p:cTn id="11" presetID="1" presetClass="entr" presetSubtype="0" fill="hold" grpId="0" nodeType="clickEffect">
                                   <p:stCondLst>
                                     <p:cond delay="0"/>
                                   </p:stCondLst>
                                   <p:childTnLst>
                                     <p:set>
                                       <p:cBhvr>
-                                        <p:cTn id="10" dur="1" fill="hold">
+                                        <p:cTn id="12" dur="1" fill="hold">
                                           <p:stCondLst>
                                             <p:cond delay="0"/>
                                           </p:stCondLst>
@@ -8874,6 +9464,37 @@
                                   </p:childTnLst>
                                 </p:cTn>
                               </p:par>
+                              <p:par>
+                                <p:cTn id="13" presetID="1" presetClass="entr" presetSubtype="0" fill="hold" grpId="0" nodeType="withEffect">
+                                  <p:stCondLst>
+                                    <p:cond delay="0"/>
+                                  </p:stCondLst>
+                                  <p:childTnLst>
+                                    <p:set>
+                                      <p:cBhvr>
+                                        <p:cTn id="14" dur="1" fill="hold">
+                                          <p:stCondLst>
+                                            <p:cond delay="0"/>
+                                          </p:stCondLst>
+                                        </p:cTn>
+                                        <p:tgtEl>
+                                          <p:spTgt spid="3">
+                                            <p:txEl>
+                                              <p:pRg st="3" end="3"/>
+                                            </p:txEl>
+                                          </p:spTgt>
+                                        </p:tgtEl>
+                                        <p:attrNameLst>
+                                          <p:attrName>style.visibility</p:attrName>
+                                        </p:attrNameLst>
+                                      </p:cBhvr>
+                                      <p:to>
+                                        <p:strVal val="visible"/>
+                                      </p:to>
+                                    </p:set>
+                                  </p:childTnLst>
+                                </p:cTn>
+                              </p:par>
                             </p:childTnLst>
                           </p:cTn>
                         </p:par>
@@ -8881,19 +9502,611 @@
                     </p:cTn>
                   </p:par>
                   <p:par>
-                    <p:cTn id="11" fill="hold">
+                    <p:cTn id="15" fill="hold">
                       <p:stCondLst>
                         <p:cond delay="indefinite"/>
                       </p:stCondLst>
                       <p:childTnLst>
                         <p:par>
-                          <p:cTn id="12" fill="hold">
+                          <p:cTn id="16" fill="hold">
                             <p:stCondLst>
                               <p:cond delay="0"/>
                             </p:stCondLst>
                             <p:childTnLst>
                               <p:par>
-                                <p:cTn id="13" presetID="1" presetClass="entr" presetSubtype="0" fill="hold" grpId="0" nodeType="clickEffect">
+                                <p:cTn id="17" presetID="1" presetClass="entr" presetSubtype="0" fill="hold" grpId="0" nodeType="clickEffect">
+                                  <p:stCondLst>
+                                    <p:cond delay="0"/>
+                                  </p:stCondLst>
+                                  <p:childTnLst>
+                                    <p:set>
+                                      <p:cBhvr>
+                                        <p:cTn id="18" dur="1" fill="hold">
+                                          <p:stCondLst>
+                                            <p:cond delay="0"/>
+                                          </p:stCondLst>
+                                        </p:cTn>
+                                        <p:tgtEl>
+                                          <p:spTgt spid="3">
+                                            <p:txEl>
+                                              <p:pRg st="4" end="4"/>
+                                            </p:txEl>
+                                          </p:spTgt>
+                                        </p:tgtEl>
+                                        <p:attrNameLst>
+                                          <p:attrName>style.visibility</p:attrName>
+                                        </p:attrNameLst>
+                                      </p:cBhvr>
+                                      <p:to>
+                                        <p:strVal val="visible"/>
+                                      </p:to>
+                                    </p:set>
+                                  </p:childTnLst>
+                                </p:cTn>
+                              </p:par>
+                            </p:childTnLst>
+                          </p:cTn>
+                        </p:par>
+                      </p:childTnLst>
+                    </p:cTn>
+                  </p:par>
+                  <p:par>
+                    <p:cTn id="19" fill="hold">
+                      <p:stCondLst>
+                        <p:cond delay="indefinite"/>
+                      </p:stCondLst>
+                      <p:childTnLst>
+                        <p:par>
+                          <p:cTn id="20" fill="hold">
+                            <p:stCondLst>
+                              <p:cond delay="0"/>
+                            </p:stCondLst>
+                            <p:childTnLst>
+                              <p:par>
+                                <p:cTn id="21" presetID="1" presetClass="entr" presetSubtype="0" fill="hold" grpId="0" nodeType="clickEffect">
+                                  <p:stCondLst>
+                                    <p:cond delay="0"/>
+                                  </p:stCondLst>
+                                  <p:childTnLst>
+                                    <p:set>
+                                      <p:cBhvr>
+                                        <p:cTn id="22" dur="1" fill="hold">
+                                          <p:stCondLst>
+                                            <p:cond delay="0"/>
+                                          </p:stCondLst>
+                                        </p:cTn>
+                                        <p:tgtEl>
+                                          <p:spTgt spid="3">
+                                            <p:txEl>
+                                              <p:pRg st="5" end="5"/>
+                                            </p:txEl>
+                                          </p:spTgt>
+                                        </p:tgtEl>
+                                        <p:attrNameLst>
+                                          <p:attrName>style.visibility</p:attrName>
+                                        </p:attrNameLst>
+                                      </p:cBhvr>
+                                      <p:to>
+                                        <p:strVal val="visible"/>
+                                      </p:to>
+                                    </p:set>
+                                  </p:childTnLst>
+                                </p:cTn>
+                              </p:par>
+                            </p:childTnLst>
+                          </p:cTn>
+                        </p:par>
+                      </p:childTnLst>
+                    </p:cTn>
+                  </p:par>
+                  <p:par>
+                    <p:cTn id="23" fill="hold">
+                      <p:stCondLst>
+                        <p:cond delay="indefinite"/>
+                      </p:stCondLst>
+                      <p:childTnLst>
+                        <p:par>
+                          <p:cTn id="24" fill="hold">
+                            <p:stCondLst>
+                              <p:cond delay="0"/>
+                            </p:stCondLst>
+                            <p:childTnLst>
+                              <p:par>
+                                <p:cTn id="25" presetID="1" presetClass="entr" presetSubtype="0" fill="hold" grpId="0" nodeType="clickEffect">
+                                  <p:stCondLst>
+                                    <p:cond delay="0"/>
+                                  </p:stCondLst>
+                                  <p:childTnLst>
+                                    <p:set>
+                                      <p:cBhvr>
+                                        <p:cTn id="26" dur="1" fill="hold">
+                                          <p:stCondLst>
+                                            <p:cond delay="0"/>
+                                          </p:stCondLst>
+                                        </p:cTn>
+                                        <p:tgtEl>
+                                          <p:spTgt spid="3">
+                                            <p:txEl>
+                                              <p:pRg st="6" end="6"/>
+                                            </p:txEl>
+                                          </p:spTgt>
+                                        </p:tgtEl>
+                                        <p:attrNameLst>
+                                          <p:attrName>style.visibility</p:attrName>
+                                        </p:attrNameLst>
+                                      </p:cBhvr>
+                                      <p:to>
+                                        <p:strVal val="visible"/>
+                                      </p:to>
+                                    </p:set>
+                                  </p:childTnLst>
+                                </p:cTn>
+                              </p:par>
+                            </p:childTnLst>
+                          </p:cTn>
+                        </p:par>
+                      </p:childTnLst>
+                    </p:cTn>
+                  </p:par>
+                  <p:par>
+                    <p:cTn id="27" fill="hold">
+                      <p:stCondLst>
+                        <p:cond delay="indefinite"/>
+                      </p:stCondLst>
+                      <p:childTnLst>
+                        <p:par>
+                          <p:cTn id="28" fill="hold">
+                            <p:stCondLst>
+                              <p:cond delay="0"/>
+                            </p:stCondLst>
+                            <p:childTnLst>
+                              <p:par>
+                                <p:cTn id="29" presetID="1" presetClass="entr" presetSubtype="0" fill="hold" grpId="0" nodeType="clickEffect">
+                                  <p:stCondLst>
+                                    <p:cond delay="0"/>
+                                  </p:stCondLst>
+                                  <p:childTnLst>
+                                    <p:set>
+                                      <p:cBhvr>
+                                        <p:cTn id="30" dur="1" fill="hold">
+                                          <p:stCondLst>
+                                            <p:cond delay="0"/>
+                                          </p:stCondLst>
+                                        </p:cTn>
+                                        <p:tgtEl>
+                                          <p:spTgt spid="3">
+                                            <p:txEl>
+                                              <p:pRg st="7" end="7"/>
+                                            </p:txEl>
+                                          </p:spTgt>
+                                        </p:tgtEl>
+                                        <p:attrNameLst>
+                                          <p:attrName>style.visibility</p:attrName>
+                                        </p:attrNameLst>
+                                      </p:cBhvr>
+                                      <p:to>
+                                        <p:strVal val="visible"/>
+                                      </p:to>
+                                    </p:set>
+                                  </p:childTnLst>
+                                </p:cTn>
+                              </p:par>
+                            </p:childTnLst>
+                          </p:cTn>
+                        </p:par>
+                      </p:childTnLst>
+                    </p:cTn>
+                  </p:par>
+                </p:childTnLst>
+              </p:cTn>
+              <p:prevCondLst>
+                <p:cond evt="onPrev" delay="0">
+                  <p:tgtEl>
+                    <p:sldTgt/>
+                  </p:tgtEl>
+                </p:cond>
+              </p:prevCondLst>
+              <p:nextCondLst>
+                <p:cond evt="onNext" delay="0">
+                  <p:tgtEl>
+                    <p:sldTgt/>
+                  </p:tgtEl>
+                </p:cond>
+              </p:nextCondLst>
+            </p:seq>
+          </p:childTnLst>
+        </p:cTn>
+      </p:par>
+    </p:tnLst>
+    <p:bldLst>
+      <p:bldP spid="3" grpId="0" uiExpand="1" build="p"/>
+    </p:bldLst>
+  </p:timing>
+</p:sld>
+</file>
+
+<file path=ppt/slides/slide6.xml><?xml version="1.0" encoding="utf-8"?>
+<p:sld xmlns:a="http://schemas.openxmlformats.org/drawingml/2006/main" xmlns:r="http://schemas.openxmlformats.org/officeDocument/2006/relationships" xmlns:p="http://schemas.openxmlformats.org/presentationml/2006/main" showMasterSp="0">
+  <p:cSld>
+    <p:spTree>
+      <p:nvGrpSpPr>
+        <p:cNvPr id="1" name=""/>
+        <p:cNvGrpSpPr/>
+        <p:nvPr/>
+      </p:nvGrpSpPr>
+      <p:grpSpPr>
+        <a:xfrm>
+          <a:off x="0" y="0"/>
+          <a:ext cx="0" cy="0"/>
+          <a:chOff x="0" y="0"/>
+          <a:chExt cx="0" cy="0"/>
+        </a:xfrm>
+      </p:grpSpPr>
+      <p:sp>
+        <p:nvSpPr>
+          <p:cNvPr id="2" name="Title 1">
+            <a:extLst>
+              <a:ext uri="{FF2B5EF4-FFF2-40B4-BE49-F238E27FC236}">
+                <a16:creationId xmlns:a16="http://schemas.microsoft.com/office/drawing/2014/main" id="{303829AC-DEC4-1147-BF51-3849E59AC39E}"/>
+              </a:ext>
+            </a:extLst>
+          </p:cNvPr>
+          <p:cNvSpPr>
+            <a:spLocks noGrp="1"/>
+          </p:cNvSpPr>
+          <p:nvPr>
+            <p:ph type="title"/>
+          </p:nvPr>
+        </p:nvSpPr>
+        <p:spPr/>
+        <p:txBody>
+          <a:bodyPr>
+            <a:normAutofit/>
+          </a:bodyPr>
+          <a:lstStyle/>
+          <a:p>
+            <a:r>
+              <a:rPr lang="en-US" sz="2800" dirty="0"/>
+              <a:t>Sed utility</a:t>
+            </a:r>
+            <a:endParaRPr lang="en-US" sz="3000" dirty="0"/>
+          </a:p>
+        </p:txBody>
+      </p:sp>
+      <p:sp>
+        <p:nvSpPr>
+          <p:cNvPr id="3" name="Content Placeholder 2">
+            <a:extLst>
+              <a:ext uri="{FF2B5EF4-FFF2-40B4-BE49-F238E27FC236}">
+                <a16:creationId xmlns:a16="http://schemas.microsoft.com/office/drawing/2014/main" id="{99DF4C7A-3854-7B4B-8D4F-4AD959A565DC}"/>
+              </a:ext>
+            </a:extLst>
+          </p:cNvPr>
+          <p:cNvSpPr>
+            <a:spLocks noGrp="1"/>
+          </p:cNvSpPr>
+          <p:nvPr>
+            <p:ph idx="1"/>
+          </p:nvPr>
+        </p:nvSpPr>
+        <p:spPr>
+          <a:xfrm>
+            <a:off x="1451578" y="1706813"/>
+            <a:ext cx="8721122" cy="4755771"/>
+          </a:xfrm>
+        </p:spPr>
+        <p:txBody>
+          <a:bodyPr>
+            <a:normAutofit/>
+          </a:bodyPr>
+          <a:lstStyle/>
+          <a:p>
+            <a:pPr marL="0" indent="0">
+              <a:buNone/>
+            </a:pPr>
+            <a:r>
+              <a:rPr lang="en-CA" sz="2300" b="1" dirty="0"/>
+              <a:t>Usage: </a:t>
+            </a:r>
+          </a:p>
+          <a:p>
+            <a:pPr marL="457200" lvl="1" indent="0">
+              <a:buNone/>
+            </a:pPr>
+            <a:r>
+              <a:rPr lang="en-CA" sz="2100" b="1" dirty="0">
+                <a:solidFill>
+                  <a:srgbClr val="0070C0"/>
+                </a:solidFill>
+                <a:latin typeface="Courier New" panose="02070309020205020404" pitchFamily="49" charset="0"/>
+                <a:cs typeface="Courier New" panose="02070309020205020404" pitchFamily="49" charset="0"/>
+              </a:rPr>
+              <a:t>sed [-n] 'address instruction' filename</a:t>
+            </a:r>
+            <a:endParaRPr lang="en-CA" dirty="0"/>
+          </a:p>
+          <a:p>
+            <a:pPr marL="0" indent="0" fontAlgn="t">
+              <a:buNone/>
+            </a:pPr>
+            <a:r>
+              <a:rPr lang="en-CA" sz="2300" b="1" dirty="0"/>
+              <a:t>Common Instructions:</a:t>
+            </a:r>
+          </a:p>
+          <a:p>
+            <a:pPr fontAlgn="t"/>
+            <a:r>
+              <a:rPr lang="en-US" sz="1600" b="1" dirty="0"/>
+              <a:t>p   </a:t>
+            </a:r>
+            <a:r>
+              <a:rPr lang="en-CA" sz="1600" b="1" dirty="0"/>
+              <a:t>Print</a:t>
+            </a:r>
+            <a:r>
+              <a:rPr lang="en-CA" sz="1600" dirty="0"/>
+              <a:t> lines that match the address (commonly used with </a:t>
+            </a:r>
+            <a:r>
+              <a:rPr lang="en-CA" sz="1600" b="1" dirty="0"/>
+              <a:t>-n</a:t>
+            </a:r>
+            <a:r>
+              <a:rPr lang="en-CA" sz="1600" dirty="0"/>
+              <a:t> option)</a:t>
+            </a:r>
+          </a:p>
+          <a:p>
+            <a:pPr fontAlgn="t"/>
+            <a:r>
+              <a:rPr lang="en-US" sz="1600" b="1" dirty="0"/>
+              <a:t>d   </a:t>
+            </a:r>
+            <a:r>
+              <a:rPr lang="en-US" sz="1600" dirty="0"/>
+              <a:t>Omit (</a:t>
+            </a:r>
+            <a:r>
+              <a:rPr lang="en-CA" sz="1600" b="1" dirty="0"/>
+              <a:t>delete</a:t>
+            </a:r>
+            <a:r>
+              <a:rPr lang="en-CA" sz="1600" dirty="0"/>
+              <a:t>) display of lines that match the address</a:t>
+            </a:r>
+          </a:p>
+          <a:p>
+            <a:pPr fontAlgn="t"/>
+            <a:r>
+              <a:rPr lang="en-US" sz="1600" b="1" dirty="0"/>
+              <a:t>q   </a:t>
+            </a:r>
+            <a:r>
+              <a:rPr lang="en-US" sz="1600" dirty="0"/>
+              <a:t>Print lines including line that matches address and then</a:t>
+            </a:r>
+            <a:r>
+              <a:rPr lang="en-US" sz="1600" b="1" dirty="0"/>
+              <a:t> </a:t>
+            </a:r>
+            <a:r>
+              <a:rPr lang="en-CA" sz="1600" b="1" dirty="0"/>
+              <a:t>quit</a:t>
+            </a:r>
+            <a:r>
+              <a:rPr lang="en-CA" sz="1600" dirty="0"/>
+              <a:t> processing</a:t>
+            </a:r>
+          </a:p>
+          <a:p>
+            <a:pPr fontAlgn="t"/>
+            <a:r>
+              <a:rPr lang="en-US" sz="1600" b="1" dirty="0"/>
+              <a:t>s    </a:t>
+            </a:r>
+            <a:r>
+              <a:rPr lang="en-CA" sz="1600" b="1" dirty="0"/>
+              <a:t>Substitute</a:t>
+            </a:r>
+            <a:r>
+              <a:rPr lang="en-CA" sz="1600" dirty="0"/>
+              <a:t> text to replace a matched regular expression (similar </a:t>
+            </a:r>
+            <a:r>
+              <a:rPr lang="en-CA" sz="1600" i="1" dirty="0"/>
+              <a:t>search and replace</a:t>
+            </a:r>
+            <a:r>
+              <a:rPr lang="en-CA" sz="1600" dirty="0"/>
+              <a:t>)</a:t>
+            </a:r>
+            <a:endParaRPr lang="en-CA" dirty="0"/>
+          </a:p>
+        </p:txBody>
+      </p:sp>
+      <p:pic>
+        <p:nvPicPr>
+          <p:cNvPr id="6" name="Picture 5" descr="A close up of a logo&#10;&#10;Description automatically generated">
+            <a:extLst>
+              <a:ext uri="{FF2B5EF4-FFF2-40B4-BE49-F238E27FC236}">
+                <a16:creationId xmlns:a16="http://schemas.microsoft.com/office/drawing/2014/main" id="{D2F0E539-E97C-5C48-867F-51513DA95793}"/>
+              </a:ext>
+            </a:extLst>
+          </p:cNvPr>
+          <p:cNvPicPr>
+            <a:picLocks noChangeAspect="1"/>
+          </p:cNvPicPr>
+          <p:nvPr/>
+        </p:nvPicPr>
+        <p:blipFill>
+          <a:blip r:embed="rId2">
+            <a:extLst>
+              <a:ext uri="{837473B0-CC2E-450A-ABE3-18F120FF3D39}">
+                <a1611:picAttrSrcUrl xmlns:a1611="http://schemas.microsoft.com/office/drawing/2016/11/main" r:id="rId3"/>
+              </a:ext>
+            </a:extLst>
+          </a:blip>
+          <a:stretch>
+            <a:fillRect/>
+          </a:stretch>
+        </p:blipFill>
+        <p:spPr>
+          <a:xfrm>
+            <a:off x="10594430" y="715237"/>
+            <a:ext cx="920848" cy="1227797"/>
+          </a:xfrm>
+          <a:prstGeom prst="rect">
+            <a:avLst/>
+          </a:prstGeom>
+        </p:spPr>
+      </p:pic>
+    </p:spTree>
+    <p:extLst>
+      <p:ext uri="{BB962C8B-B14F-4D97-AF65-F5344CB8AC3E}">
+        <p14:creationId xmlns:p14="http://schemas.microsoft.com/office/powerpoint/2010/main" val="2406794684"/>
+      </p:ext>
+    </p:extLst>
+  </p:cSld>
+  <p:clrMapOvr>
+    <a:masterClrMapping/>
+  </p:clrMapOvr>
+  <p:timing>
+    <p:tnLst>
+      <p:par>
+        <p:cTn id="1" dur="indefinite" restart="never" nodeType="tmRoot">
+          <p:childTnLst>
+            <p:seq concurrent="1" nextAc="seek">
+              <p:cTn id="2" dur="indefinite" nodeType="mainSeq">
+                <p:childTnLst>
+                  <p:par>
+                    <p:cTn id="3" fill="hold">
+                      <p:stCondLst>
+                        <p:cond delay="indefinite"/>
+                        <p:cond evt="onBegin" delay="0">
+                          <p:tn val="2"/>
+                        </p:cond>
+                      </p:stCondLst>
+                      <p:childTnLst>
+                        <p:par>
+                          <p:cTn id="4" fill="hold">
+                            <p:stCondLst>
+                              <p:cond delay="0"/>
+                            </p:stCondLst>
+                            <p:childTnLst>
+                              <p:par>
+                                <p:cTn id="5" presetID="1" presetClass="entr" presetSubtype="0" fill="hold" grpId="0" nodeType="withEffect">
+                                  <p:stCondLst>
+                                    <p:cond delay="0"/>
+                                  </p:stCondLst>
+                                  <p:childTnLst>
+                                    <p:set>
+                                      <p:cBhvr>
+                                        <p:cTn id="6" dur="1" fill="hold">
+                                          <p:stCondLst>
+                                            <p:cond delay="0"/>
+                                          </p:stCondLst>
+                                        </p:cTn>
+                                        <p:tgtEl>
+                                          <p:spTgt spid="3">
+                                            <p:txEl>
+                                              <p:pRg st="0" end="0"/>
+                                            </p:txEl>
+                                          </p:spTgt>
+                                        </p:tgtEl>
+                                        <p:attrNameLst>
+                                          <p:attrName>style.visibility</p:attrName>
+                                        </p:attrNameLst>
+                                      </p:cBhvr>
+                                      <p:to>
+                                        <p:strVal val="visible"/>
+                                      </p:to>
+                                    </p:set>
+                                  </p:childTnLst>
+                                </p:cTn>
+                              </p:par>
+                              <p:par>
+                                <p:cTn id="7" presetID="1" presetClass="entr" presetSubtype="0" fill="hold" grpId="0" nodeType="withEffect">
+                                  <p:stCondLst>
+                                    <p:cond delay="0"/>
+                                  </p:stCondLst>
+                                  <p:childTnLst>
+                                    <p:set>
+                                      <p:cBhvr>
+                                        <p:cTn id="8" dur="1" fill="hold">
+                                          <p:stCondLst>
+                                            <p:cond delay="0"/>
+                                          </p:stCondLst>
+                                        </p:cTn>
+                                        <p:tgtEl>
+                                          <p:spTgt spid="3">
+                                            <p:txEl>
+                                              <p:pRg st="1" end="1"/>
+                                            </p:txEl>
+                                          </p:spTgt>
+                                        </p:tgtEl>
+                                        <p:attrNameLst>
+                                          <p:attrName>style.visibility</p:attrName>
+                                        </p:attrNameLst>
+                                      </p:cBhvr>
+                                      <p:to>
+                                        <p:strVal val="visible"/>
+                                      </p:to>
+                                    </p:set>
+                                  </p:childTnLst>
+                                </p:cTn>
+                              </p:par>
+                            </p:childTnLst>
+                          </p:cTn>
+                        </p:par>
+                      </p:childTnLst>
+                    </p:cTn>
+                  </p:par>
+                  <p:par>
+                    <p:cTn id="9" fill="hold">
+                      <p:stCondLst>
+                        <p:cond delay="indefinite"/>
+                      </p:stCondLst>
+                      <p:childTnLst>
+                        <p:par>
+                          <p:cTn id="10" fill="hold">
+                            <p:stCondLst>
+                              <p:cond delay="0"/>
+                            </p:stCondLst>
+                            <p:childTnLst>
+                              <p:par>
+                                <p:cTn id="11" presetID="1" presetClass="entr" presetSubtype="0" fill="hold" grpId="0" nodeType="clickEffect">
+                                  <p:stCondLst>
+                                    <p:cond delay="0"/>
+                                  </p:stCondLst>
+                                  <p:childTnLst>
+                                    <p:set>
+                                      <p:cBhvr>
+                                        <p:cTn id="12" dur="1" fill="hold">
+                                          <p:stCondLst>
+                                            <p:cond delay="0"/>
+                                          </p:stCondLst>
+                                        </p:cTn>
+                                        <p:tgtEl>
+                                          <p:spTgt spid="3">
+                                            <p:txEl>
+                                              <p:pRg st="2" end="2"/>
+                                            </p:txEl>
+                                          </p:spTgt>
+                                        </p:tgtEl>
+                                        <p:attrNameLst>
+                                          <p:attrName>style.visibility</p:attrName>
+                                        </p:attrNameLst>
+                                      </p:cBhvr>
+                                      <p:to>
+                                        <p:strVal val="visible"/>
+                                      </p:to>
+                                    </p:set>
+                                  </p:childTnLst>
+                                </p:cTn>
+                              </p:par>
+                              <p:par>
+                                <p:cTn id="13" presetID="1" presetClass="entr" presetSubtype="0" fill="hold" grpId="0" nodeType="withEffect">
                                   <p:stCondLst>
                                     <p:cond delay="0"/>
                                   </p:stCondLst>
@@ -9104,1323 +10317,6 @@
 </p:sld>
 </file>
 
-<file path=ppt/slides/slide5.xml><?xml version="1.0" encoding="utf-8"?>
-<p:sld xmlns:a="http://schemas.openxmlformats.org/drawingml/2006/main" xmlns:r="http://schemas.openxmlformats.org/officeDocument/2006/relationships" xmlns:p="http://schemas.openxmlformats.org/presentationml/2006/main" showMasterSp="0">
-  <p:cSld>
-    <p:spTree>
-      <p:nvGrpSpPr>
-        <p:cNvPr id="1" name=""/>
-        <p:cNvGrpSpPr/>
-        <p:nvPr/>
-      </p:nvGrpSpPr>
-      <p:grpSpPr>
-        <a:xfrm>
-          <a:off x="0" y="0"/>
-          <a:ext cx="0" cy="0"/>
-          <a:chOff x="0" y="0"/>
-          <a:chExt cx="0" cy="0"/>
-        </a:xfrm>
-      </p:grpSpPr>
-      <p:sp>
-        <p:nvSpPr>
-          <p:cNvPr id="2" name="Title 1">
-            <a:extLst>
-              <a:ext uri="{FF2B5EF4-FFF2-40B4-BE49-F238E27FC236}">
-                <a16:creationId xmlns:a16="http://schemas.microsoft.com/office/drawing/2014/main" id="{303829AC-DEC4-1147-BF51-3849E59AC39E}"/>
-              </a:ext>
-            </a:extLst>
-          </p:cNvPr>
-          <p:cNvSpPr>
-            <a:spLocks noGrp="1"/>
-          </p:cNvSpPr>
-          <p:nvPr>
-            <p:ph type="title"/>
-          </p:nvPr>
-        </p:nvSpPr>
-        <p:spPr/>
-        <p:txBody>
-          <a:bodyPr>
-            <a:normAutofit/>
-          </a:bodyPr>
-          <a:lstStyle/>
-          <a:p>
-            <a:r>
-              <a:rPr lang="en-US" sz="2800" dirty="0"/>
-              <a:t>Sed utility</a:t>
-            </a:r>
-            <a:endParaRPr lang="en-US" sz="3000" dirty="0"/>
-          </a:p>
-        </p:txBody>
-      </p:sp>
-      <p:sp>
-        <p:nvSpPr>
-          <p:cNvPr id="3" name="Content Placeholder 2">
-            <a:extLst>
-              <a:ext uri="{FF2B5EF4-FFF2-40B4-BE49-F238E27FC236}">
-                <a16:creationId xmlns:a16="http://schemas.microsoft.com/office/drawing/2014/main" id="{99DF4C7A-3854-7B4B-8D4F-4AD959A565DC}"/>
-              </a:ext>
-            </a:extLst>
-          </p:cNvPr>
-          <p:cNvSpPr>
-            <a:spLocks noGrp="1"/>
-          </p:cNvSpPr>
-          <p:nvPr>
-            <p:ph idx="1"/>
-          </p:nvPr>
-        </p:nvSpPr>
-        <p:spPr>
-          <a:xfrm>
-            <a:off x="1451578" y="1706813"/>
-            <a:ext cx="9927622" cy="4755771"/>
-          </a:xfrm>
-        </p:spPr>
-        <p:txBody>
-          <a:bodyPr>
-            <a:normAutofit fontScale="77500" lnSpcReduction="20000"/>
-          </a:bodyPr>
-          <a:lstStyle/>
-          <a:p>
-            <a:pPr marL="0" indent="0">
-              <a:buNone/>
-            </a:pPr>
-            <a:r>
-              <a:rPr lang="en-CA" sz="2900" b="1" dirty="0"/>
-              <a:t>Usage: </a:t>
-            </a:r>
-            <a:r>
-              <a:rPr lang="en-CA" dirty="0"/>
-              <a:t/>
-            </a:r>
-            <a:br>
-              <a:rPr lang="en-CA" dirty="0"/>
-            </a:br>
-            <a:r>
-              <a:rPr lang="en-CA" sz="2900" dirty="0"/>
-              <a:t/>
-            </a:r>
-            <a:br>
-              <a:rPr lang="en-CA" sz="2900" dirty="0"/>
-            </a:br>
-            <a:r>
-              <a:rPr lang="en-CA" sz="2900" b="1" dirty="0">
-                <a:solidFill>
-                  <a:srgbClr val="0070C0"/>
-                </a:solidFill>
-                <a:latin typeface="Courier New" panose="02070309020205020404" pitchFamily="49" charset="0"/>
-                <a:cs typeface="Courier New" panose="02070309020205020404" pitchFamily="49" charset="0"/>
-              </a:rPr>
-              <a:t>sed [-n] 'address instruction' filename </a:t>
-            </a:r>
-            <a:r>
-              <a:rPr lang="en-CA" dirty="0"/>
-              <a:t/>
-            </a:r>
-            <a:br>
-              <a:rPr lang="en-CA" dirty="0"/>
-            </a:br>
-            <a:endParaRPr lang="en-CA" sz="2900" dirty="0"/>
-          </a:p>
-          <a:p>
-            <a:pPr marL="0" indent="0">
-              <a:buNone/>
-            </a:pPr>
-            <a:r>
-              <a:rPr lang="en-CA" sz="2900" b="1" dirty="0"/>
-              <a:t>Addresses:</a:t>
-            </a:r>
-            <a:br>
-              <a:rPr lang="en-CA" sz="2900" b="1" dirty="0"/>
-            </a:br>
-            <a:endParaRPr lang="en-CA" sz="2900" b="1" dirty="0"/>
-          </a:p>
-          <a:p>
-            <a:r>
-              <a:rPr lang="en-CA" dirty="0"/>
-              <a:t>Can use a </a:t>
-            </a:r>
-            <a:r>
-              <a:rPr lang="en-CA" b="1" dirty="0"/>
-              <a:t>line number</a:t>
-            </a:r>
-            <a:r>
-              <a:rPr lang="en-CA" dirty="0"/>
-              <a:t>, to select a specific line (for example: </a:t>
-            </a:r>
-            <a:r>
-              <a:rPr lang="en-CA" b="1" dirty="0">
-                <a:solidFill>
-                  <a:srgbClr val="0070C0"/>
-                </a:solidFill>
-                <a:latin typeface="Courier New" panose="02070309020205020404" pitchFamily="49" charset="0"/>
-                <a:cs typeface="Courier New" panose="02070309020205020404" pitchFamily="49" charset="0"/>
-              </a:rPr>
-              <a:t>5</a:t>
-            </a:r>
-            <a:r>
-              <a:rPr lang="en-CA" dirty="0"/>
-              <a:t>)</a:t>
-            </a:r>
-          </a:p>
-          <a:p>
-            <a:r>
-              <a:rPr lang="en-CA" dirty="0"/>
-              <a:t>Can specify a </a:t>
-            </a:r>
-            <a:r>
-              <a:rPr lang="en-CA" b="1" dirty="0"/>
-              <a:t>range of line numbers </a:t>
-            </a:r>
-            <a:r>
-              <a:rPr lang="en-CA" dirty="0"/>
-              <a:t>(for example: </a:t>
-            </a:r>
-            <a:r>
-              <a:rPr lang="en-CA" b="1" dirty="0">
-                <a:solidFill>
-                  <a:srgbClr val="0070C0"/>
-                </a:solidFill>
-                <a:latin typeface="Courier New" panose="02070309020205020404" pitchFamily="49" charset="0"/>
-                <a:cs typeface="Courier New" panose="02070309020205020404" pitchFamily="49" charset="0"/>
-              </a:rPr>
-              <a:t>5,7</a:t>
-            </a:r>
-            <a:r>
-              <a:rPr lang="en-CA" b="1" dirty="0">
-                <a:latin typeface="Courier New" panose="02070309020205020404" pitchFamily="49" charset="0"/>
-                <a:cs typeface="Courier New" panose="02070309020205020404" pitchFamily="49" charset="0"/>
-              </a:rPr>
-              <a:t>)</a:t>
-            </a:r>
-            <a:endParaRPr lang="en-CA" dirty="0"/>
-          </a:p>
-          <a:p>
-            <a:r>
-              <a:rPr lang="en-CA" dirty="0"/>
-              <a:t>Regular expressions are contained within </a:t>
-            </a:r>
-            <a:r>
-              <a:rPr lang="en-CA" b="1" dirty="0"/>
-              <a:t>forward slashes</a:t>
-            </a:r>
-            <a:r>
-              <a:rPr lang="en-CA" b="1" dirty="0">
-                <a:solidFill>
-                  <a:srgbClr val="0070C0"/>
-                </a:solidFill>
-                <a:latin typeface="Courier New" panose="02070309020205020404" pitchFamily="49" charset="0"/>
-                <a:cs typeface="Courier New" panose="02070309020205020404" pitchFamily="49" charset="0"/>
-              </a:rPr>
-              <a:t/>
-            </a:r>
-            <a:br>
-              <a:rPr lang="en-CA" b="1" dirty="0">
-                <a:solidFill>
-                  <a:srgbClr val="0070C0"/>
-                </a:solidFill>
-                <a:latin typeface="Courier New" panose="02070309020205020404" pitchFamily="49" charset="0"/>
-                <a:cs typeface="Courier New" panose="02070309020205020404" pitchFamily="49" charset="0"/>
-              </a:rPr>
-            </a:br>
-            <a:r>
-              <a:rPr lang="en-CA" b="1" dirty="0">
-                <a:solidFill>
-                  <a:srgbClr val="0070C0"/>
-                </a:solidFill>
-                <a:latin typeface="Courier New" panose="02070309020205020404" pitchFamily="49" charset="0"/>
-                <a:cs typeface="Courier New" panose="02070309020205020404" pitchFamily="49" charset="0"/>
-              </a:rPr>
-              <a:t>(</a:t>
-            </a:r>
-            <a:r>
-              <a:rPr lang="en-CA" dirty="0"/>
-              <a:t>e.g</a:t>
-            </a:r>
-            <a:r>
-              <a:rPr lang="en-CA" dirty="0">
-                <a:latin typeface="Courier New" panose="02070309020205020404" pitchFamily="49" charset="0"/>
-                <a:cs typeface="Courier New" panose="02070309020205020404" pitchFamily="49" charset="0"/>
-              </a:rPr>
-              <a:t>.</a:t>
-            </a:r>
-            <a:r>
-              <a:rPr lang="en-CA" dirty="0">
-                <a:solidFill>
-                  <a:srgbClr val="0070C0"/>
-                </a:solidFill>
-                <a:latin typeface="Courier New" panose="02070309020205020404" pitchFamily="49" charset="0"/>
-                <a:cs typeface="Courier New" panose="02070309020205020404" pitchFamily="49" charset="0"/>
-              </a:rPr>
-              <a:t> </a:t>
-            </a:r>
-            <a:r>
-              <a:rPr lang="en-CA" b="1" dirty="0">
-                <a:latin typeface="Courier New" panose="02070309020205020404" pitchFamily="49" charset="0"/>
-                <a:cs typeface="Courier New" panose="02070309020205020404" pitchFamily="49" charset="0"/>
-              </a:rPr>
-              <a:t>/regular-expression/</a:t>
-            </a:r>
-            <a:r>
-              <a:rPr lang="en-CA" b="1" dirty="0">
-                <a:solidFill>
-                  <a:srgbClr val="0070C0"/>
-                </a:solidFill>
-                <a:latin typeface="Courier New" panose="02070309020205020404" pitchFamily="49" charset="0"/>
-                <a:cs typeface="Courier New" panose="02070309020205020404" pitchFamily="49" charset="0"/>
-              </a:rPr>
-              <a:t>)</a:t>
-            </a:r>
-            <a:endParaRPr lang="en-CA" dirty="0"/>
-          </a:p>
-          <a:p>
-            <a:r>
-              <a:rPr lang="en-CA" dirty="0"/>
-              <a:t>Can specify a </a:t>
-            </a:r>
-            <a:r>
-              <a:rPr lang="en-CA" b="1" dirty="0"/>
-              <a:t>regular expression</a:t>
-            </a:r>
-            <a:r>
-              <a:rPr lang="en-CA" dirty="0"/>
-              <a:t> to select all lines that match</a:t>
-            </a:r>
-            <a:br>
-              <a:rPr lang="en-CA" dirty="0"/>
-            </a:br>
-            <a:r>
-              <a:rPr lang="en-CA" dirty="0"/>
-              <a:t>a pattern  (</a:t>
-            </a:r>
-            <a:r>
-              <a:rPr lang="en-CA" dirty="0" err="1"/>
-              <a:t>e.g</a:t>
-            </a:r>
-            <a:r>
-              <a:rPr lang="en-CA" dirty="0"/>
-              <a:t> </a:t>
-            </a:r>
-            <a:r>
-              <a:rPr lang="en-CA" b="1" dirty="0">
-                <a:solidFill>
-                  <a:srgbClr val="0070C0"/>
-                </a:solidFill>
-                <a:latin typeface="Courier New" panose="02070309020205020404" pitchFamily="49" charset="0"/>
-                <a:cs typeface="Courier New" panose="02070309020205020404" pitchFamily="49" charset="0"/>
-              </a:rPr>
-              <a:t>/^[0-9].*[0-9]$/</a:t>
-            </a:r>
-            <a:r>
-              <a:rPr lang="en-CA" dirty="0"/>
-              <a:t>) </a:t>
-            </a:r>
-          </a:p>
-          <a:p>
-            <a:r>
-              <a:rPr lang="en-CA" dirty="0"/>
-              <a:t>If </a:t>
-            </a:r>
-            <a:r>
-              <a:rPr lang="en-CA" b="1" dirty="0"/>
-              <a:t>NO</a:t>
-            </a:r>
-            <a:r>
-              <a:rPr lang="en-CA" dirty="0"/>
-              <a:t> address is present, the </a:t>
-            </a:r>
-            <a:r>
-              <a:rPr lang="en-CA" b="1" dirty="0"/>
-              <a:t>instruction</a:t>
-            </a:r>
-            <a:r>
-              <a:rPr lang="en-CA" dirty="0"/>
-              <a:t> will apply to </a:t>
-            </a:r>
-            <a:r>
-              <a:rPr lang="en-CA" b="1" dirty="0"/>
-              <a:t>ALL</a:t>
-            </a:r>
-            <a:r>
-              <a:rPr lang="en-CA" dirty="0"/>
-              <a:t> lines</a:t>
-            </a:r>
-          </a:p>
-        </p:txBody>
-      </p:sp>
-      <p:pic>
-        <p:nvPicPr>
-          <p:cNvPr id="4" name="Picture 3" descr="A close up of a logo&#10;&#10;Description automatically generated">
-            <a:extLst>
-              <a:ext uri="{FF2B5EF4-FFF2-40B4-BE49-F238E27FC236}">
-                <a16:creationId xmlns:a16="http://schemas.microsoft.com/office/drawing/2014/main" id="{33718DFE-4A9D-E647-8636-AFC606EAC5CE}"/>
-              </a:ext>
-            </a:extLst>
-          </p:cNvPr>
-          <p:cNvPicPr>
-            <a:picLocks noChangeAspect="1"/>
-          </p:cNvPicPr>
-          <p:nvPr/>
-        </p:nvPicPr>
-        <p:blipFill>
-          <a:blip r:embed="rId2">
-            <a:extLst>
-              <a:ext uri="{837473B0-CC2E-450A-ABE3-18F120FF3D39}">
-                <a1611:picAttrSrcUrl xmlns:a1611="http://schemas.microsoft.com/office/drawing/2016/11/main" xmlns="" r:id="rId3"/>
-              </a:ext>
-            </a:extLst>
-          </a:blip>
-          <a:stretch>
-            <a:fillRect/>
-          </a:stretch>
-        </p:blipFill>
-        <p:spPr>
-          <a:xfrm>
-            <a:off x="10594430" y="715237"/>
-            <a:ext cx="920848" cy="1227797"/>
-          </a:xfrm>
-          <a:prstGeom prst="rect">
-            <a:avLst/>
-          </a:prstGeom>
-        </p:spPr>
-      </p:pic>
-    </p:spTree>
-    <p:extLst>
-      <p:ext uri="{BB962C8B-B14F-4D97-AF65-F5344CB8AC3E}">
-        <p14:creationId xmlns:p14="http://schemas.microsoft.com/office/powerpoint/2010/main" val="2601394664"/>
-      </p:ext>
-    </p:extLst>
-  </p:cSld>
-  <p:clrMapOvr>
-    <a:masterClrMapping/>
-  </p:clrMapOvr>
-  <p:timing>
-    <p:tnLst>
-      <p:par>
-        <p:cTn id="1" dur="indefinite" restart="never" nodeType="tmRoot">
-          <p:childTnLst>
-            <p:seq concurrent="1" nextAc="seek">
-              <p:cTn id="2" dur="indefinite" nodeType="mainSeq">
-                <p:childTnLst>
-                  <p:par>
-                    <p:cTn id="3" fill="hold">
-                      <p:stCondLst>
-                        <p:cond delay="indefinite"/>
-                        <p:cond evt="onBegin" delay="0">
-                          <p:tn val="2"/>
-                        </p:cond>
-                      </p:stCondLst>
-                      <p:childTnLst>
-                        <p:par>
-                          <p:cTn id="4" fill="hold">
-                            <p:stCondLst>
-                              <p:cond delay="0"/>
-                            </p:stCondLst>
-                            <p:childTnLst>
-                              <p:par>
-                                <p:cTn id="5" presetID="1" presetClass="entr" presetSubtype="0" fill="hold" grpId="0" nodeType="withEffect">
-                                  <p:stCondLst>
-                                    <p:cond delay="0"/>
-                                  </p:stCondLst>
-                                  <p:childTnLst>
-                                    <p:set>
-                                      <p:cBhvr>
-                                        <p:cTn id="6" dur="1" fill="hold">
-                                          <p:stCondLst>
-                                            <p:cond delay="0"/>
-                                          </p:stCondLst>
-                                        </p:cTn>
-                                        <p:tgtEl>
-                                          <p:spTgt spid="3">
-                                            <p:txEl>
-                                              <p:pRg st="0" end="0"/>
-                                            </p:txEl>
-                                          </p:spTgt>
-                                        </p:tgtEl>
-                                        <p:attrNameLst>
-                                          <p:attrName>style.visibility</p:attrName>
-                                        </p:attrNameLst>
-                                      </p:cBhvr>
-                                      <p:to>
-                                        <p:strVal val="visible"/>
-                                      </p:to>
-                                    </p:set>
-                                  </p:childTnLst>
-                                </p:cTn>
-                              </p:par>
-                              <p:par>
-                                <p:cTn id="7" presetID="1" presetClass="entr" presetSubtype="0" fill="hold" grpId="0" nodeType="withEffect">
-                                  <p:stCondLst>
-                                    <p:cond delay="0"/>
-                                  </p:stCondLst>
-                                  <p:childTnLst>
-                                    <p:set>
-                                      <p:cBhvr>
-                                        <p:cTn id="8" dur="1" fill="hold">
-                                          <p:stCondLst>
-                                            <p:cond delay="0"/>
-                                          </p:stCondLst>
-                                        </p:cTn>
-                                        <p:tgtEl>
-                                          <p:spTgt spid="3">
-                                            <p:txEl>
-                                              <p:pRg st="1" end="1"/>
-                                            </p:txEl>
-                                          </p:spTgt>
-                                        </p:tgtEl>
-                                        <p:attrNameLst>
-                                          <p:attrName>style.visibility</p:attrName>
-                                        </p:attrNameLst>
-                                      </p:cBhvr>
-                                      <p:to>
-                                        <p:strVal val="visible"/>
-                                      </p:to>
-                                    </p:set>
-                                  </p:childTnLst>
-                                </p:cTn>
-                              </p:par>
-                              <p:par>
-                                <p:cTn id="9" presetID="1" presetClass="entr" presetSubtype="0" fill="hold" grpId="0" nodeType="withEffect">
-                                  <p:stCondLst>
-                                    <p:cond delay="0"/>
-                                  </p:stCondLst>
-                                  <p:childTnLst>
-                                    <p:set>
-                                      <p:cBhvr>
-                                        <p:cTn id="10" dur="1" fill="hold">
-                                          <p:stCondLst>
-                                            <p:cond delay="0"/>
-                                          </p:stCondLst>
-                                        </p:cTn>
-                                        <p:tgtEl>
-                                          <p:spTgt spid="3">
-                                            <p:txEl>
-                                              <p:pRg st="2" end="2"/>
-                                            </p:txEl>
-                                          </p:spTgt>
-                                        </p:tgtEl>
-                                        <p:attrNameLst>
-                                          <p:attrName>style.visibility</p:attrName>
-                                        </p:attrNameLst>
-                                      </p:cBhvr>
-                                      <p:to>
-                                        <p:strVal val="visible"/>
-                                      </p:to>
-                                    </p:set>
-                                  </p:childTnLst>
-                                </p:cTn>
-                              </p:par>
-                            </p:childTnLst>
-                          </p:cTn>
-                        </p:par>
-                      </p:childTnLst>
-                    </p:cTn>
-                  </p:par>
-                  <p:par>
-                    <p:cTn id="11" fill="hold">
-                      <p:stCondLst>
-                        <p:cond delay="indefinite"/>
-                      </p:stCondLst>
-                      <p:childTnLst>
-                        <p:par>
-                          <p:cTn id="12" fill="hold">
-                            <p:stCondLst>
-                              <p:cond delay="0"/>
-                            </p:stCondLst>
-                            <p:childTnLst>
-                              <p:par>
-                                <p:cTn id="13" presetID="1" presetClass="entr" presetSubtype="0" fill="hold" grpId="0" nodeType="clickEffect">
-                                  <p:stCondLst>
-                                    <p:cond delay="0"/>
-                                  </p:stCondLst>
-                                  <p:childTnLst>
-                                    <p:set>
-                                      <p:cBhvr>
-                                        <p:cTn id="14" dur="1" fill="hold">
-                                          <p:stCondLst>
-                                            <p:cond delay="0"/>
-                                          </p:stCondLst>
-                                        </p:cTn>
-                                        <p:tgtEl>
-                                          <p:spTgt spid="3">
-                                            <p:txEl>
-                                              <p:pRg st="3" end="3"/>
-                                            </p:txEl>
-                                          </p:spTgt>
-                                        </p:tgtEl>
-                                        <p:attrNameLst>
-                                          <p:attrName>style.visibility</p:attrName>
-                                        </p:attrNameLst>
-                                      </p:cBhvr>
-                                      <p:to>
-                                        <p:strVal val="visible"/>
-                                      </p:to>
-                                    </p:set>
-                                  </p:childTnLst>
-                                </p:cTn>
-                              </p:par>
-                            </p:childTnLst>
-                          </p:cTn>
-                        </p:par>
-                      </p:childTnLst>
-                    </p:cTn>
-                  </p:par>
-                  <p:par>
-                    <p:cTn id="15" fill="hold">
-                      <p:stCondLst>
-                        <p:cond delay="indefinite"/>
-                      </p:stCondLst>
-                      <p:childTnLst>
-                        <p:par>
-                          <p:cTn id="16" fill="hold">
-                            <p:stCondLst>
-                              <p:cond delay="0"/>
-                            </p:stCondLst>
-                            <p:childTnLst>
-                              <p:par>
-                                <p:cTn id="17" presetID="1" presetClass="entr" presetSubtype="0" fill="hold" grpId="0" nodeType="clickEffect">
-                                  <p:stCondLst>
-                                    <p:cond delay="0"/>
-                                  </p:stCondLst>
-                                  <p:childTnLst>
-                                    <p:set>
-                                      <p:cBhvr>
-                                        <p:cTn id="18" dur="1" fill="hold">
-                                          <p:stCondLst>
-                                            <p:cond delay="0"/>
-                                          </p:stCondLst>
-                                        </p:cTn>
-                                        <p:tgtEl>
-                                          <p:spTgt spid="3">
-                                            <p:txEl>
-                                              <p:pRg st="4" end="4"/>
-                                            </p:txEl>
-                                          </p:spTgt>
-                                        </p:tgtEl>
-                                        <p:attrNameLst>
-                                          <p:attrName>style.visibility</p:attrName>
-                                        </p:attrNameLst>
-                                      </p:cBhvr>
-                                      <p:to>
-                                        <p:strVal val="visible"/>
-                                      </p:to>
-                                    </p:set>
-                                  </p:childTnLst>
-                                </p:cTn>
-                              </p:par>
-                            </p:childTnLst>
-                          </p:cTn>
-                        </p:par>
-                      </p:childTnLst>
-                    </p:cTn>
-                  </p:par>
-                  <p:par>
-                    <p:cTn id="19" fill="hold">
-                      <p:stCondLst>
-                        <p:cond delay="indefinite"/>
-                      </p:stCondLst>
-                      <p:childTnLst>
-                        <p:par>
-                          <p:cTn id="20" fill="hold">
-                            <p:stCondLst>
-                              <p:cond delay="0"/>
-                            </p:stCondLst>
-                            <p:childTnLst>
-                              <p:par>
-                                <p:cTn id="21" presetID="1" presetClass="entr" presetSubtype="0" fill="hold" grpId="0" nodeType="clickEffect">
-                                  <p:stCondLst>
-                                    <p:cond delay="0"/>
-                                  </p:stCondLst>
-                                  <p:childTnLst>
-                                    <p:set>
-                                      <p:cBhvr>
-                                        <p:cTn id="22" dur="1" fill="hold">
-                                          <p:stCondLst>
-                                            <p:cond delay="0"/>
-                                          </p:stCondLst>
-                                        </p:cTn>
-                                        <p:tgtEl>
-                                          <p:spTgt spid="3">
-                                            <p:txEl>
-                                              <p:pRg st="5" end="5"/>
-                                            </p:txEl>
-                                          </p:spTgt>
-                                        </p:tgtEl>
-                                        <p:attrNameLst>
-                                          <p:attrName>style.visibility</p:attrName>
-                                        </p:attrNameLst>
-                                      </p:cBhvr>
-                                      <p:to>
-                                        <p:strVal val="visible"/>
-                                      </p:to>
-                                    </p:set>
-                                  </p:childTnLst>
-                                </p:cTn>
-                              </p:par>
-                            </p:childTnLst>
-                          </p:cTn>
-                        </p:par>
-                      </p:childTnLst>
-                    </p:cTn>
-                  </p:par>
-                  <p:par>
-                    <p:cTn id="23" fill="hold">
-                      <p:stCondLst>
-                        <p:cond delay="indefinite"/>
-                      </p:stCondLst>
-                      <p:childTnLst>
-                        <p:par>
-                          <p:cTn id="24" fill="hold">
-                            <p:stCondLst>
-                              <p:cond delay="0"/>
-                            </p:stCondLst>
-                            <p:childTnLst>
-                              <p:par>
-                                <p:cTn id="25" presetID="1" presetClass="entr" presetSubtype="0" fill="hold" grpId="0" nodeType="clickEffect">
-                                  <p:stCondLst>
-                                    <p:cond delay="0"/>
-                                  </p:stCondLst>
-                                  <p:childTnLst>
-                                    <p:set>
-                                      <p:cBhvr>
-                                        <p:cTn id="26" dur="1" fill="hold">
-                                          <p:stCondLst>
-                                            <p:cond delay="0"/>
-                                          </p:stCondLst>
-                                        </p:cTn>
-                                        <p:tgtEl>
-                                          <p:spTgt spid="3">
-                                            <p:txEl>
-                                              <p:pRg st="6" end="6"/>
-                                            </p:txEl>
-                                          </p:spTgt>
-                                        </p:tgtEl>
-                                        <p:attrNameLst>
-                                          <p:attrName>style.visibility</p:attrName>
-                                        </p:attrNameLst>
-                                      </p:cBhvr>
-                                      <p:to>
-                                        <p:strVal val="visible"/>
-                                      </p:to>
-                                    </p:set>
-                                  </p:childTnLst>
-                                </p:cTn>
-                              </p:par>
-                            </p:childTnLst>
-                          </p:cTn>
-                        </p:par>
-                      </p:childTnLst>
-                    </p:cTn>
-                  </p:par>
-                </p:childTnLst>
-              </p:cTn>
-              <p:prevCondLst>
-                <p:cond evt="onPrev" delay="0">
-                  <p:tgtEl>
-                    <p:sldTgt/>
-                  </p:tgtEl>
-                </p:cond>
-              </p:prevCondLst>
-              <p:nextCondLst>
-                <p:cond evt="onNext" delay="0">
-                  <p:tgtEl>
-                    <p:sldTgt/>
-                  </p:tgtEl>
-                </p:cond>
-              </p:nextCondLst>
-            </p:seq>
-          </p:childTnLst>
-        </p:cTn>
-      </p:par>
-    </p:tnLst>
-    <p:bldLst>
-      <p:bldP spid="3" grpId="0" uiExpand="1" build="p"/>
-    </p:bldLst>
-  </p:timing>
-</p:sld>
-</file>
-
-<file path=ppt/slides/slide6.xml><?xml version="1.0" encoding="utf-8"?>
-<p:sld xmlns:a="http://schemas.openxmlformats.org/drawingml/2006/main" xmlns:r="http://schemas.openxmlformats.org/officeDocument/2006/relationships" xmlns:p="http://schemas.openxmlformats.org/presentationml/2006/main" showMasterSp="0">
-  <p:cSld>
-    <p:spTree>
-      <p:nvGrpSpPr>
-        <p:cNvPr id="1" name=""/>
-        <p:cNvGrpSpPr/>
-        <p:nvPr/>
-      </p:nvGrpSpPr>
-      <p:grpSpPr>
-        <a:xfrm>
-          <a:off x="0" y="0"/>
-          <a:ext cx="0" cy="0"/>
-          <a:chOff x="0" y="0"/>
-          <a:chExt cx="0" cy="0"/>
-        </a:xfrm>
-      </p:grpSpPr>
-      <p:sp>
-        <p:nvSpPr>
-          <p:cNvPr id="2" name="Title 1">
-            <a:extLst>
-              <a:ext uri="{FF2B5EF4-FFF2-40B4-BE49-F238E27FC236}">
-                <a16:creationId xmlns:a16="http://schemas.microsoft.com/office/drawing/2014/main" id="{303829AC-DEC4-1147-BF51-3849E59AC39E}"/>
-              </a:ext>
-            </a:extLst>
-          </p:cNvPr>
-          <p:cNvSpPr>
-            <a:spLocks noGrp="1"/>
-          </p:cNvSpPr>
-          <p:nvPr>
-            <p:ph type="title"/>
-          </p:nvPr>
-        </p:nvSpPr>
-        <p:spPr/>
-        <p:txBody>
-          <a:bodyPr>
-            <a:normAutofit/>
-          </a:bodyPr>
-          <a:lstStyle/>
-          <a:p>
-            <a:r>
-              <a:rPr lang="en-US" sz="2800" dirty="0"/>
-              <a:t>Sed utility</a:t>
-            </a:r>
-            <a:endParaRPr lang="en-US" sz="3000" dirty="0"/>
-          </a:p>
-        </p:txBody>
-      </p:sp>
-      <p:sp>
-        <p:nvSpPr>
-          <p:cNvPr id="3" name="Content Placeholder 2">
-            <a:extLst>
-              <a:ext uri="{FF2B5EF4-FFF2-40B4-BE49-F238E27FC236}">
-                <a16:creationId xmlns:a16="http://schemas.microsoft.com/office/drawing/2014/main" id="{99DF4C7A-3854-7B4B-8D4F-4AD959A565DC}"/>
-              </a:ext>
-            </a:extLst>
-          </p:cNvPr>
-          <p:cNvSpPr>
-            <a:spLocks noGrp="1"/>
-          </p:cNvSpPr>
-          <p:nvPr>
-            <p:ph idx="1"/>
-          </p:nvPr>
-        </p:nvSpPr>
-        <p:spPr>
-          <a:xfrm>
-            <a:off x="1451578" y="1706813"/>
-            <a:ext cx="8721122" cy="4755771"/>
-          </a:xfrm>
-        </p:spPr>
-        <p:txBody>
-          <a:bodyPr>
-            <a:normAutofit fontScale="92500" lnSpcReduction="10000"/>
-          </a:bodyPr>
-          <a:lstStyle/>
-          <a:p>
-            <a:pPr marL="0" indent="0">
-              <a:buNone/>
-            </a:pPr>
-            <a:r>
-              <a:rPr lang="en-CA" sz="2300" b="1" dirty="0"/>
-              <a:t>Usage: </a:t>
-            </a:r>
-            <a:r>
-              <a:rPr lang="en-CA" dirty="0"/>
-              <a:t/>
-            </a:r>
-            <a:br>
-              <a:rPr lang="en-CA" dirty="0"/>
-            </a:br>
-            <a:r>
-              <a:rPr lang="en-CA" dirty="0"/>
-              <a:t/>
-            </a:r>
-            <a:br>
-              <a:rPr lang="en-CA" dirty="0"/>
-            </a:br>
-            <a:r>
-              <a:rPr lang="en-CA" sz="2300" b="1" dirty="0">
-                <a:solidFill>
-                  <a:srgbClr val="0070C0"/>
-                </a:solidFill>
-                <a:latin typeface="Courier New" panose="02070309020205020404" pitchFamily="49" charset="0"/>
-                <a:cs typeface="Courier New" panose="02070309020205020404" pitchFamily="49" charset="0"/>
-              </a:rPr>
-              <a:t>sed [-n] 'address instruction' filename </a:t>
-            </a:r>
-            <a:r>
-              <a:rPr lang="en-CA" dirty="0"/>
-              <a:t/>
-            </a:r>
-            <a:br>
-              <a:rPr lang="en-CA" dirty="0"/>
-            </a:br>
-            <a:endParaRPr lang="en-CA" dirty="0"/>
-          </a:p>
-          <a:p>
-            <a:pPr marL="0" indent="0" fontAlgn="t">
-              <a:buNone/>
-            </a:pPr>
-            <a:r>
-              <a:rPr lang="en-CA" sz="2300" b="1" dirty="0"/>
-              <a:t>Common Instructions:</a:t>
-            </a:r>
-            <a:br>
-              <a:rPr lang="en-CA" sz="2300" b="1" dirty="0"/>
-            </a:br>
-            <a:endParaRPr lang="en-CA" sz="2300" b="1" dirty="0"/>
-          </a:p>
-          <a:p>
-            <a:pPr marL="0" indent="0" fontAlgn="t">
-              <a:buNone/>
-            </a:pPr>
-            <a:r>
-              <a:rPr lang="en-US" sz="1600" b="1" dirty="0"/>
-              <a:t>p   </a:t>
-            </a:r>
-            <a:r>
-              <a:rPr lang="en-CA" sz="1600" b="1" dirty="0"/>
-              <a:t>Print</a:t>
-            </a:r>
-            <a:r>
-              <a:rPr lang="en-CA" sz="1600" dirty="0"/>
-              <a:t> lines that match the address (commonly used with </a:t>
-            </a:r>
-            <a:r>
-              <a:rPr lang="en-CA" sz="1600" b="1" dirty="0"/>
-              <a:t>-n</a:t>
-            </a:r>
-            <a:r>
-              <a:rPr lang="en-CA" sz="1600" dirty="0"/>
-              <a:t> option)</a:t>
-            </a:r>
-          </a:p>
-          <a:p>
-            <a:pPr marL="0" indent="0" fontAlgn="t">
-              <a:buNone/>
-            </a:pPr>
-            <a:r>
-              <a:rPr lang="en-US" sz="1600" b="1" dirty="0"/>
-              <a:t>d   </a:t>
-            </a:r>
-            <a:r>
-              <a:rPr lang="en-US" sz="1600" dirty="0"/>
-              <a:t>Omit (</a:t>
-            </a:r>
-            <a:r>
-              <a:rPr lang="en-CA" sz="1600" b="1" dirty="0"/>
-              <a:t>delete</a:t>
-            </a:r>
-            <a:r>
-              <a:rPr lang="en-CA" sz="1600" dirty="0"/>
-              <a:t>) display of lines that match the address</a:t>
-            </a:r>
-          </a:p>
-          <a:p>
-            <a:pPr marL="0" indent="0" fontAlgn="t">
-              <a:buNone/>
-            </a:pPr>
-            <a:r>
-              <a:rPr lang="en-US" sz="1600" b="1" dirty="0"/>
-              <a:t>q   </a:t>
-            </a:r>
-            <a:r>
-              <a:rPr lang="en-US" sz="1600" dirty="0"/>
-              <a:t>Print lines including line that matches address and then</a:t>
-            </a:r>
-            <a:r>
-              <a:rPr lang="en-US" sz="1600" b="1" dirty="0"/>
-              <a:t> </a:t>
-            </a:r>
-            <a:r>
-              <a:rPr lang="en-CA" sz="1600" b="1" dirty="0"/>
-              <a:t>quit</a:t>
-            </a:r>
-            <a:r>
-              <a:rPr lang="en-CA" sz="1600" dirty="0"/>
-              <a:t> processing</a:t>
-            </a:r>
-          </a:p>
-          <a:p>
-            <a:pPr marL="0" indent="0" fontAlgn="t">
-              <a:buNone/>
-            </a:pPr>
-            <a:r>
-              <a:rPr lang="en-US" sz="1600" b="1" dirty="0"/>
-              <a:t>s    </a:t>
-            </a:r>
-            <a:r>
-              <a:rPr lang="en-CA" sz="1600" b="1" dirty="0"/>
-              <a:t>Substitute</a:t>
-            </a:r>
-            <a:r>
-              <a:rPr lang="en-CA" sz="1600" dirty="0"/>
-              <a:t> text to replace a matched regular expression (similar </a:t>
-            </a:r>
-            <a:r>
-              <a:rPr lang="en-CA" sz="1600" i="1" dirty="0"/>
-              <a:t>search and replace</a:t>
-            </a:r>
-            <a:r>
-              <a:rPr lang="en-CA" sz="1600" dirty="0"/>
-              <a:t>)</a:t>
-            </a:r>
-          </a:p>
-          <a:p>
-            <a:pPr marL="0" indent="0">
-              <a:buNone/>
-            </a:pPr>
-            <a:r>
-              <a:rPr lang="en-US" dirty="0"/>
-              <a:t/>
-            </a:r>
-            <a:br>
-              <a:rPr lang="en-US" dirty="0"/>
-            </a:br>
-            <a:endParaRPr lang="en-CA" dirty="0"/>
-          </a:p>
-        </p:txBody>
-      </p:sp>
-      <p:pic>
-        <p:nvPicPr>
-          <p:cNvPr id="6" name="Picture 5" descr="A close up of a logo&#10;&#10;Description automatically generated">
-            <a:extLst>
-              <a:ext uri="{FF2B5EF4-FFF2-40B4-BE49-F238E27FC236}">
-                <a16:creationId xmlns:a16="http://schemas.microsoft.com/office/drawing/2014/main" id="{D2F0E539-E97C-5C48-867F-51513DA95793}"/>
-              </a:ext>
-            </a:extLst>
-          </p:cNvPr>
-          <p:cNvPicPr>
-            <a:picLocks noChangeAspect="1"/>
-          </p:cNvPicPr>
-          <p:nvPr/>
-        </p:nvPicPr>
-        <p:blipFill>
-          <a:blip r:embed="rId2">
-            <a:extLst>
-              <a:ext uri="{837473B0-CC2E-450A-ABE3-18F120FF3D39}">
-                <a1611:picAttrSrcUrl xmlns:a1611="http://schemas.microsoft.com/office/drawing/2016/11/main" xmlns="" r:id="rId3"/>
-              </a:ext>
-            </a:extLst>
-          </a:blip>
-          <a:stretch>
-            <a:fillRect/>
-          </a:stretch>
-        </p:blipFill>
-        <p:spPr>
-          <a:xfrm>
-            <a:off x="10594430" y="715237"/>
-            <a:ext cx="920848" cy="1227797"/>
-          </a:xfrm>
-          <a:prstGeom prst="rect">
-            <a:avLst/>
-          </a:prstGeom>
-        </p:spPr>
-      </p:pic>
-    </p:spTree>
-    <p:extLst>
-      <p:ext uri="{BB962C8B-B14F-4D97-AF65-F5344CB8AC3E}">
-        <p14:creationId xmlns:p14="http://schemas.microsoft.com/office/powerpoint/2010/main" val="2406794684"/>
-      </p:ext>
-    </p:extLst>
-  </p:cSld>
-  <p:clrMapOvr>
-    <a:masterClrMapping/>
-  </p:clrMapOvr>
-  <p:timing>
-    <p:tnLst>
-      <p:par>
-        <p:cTn id="1" dur="indefinite" restart="never" nodeType="tmRoot">
-          <p:childTnLst>
-            <p:seq concurrent="1" nextAc="seek">
-              <p:cTn id="2" dur="indefinite" nodeType="mainSeq">
-                <p:childTnLst>
-                  <p:par>
-                    <p:cTn id="3" fill="hold">
-                      <p:stCondLst>
-                        <p:cond delay="indefinite"/>
-                        <p:cond evt="onBegin" delay="0">
-                          <p:tn val="2"/>
-                        </p:cond>
-                      </p:stCondLst>
-                      <p:childTnLst>
-                        <p:par>
-                          <p:cTn id="4" fill="hold">
-                            <p:stCondLst>
-                              <p:cond delay="0"/>
-                            </p:stCondLst>
-                            <p:childTnLst>
-                              <p:par>
-                                <p:cTn id="5" presetID="1" presetClass="entr" presetSubtype="0" fill="hold" grpId="0" nodeType="withEffect">
-                                  <p:stCondLst>
-                                    <p:cond delay="0"/>
-                                  </p:stCondLst>
-                                  <p:childTnLst>
-                                    <p:set>
-                                      <p:cBhvr>
-                                        <p:cTn id="6" dur="1" fill="hold">
-                                          <p:stCondLst>
-                                            <p:cond delay="0"/>
-                                          </p:stCondLst>
-                                        </p:cTn>
-                                        <p:tgtEl>
-                                          <p:spTgt spid="3">
-                                            <p:txEl>
-                                              <p:pRg st="0" end="0"/>
-                                            </p:txEl>
-                                          </p:spTgt>
-                                        </p:tgtEl>
-                                        <p:attrNameLst>
-                                          <p:attrName>style.visibility</p:attrName>
-                                        </p:attrNameLst>
-                                      </p:cBhvr>
-                                      <p:to>
-                                        <p:strVal val="visible"/>
-                                      </p:to>
-                                    </p:set>
-                                  </p:childTnLst>
-                                </p:cTn>
-                              </p:par>
-                              <p:par>
-                                <p:cTn id="7" presetID="1" presetClass="entr" presetSubtype="0" fill="hold" grpId="0" nodeType="withEffect">
-                                  <p:stCondLst>
-                                    <p:cond delay="0"/>
-                                  </p:stCondLst>
-                                  <p:childTnLst>
-                                    <p:set>
-                                      <p:cBhvr>
-                                        <p:cTn id="8" dur="1" fill="hold">
-                                          <p:stCondLst>
-                                            <p:cond delay="0"/>
-                                          </p:stCondLst>
-                                        </p:cTn>
-                                        <p:tgtEl>
-                                          <p:spTgt spid="3">
-                                            <p:txEl>
-                                              <p:pRg st="1" end="1"/>
-                                            </p:txEl>
-                                          </p:spTgt>
-                                        </p:tgtEl>
-                                        <p:attrNameLst>
-                                          <p:attrName>style.visibility</p:attrName>
-                                        </p:attrNameLst>
-                                      </p:cBhvr>
-                                      <p:to>
-                                        <p:strVal val="visible"/>
-                                      </p:to>
-                                    </p:set>
-                                  </p:childTnLst>
-                                </p:cTn>
-                              </p:par>
-                              <p:par>
-                                <p:cTn id="9" presetID="1" presetClass="entr" presetSubtype="0" fill="hold" grpId="0" nodeType="withEffect">
-                                  <p:stCondLst>
-                                    <p:cond delay="0"/>
-                                  </p:stCondLst>
-                                  <p:childTnLst>
-                                    <p:set>
-                                      <p:cBhvr>
-                                        <p:cTn id="10" dur="1" fill="hold">
-                                          <p:stCondLst>
-                                            <p:cond delay="0"/>
-                                          </p:stCondLst>
-                                        </p:cTn>
-                                        <p:tgtEl>
-                                          <p:spTgt spid="3">
-                                            <p:txEl>
-                                              <p:pRg st="2" end="2"/>
-                                            </p:txEl>
-                                          </p:spTgt>
-                                        </p:tgtEl>
-                                        <p:attrNameLst>
-                                          <p:attrName>style.visibility</p:attrName>
-                                        </p:attrNameLst>
-                                      </p:cBhvr>
-                                      <p:to>
-                                        <p:strVal val="visible"/>
-                                      </p:to>
-                                    </p:set>
-                                  </p:childTnLst>
-                                </p:cTn>
-                              </p:par>
-                            </p:childTnLst>
-                          </p:cTn>
-                        </p:par>
-                      </p:childTnLst>
-                    </p:cTn>
-                  </p:par>
-                  <p:par>
-                    <p:cTn id="11" fill="hold">
-                      <p:stCondLst>
-                        <p:cond delay="indefinite"/>
-                      </p:stCondLst>
-                      <p:childTnLst>
-                        <p:par>
-                          <p:cTn id="12" fill="hold">
-                            <p:stCondLst>
-                              <p:cond delay="0"/>
-                            </p:stCondLst>
-                            <p:childTnLst>
-                              <p:par>
-                                <p:cTn id="13" presetID="1" presetClass="entr" presetSubtype="0" fill="hold" grpId="0" nodeType="clickEffect">
-                                  <p:stCondLst>
-                                    <p:cond delay="0"/>
-                                  </p:stCondLst>
-                                  <p:childTnLst>
-                                    <p:set>
-                                      <p:cBhvr>
-                                        <p:cTn id="14" dur="1" fill="hold">
-                                          <p:stCondLst>
-                                            <p:cond delay="0"/>
-                                          </p:stCondLst>
-                                        </p:cTn>
-                                        <p:tgtEl>
-                                          <p:spTgt spid="3">
-                                            <p:txEl>
-                                              <p:pRg st="3" end="3"/>
-                                            </p:txEl>
-                                          </p:spTgt>
-                                        </p:tgtEl>
-                                        <p:attrNameLst>
-                                          <p:attrName>style.visibility</p:attrName>
-                                        </p:attrNameLst>
-                                      </p:cBhvr>
-                                      <p:to>
-                                        <p:strVal val="visible"/>
-                                      </p:to>
-                                    </p:set>
-                                  </p:childTnLst>
-                                </p:cTn>
-                              </p:par>
-                            </p:childTnLst>
-                          </p:cTn>
-                        </p:par>
-                      </p:childTnLst>
-                    </p:cTn>
-                  </p:par>
-                  <p:par>
-                    <p:cTn id="15" fill="hold">
-                      <p:stCondLst>
-                        <p:cond delay="indefinite"/>
-                      </p:stCondLst>
-                      <p:childTnLst>
-                        <p:par>
-                          <p:cTn id="16" fill="hold">
-                            <p:stCondLst>
-                              <p:cond delay="0"/>
-                            </p:stCondLst>
-                            <p:childTnLst>
-                              <p:par>
-                                <p:cTn id="17" presetID="1" presetClass="entr" presetSubtype="0" fill="hold" grpId="0" nodeType="clickEffect">
-                                  <p:stCondLst>
-                                    <p:cond delay="0"/>
-                                  </p:stCondLst>
-                                  <p:childTnLst>
-                                    <p:set>
-                                      <p:cBhvr>
-                                        <p:cTn id="18" dur="1" fill="hold">
-                                          <p:stCondLst>
-                                            <p:cond delay="0"/>
-                                          </p:stCondLst>
-                                        </p:cTn>
-                                        <p:tgtEl>
-                                          <p:spTgt spid="3">
-                                            <p:txEl>
-                                              <p:pRg st="4" end="4"/>
-                                            </p:txEl>
-                                          </p:spTgt>
-                                        </p:tgtEl>
-                                        <p:attrNameLst>
-                                          <p:attrName>style.visibility</p:attrName>
-                                        </p:attrNameLst>
-                                      </p:cBhvr>
-                                      <p:to>
-                                        <p:strVal val="visible"/>
-                                      </p:to>
-                                    </p:set>
-                                  </p:childTnLst>
-                                </p:cTn>
-                              </p:par>
-                            </p:childTnLst>
-                          </p:cTn>
-                        </p:par>
-                      </p:childTnLst>
-                    </p:cTn>
-                  </p:par>
-                  <p:par>
-                    <p:cTn id="19" fill="hold">
-                      <p:stCondLst>
-                        <p:cond delay="indefinite"/>
-                      </p:stCondLst>
-                      <p:childTnLst>
-                        <p:par>
-                          <p:cTn id="20" fill="hold">
-                            <p:stCondLst>
-                              <p:cond delay="0"/>
-                            </p:stCondLst>
-                            <p:childTnLst>
-                              <p:par>
-                                <p:cTn id="21" presetID="1" presetClass="entr" presetSubtype="0" fill="hold" grpId="0" nodeType="clickEffect">
-                                  <p:stCondLst>
-                                    <p:cond delay="0"/>
-                                  </p:stCondLst>
-                                  <p:childTnLst>
-                                    <p:set>
-                                      <p:cBhvr>
-                                        <p:cTn id="22" dur="1" fill="hold">
-                                          <p:stCondLst>
-                                            <p:cond delay="0"/>
-                                          </p:stCondLst>
-                                        </p:cTn>
-                                        <p:tgtEl>
-                                          <p:spTgt spid="3">
-                                            <p:txEl>
-                                              <p:pRg st="5" end="5"/>
-                                            </p:txEl>
-                                          </p:spTgt>
-                                        </p:tgtEl>
-                                        <p:attrNameLst>
-                                          <p:attrName>style.visibility</p:attrName>
-                                        </p:attrNameLst>
-                                      </p:cBhvr>
-                                      <p:to>
-                                        <p:strVal val="visible"/>
-                                      </p:to>
-                                    </p:set>
-                                  </p:childTnLst>
-                                </p:cTn>
-                              </p:par>
-                            </p:childTnLst>
-                          </p:cTn>
-                        </p:par>
-                      </p:childTnLst>
-                    </p:cTn>
-                  </p:par>
-                </p:childTnLst>
-              </p:cTn>
-              <p:prevCondLst>
-                <p:cond evt="onPrev" delay="0">
-                  <p:tgtEl>
-                    <p:sldTgt/>
-                  </p:tgtEl>
-                </p:cond>
-              </p:prevCondLst>
-              <p:nextCondLst>
-                <p:cond evt="onNext" delay="0">
-                  <p:tgtEl>
-                    <p:sldTgt/>
-                  </p:tgtEl>
-                </p:cond>
-              </p:nextCondLst>
-            </p:seq>
-          </p:childTnLst>
-        </p:cTn>
-      </p:par>
-    </p:tnLst>
-    <p:bldLst>
-      <p:bldP spid="3" grpId="0" uiExpand="1" build="p"/>
-    </p:bldLst>
-  </p:timing>
-</p:sld>
-</file>
-
 <file path=ppt/slides/slide7.xml><?xml version="1.0" encoding="utf-8"?>
 <p:sld xmlns:a="http://schemas.openxmlformats.org/drawingml/2006/main" xmlns:r="http://schemas.openxmlformats.org/officeDocument/2006/relationships" xmlns:p="http://schemas.openxmlformats.org/presentationml/2006/main" showMasterSp="0">
   <p:cSld>
@@ -10556,10 +10452,6 @@
               <a:rPr lang="en-CA" dirty="0"/>
               <a:t>.</a:t>
             </a:r>
-            <a:br>
-              <a:rPr lang="en-CA" dirty="0"/>
-            </a:br>
-            <a:endParaRPr lang="en-CA" dirty="0"/>
           </a:p>
           <a:p>
             <a:pPr marL="0" indent="0">
@@ -10571,13 +10463,6 @@
                 <a:cs typeface="Courier New" panose="02070309020205020404" pitchFamily="49" charset="0"/>
               </a:rPr>
               <a:t>sed '/line/ p' readme </a:t>
-            </a:r>
-            <a:r>
-              <a:rPr lang="en-CA" dirty="0">
-                <a:latin typeface="Courier New" panose="02070309020205020404" pitchFamily="49" charset="0"/>
-                <a:cs typeface="Courier New" panose="02070309020205020404" pitchFamily="49" charset="0"/>
-              </a:rPr>
-              <a:t/>
             </a:r>
             <a:br>
               <a:rPr lang="en-CA" dirty="0">
@@ -10879,7 +10764,7 @@
           <a:blip r:embed="rId2">
             <a:extLst>
               <a:ext uri="{837473B0-CC2E-450A-ABE3-18F120FF3D39}">
-                <a1611:picAttrSrcUrl xmlns:a1611="http://schemas.microsoft.com/office/drawing/2016/11/main" xmlns="" r:id="rId3"/>
+                <a1611:picAttrSrcUrl xmlns:a1611="http://schemas.microsoft.com/office/drawing/2016/11/main" r:id="rId3"/>
               </a:ext>
             </a:extLst>
           </a:blip>
@@ -11264,7 +11149,7 @@
         </p:spPr>
         <p:txBody>
           <a:bodyPr>
-            <a:normAutofit fontScale="70000" lnSpcReduction="20000"/>
+            <a:normAutofit/>
           </a:bodyPr>
           <a:lstStyle/>
           <a:p>
@@ -11279,13 +11164,6 @@
               <a:rPr lang="en-CA" sz="2400" b="1" dirty="0"/>
             </a:br>
             <a:r>
-              <a:rPr lang="en-CA" sz="2400" b="1" dirty="0"/>
-              <a:t/>
-            </a:r>
-            <a:br>
-              <a:rPr lang="en-CA" sz="2400" b="1" dirty="0"/>
-            </a:br>
-            <a:r>
               <a:rPr lang="en-CA" dirty="0"/>
               <a:t>The following sed command displays contents of a file </a:t>
             </a:r>
@@ -11304,10 +11182,6 @@
               <a:rPr lang="en-CA" dirty="0"/>
               <a:t> of line numbers. </a:t>
             </a:r>
-            <a:br>
-              <a:rPr lang="en-CA" dirty="0"/>
-            </a:br>
-            <a:endParaRPr lang="en-CA" dirty="0"/>
           </a:p>
           <a:p>
             <a:pPr marL="0" indent="0">
@@ -11320,13 +11194,6 @@
               </a:rPr>
               <a:t>sed -n '3,6 p' readme </a:t>
             </a:r>
-            <a:r>
-              <a:rPr lang="en-CA" dirty="0">
-                <a:latin typeface="Courier New" panose="02070309020205020404" pitchFamily="49" charset="0"/>
-                <a:cs typeface="Courier New" panose="02070309020205020404" pitchFamily="49" charset="0"/>
-              </a:rPr>
-              <a:t/>
-            </a:r>
             <a:br>
               <a:rPr lang="en-CA" dirty="0">
                 <a:latin typeface="Courier New" panose="02070309020205020404" pitchFamily="49" charset="0"/>
@@ -11379,129 +11246,6 @@
               </a:rPr>
               <a:t>This is the sixth sentence.</a:t>
             </a:r>
-            <a:br>
-              <a:rPr lang="en-CA" dirty="0">
-                <a:latin typeface="Courier New" panose="02070309020205020404" pitchFamily="49" charset="0"/>
-                <a:cs typeface="Courier New" panose="02070309020205020404" pitchFamily="49" charset="0"/>
-              </a:rPr>
-            </a:br>
-            <a:r>
-              <a:rPr lang="en-CA" dirty="0">
-                <a:latin typeface="Courier New" panose="02070309020205020404" pitchFamily="49" charset="0"/>
-                <a:cs typeface="Courier New" panose="02070309020205020404" pitchFamily="49" charset="0"/>
-              </a:rPr>
-              <a:t/>
-            </a:r>
-            <a:br>
-              <a:rPr lang="en-CA" dirty="0">
-                <a:latin typeface="Courier New" panose="02070309020205020404" pitchFamily="49" charset="0"/>
-                <a:cs typeface="Courier New" panose="02070309020205020404" pitchFamily="49" charset="0"/>
-              </a:rPr>
-            </a:br>
-            <a:r>
-              <a:rPr lang="en-CA" dirty="0">
-                <a:latin typeface="Courier New" panose="02070309020205020404" pitchFamily="49" charset="0"/>
-                <a:cs typeface="Courier New" panose="02070309020205020404" pitchFamily="49" charset="0"/>
-              </a:rPr>
-              <a:t/>
-            </a:r>
-            <a:br>
-              <a:rPr lang="en-CA" dirty="0">
-                <a:latin typeface="Courier New" panose="02070309020205020404" pitchFamily="49" charset="0"/>
-                <a:cs typeface="Courier New" panose="02070309020205020404" pitchFamily="49" charset="0"/>
-              </a:rPr>
-            </a:br>
-            <a:r>
-              <a:rPr lang="en-CA" dirty="0">
-                <a:latin typeface="Courier New" panose="02070309020205020404" pitchFamily="49" charset="0"/>
-                <a:cs typeface="Courier New" panose="02070309020205020404" pitchFamily="49" charset="0"/>
-              </a:rPr>
-              <a:t/>
-            </a:r>
-            <a:br>
-              <a:rPr lang="en-CA" dirty="0">
-                <a:latin typeface="Courier New" panose="02070309020205020404" pitchFamily="49" charset="0"/>
-                <a:cs typeface="Courier New" panose="02070309020205020404" pitchFamily="49" charset="0"/>
-              </a:rPr>
-            </a:br>
-            <a:r>
-              <a:rPr lang="en-CA" dirty="0">
-                <a:latin typeface="Courier New" panose="02070309020205020404" pitchFamily="49" charset="0"/>
-                <a:cs typeface="Courier New" panose="02070309020205020404" pitchFamily="49" charset="0"/>
-              </a:rPr>
-              <a:t/>
-            </a:r>
-            <a:br>
-              <a:rPr lang="en-CA" dirty="0">
-                <a:latin typeface="Courier New" panose="02070309020205020404" pitchFamily="49" charset="0"/>
-                <a:cs typeface="Courier New" panose="02070309020205020404" pitchFamily="49" charset="0"/>
-              </a:rPr>
-            </a:br>
-            <a:r>
-              <a:rPr lang="en-CA" dirty="0">
-                <a:latin typeface="Courier New" panose="02070309020205020404" pitchFamily="49" charset="0"/>
-                <a:cs typeface="Courier New" panose="02070309020205020404" pitchFamily="49" charset="0"/>
-              </a:rPr>
-              <a:t/>
-            </a:r>
-            <a:br>
-              <a:rPr lang="en-CA" dirty="0">
-                <a:latin typeface="Courier New" panose="02070309020205020404" pitchFamily="49" charset="0"/>
-                <a:cs typeface="Courier New" panose="02070309020205020404" pitchFamily="49" charset="0"/>
-              </a:rPr>
-            </a:br>
-            <a:r>
-              <a:rPr lang="en-CA" dirty="0">
-                <a:latin typeface="Courier New" panose="02070309020205020404" pitchFamily="49" charset="0"/>
-                <a:cs typeface="Courier New" panose="02070309020205020404" pitchFamily="49" charset="0"/>
-              </a:rPr>
-              <a:t/>
-            </a:r>
-            <a:br>
-              <a:rPr lang="en-CA" dirty="0">
-                <a:latin typeface="Courier New" panose="02070309020205020404" pitchFamily="49" charset="0"/>
-                <a:cs typeface="Courier New" panose="02070309020205020404" pitchFamily="49" charset="0"/>
-              </a:rPr>
-            </a:br>
-            <a:r>
-              <a:rPr lang="en-CA" dirty="0">
-                <a:latin typeface="Courier New" panose="02070309020205020404" pitchFamily="49" charset="0"/>
-                <a:cs typeface="Courier New" panose="02070309020205020404" pitchFamily="49" charset="0"/>
-              </a:rPr>
-              <a:t/>
-            </a:r>
-            <a:br>
-              <a:rPr lang="en-CA" dirty="0">
-                <a:latin typeface="Courier New" panose="02070309020205020404" pitchFamily="49" charset="0"/>
-                <a:cs typeface="Courier New" panose="02070309020205020404" pitchFamily="49" charset="0"/>
-              </a:rPr>
-            </a:br>
-            <a:r>
-              <a:rPr lang="en-CA" dirty="0">
-                <a:latin typeface="Courier New" panose="02070309020205020404" pitchFamily="49" charset="0"/>
-                <a:cs typeface="Courier New" panose="02070309020205020404" pitchFamily="49" charset="0"/>
-              </a:rPr>
-              <a:t/>
-            </a:r>
-            <a:br>
-              <a:rPr lang="en-CA" dirty="0">
-                <a:latin typeface="Courier New" panose="02070309020205020404" pitchFamily="49" charset="0"/>
-                <a:cs typeface="Courier New" panose="02070309020205020404" pitchFamily="49" charset="0"/>
-              </a:rPr>
-            </a:br>
-            <a:r>
-              <a:rPr lang="en-CA" dirty="0">
-                <a:latin typeface="Courier New" panose="02070309020205020404" pitchFamily="49" charset="0"/>
-                <a:cs typeface="Courier New" panose="02070309020205020404" pitchFamily="49" charset="0"/>
-              </a:rPr>
-              <a:t/>
-            </a:r>
-            <a:br>
-              <a:rPr lang="en-CA" dirty="0">
-                <a:latin typeface="Courier New" panose="02070309020205020404" pitchFamily="49" charset="0"/>
-                <a:cs typeface="Courier New" panose="02070309020205020404" pitchFamily="49" charset="0"/>
-              </a:rPr>
-            </a:br>
             <a:endParaRPr lang="en-CA" b="1" dirty="0">
               <a:solidFill>
                 <a:srgbClr val="0070C0"/>
@@ -11526,7 +11270,7 @@
         </p:nvSpPr>
         <p:spPr>
           <a:xfrm>
-            <a:off x="7078133" y="3133973"/>
+            <a:off x="7112611" y="3724229"/>
             <a:ext cx="4402667" cy="523220"/>
           </a:xfrm>
           <a:prstGeom prst="rect">
@@ -11618,7 +11362,7 @@
         </p:nvCxnSpPr>
         <p:spPr>
           <a:xfrm flipH="1" flipV="1">
-            <a:off x="4944533" y="3429000"/>
+            <a:off x="4979011" y="4019256"/>
             <a:ext cx="1811868" cy="28138"/>
           </a:xfrm>
           <a:prstGeom prst="straightConnector1">
@@ -11664,7 +11408,7 @@
           <a:blip r:embed="rId2">
             <a:extLst>
               <a:ext uri="{837473B0-CC2E-450A-ABE3-18F120FF3D39}">
-                <a1611:picAttrSrcUrl xmlns:a1611="http://schemas.microsoft.com/office/drawing/2016/11/main" xmlns="" r:id="rId3"/>
+                <a1611:picAttrSrcUrl xmlns:a1611="http://schemas.microsoft.com/office/drawing/2016/11/main" r:id="rId3"/>
               </a:ext>
             </a:extLst>
           </a:blip>
@@ -11956,7 +11700,7 @@
         </p:spPr>
         <p:txBody>
           <a:bodyPr>
-            <a:normAutofit fontScale="70000" lnSpcReduction="20000"/>
+            <a:normAutofit/>
           </a:bodyPr>
           <a:lstStyle/>
           <a:p>
@@ -11967,66 +11711,50 @@
               <a:rPr lang="en-CA" sz="2400" b="1" dirty="0"/>
               <a:t>Example 3</a:t>
             </a:r>
-            <a:br>
-              <a:rPr lang="en-CA" sz="2400" b="1" dirty="0"/>
-            </a:br>
-            <a:r>
-              <a:rPr lang="en-CA" sz="2400" b="1" dirty="0"/>
-              <a:t/>
-            </a:r>
-            <a:br>
-              <a:rPr lang="en-CA" sz="2400" b="1" dirty="0"/>
-            </a:br>
-            <a:r>
-              <a:rPr lang="en-CA" dirty="0"/>
-              <a:t>The following sed command displays the </a:t>
-            </a:r>
-            <a:r>
-              <a:rPr lang="en-CA" u="sng" dirty="0"/>
-              <a:t>first</a:t>
-            </a:r>
-            <a:r>
-              <a:rPr lang="en-CA" dirty="0"/>
-              <a:t> </a:t>
-            </a:r>
-            <a:r>
-              <a:rPr lang="en-CA" b="1" dirty="0"/>
-              <a:t>five</a:t>
-            </a:r>
-            <a:r>
-              <a:rPr lang="en-CA" dirty="0"/>
-              <a:t> lines of text just as </a:t>
-            </a:r>
-            <a:r>
-              <a:rPr lang="en-CA" b="1" dirty="0"/>
-              <a:t>a head -5</a:t>
-            </a:r>
-            <a:r>
-              <a:rPr lang="en-CA" dirty="0"/>
-              <a:t> lines command would.</a:t>
-            </a:r>
-            <a:br>
-              <a:rPr lang="en-CA" dirty="0"/>
-            </a:br>
-            <a:endParaRPr lang="en-CA" dirty="0"/>
           </a:p>
           <a:p>
             <a:pPr marL="0" indent="0">
               <a:buNone/>
             </a:pPr>
             <a:r>
+              <a:rPr lang="en-CA" dirty="0"/>
+              <a:t>The following sed command displays the </a:t>
+            </a:r>
+            <a:r>
+              <a:rPr lang="en-CA" u="sng" dirty="0"/>
+              <a:t>first</a:t>
+            </a:r>
+            <a:r>
+              <a:rPr lang="en-CA" dirty="0"/>
+              <a:t> </a:t>
+            </a:r>
+            <a:r>
+              <a:rPr lang="en-CA" b="1" dirty="0"/>
+              <a:t>five</a:t>
+            </a:r>
+            <a:r>
+              <a:rPr lang="en-CA" dirty="0"/>
+              <a:t> lines of text just as </a:t>
+            </a:r>
+            <a:r>
+              <a:rPr lang="en-CA" b="1" dirty="0"/>
+              <a:t>a head -5</a:t>
+            </a:r>
+            <a:r>
+              <a:rPr lang="en-CA" dirty="0"/>
+              <a:t> lines command would.</a:t>
+            </a:r>
+          </a:p>
+          <a:p>
+            <a:pPr marL="0" indent="0">
+              <a:buNone/>
+            </a:pPr>
+            <a:r>
               <a:rPr lang="en-CA" b="1" dirty="0">
                 <a:latin typeface="Courier New" panose="02070309020205020404" pitchFamily="49" charset="0"/>
                 <a:cs typeface="Courier New" panose="02070309020205020404" pitchFamily="49" charset="0"/>
               </a:rPr>
               <a:t>sed '5 q' readme </a:t>
-            </a:r>
-            <a:r>
-              <a:rPr lang="en-CA" dirty="0">
-                <a:latin typeface="Courier New" panose="02070309020205020404" pitchFamily="49" charset="0"/>
-                <a:cs typeface="Courier New" panose="02070309020205020404" pitchFamily="49" charset="0"/>
-              </a:rPr>
-              <a:t/>
             </a:r>
             <a:br>
               <a:rPr lang="en-CA" dirty="0">
@@ -12093,103 +11821,6 @@
               </a:rPr>
               <a:t>Five.</a:t>
             </a:r>
-            <a:br>
-              <a:rPr lang="en-CA" dirty="0">
-                <a:latin typeface="Courier New" panose="02070309020205020404" pitchFamily="49" charset="0"/>
-                <a:cs typeface="Courier New" panose="02070309020205020404" pitchFamily="49" charset="0"/>
-              </a:rPr>
-            </a:br>
-            <a:r>
-              <a:rPr lang="en-CA" dirty="0">
-                <a:latin typeface="Courier New" panose="02070309020205020404" pitchFamily="49" charset="0"/>
-                <a:cs typeface="Courier New" panose="02070309020205020404" pitchFamily="49" charset="0"/>
-              </a:rPr>
-              <a:t/>
-            </a:r>
-            <a:br>
-              <a:rPr lang="en-CA" dirty="0">
-                <a:latin typeface="Courier New" panose="02070309020205020404" pitchFamily="49" charset="0"/>
-                <a:cs typeface="Courier New" panose="02070309020205020404" pitchFamily="49" charset="0"/>
-              </a:rPr>
-            </a:br>
-            <a:r>
-              <a:rPr lang="en-CA" dirty="0">
-                <a:latin typeface="Courier New" panose="02070309020205020404" pitchFamily="49" charset="0"/>
-                <a:cs typeface="Courier New" panose="02070309020205020404" pitchFamily="49" charset="0"/>
-              </a:rPr>
-              <a:t/>
-            </a:r>
-            <a:br>
-              <a:rPr lang="en-CA" dirty="0">
-                <a:latin typeface="Courier New" panose="02070309020205020404" pitchFamily="49" charset="0"/>
-                <a:cs typeface="Courier New" panose="02070309020205020404" pitchFamily="49" charset="0"/>
-              </a:rPr>
-            </a:br>
-            <a:r>
-              <a:rPr lang="en-CA" dirty="0">
-                <a:latin typeface="Courier New" panose="02070309020205020404" pitchFamily="49" charset="0"/>
-                <a:cs typeface="Courier New" panose="02070309020205020404" pitchFamily="49" charset="0"/>
-              </a:rPr>
-              <a:t/>
-            </a:r>
-            <a:br>
-              <a:rPr lang="en-CA" dirty="0">
-                <a:latin typeface="Courier New" panose="02070309020205020404" pitchFamily="49" charset="0"/>
-                <a:cs typeface="Courier New" panose="02070309020205020404" pitchFamily="49" charset="0"/>
-              </a:rPr>
-            </a:br>
-            <a:r>
-              <a:rPr lang="en-CA" dirty="0">
-                <a:latin typeface="Courier New" panose="02070309020205020404" pitchFamily="49" charset="0"/>
-                <a:cs typeface="Courier New" panose="02070309020205020404" pitchFamily="49" charset="0"/>
-              </a:rPr>
-              <a:t/>
-            </a:r>
-            <a:br>
-              <a:rPr lang="en-CA" dirty="0">
-                <a:latin typeface="Courier New" panose="02070309020205020404" pitchFamily="49" charset="0"/>
-                <a:cs typeface="Courier New" panose="02070309020205020404" pitchFamily="49" charset="0"/>
-              </a:rPr>
-            </a:br>
-            <a:r>
-              <a:rPr lang="en-CA" dirty="0">
-                <a:latin typeface="Courier New" panose="02070309020205020404" pitchFamily="49" charset="0"/>
-                <a:cs typeface="Courier New" panose="02070309020205020404" pitchFamily="49" charset="0"/>
-              </a:rPr>
-              <a:t/>
-            </a:r>
-            <a:br>
-              <a:rPr lang="en-CA" dirty="0">
-                <a:latin typeface="Courier New" panose="02070309020205020404" pitchFamily="49" charset="0"/>
-                <a:cs typeface="Courier New" panose="02070309020205020404" pitchFamily="49" charset="0"/>
-              </a:rPr>
-            </a:br>
-            <a:r>
-              <a:rPr lang="en-CA" dirty="0">
-                <a:latin typeface="Courier New" panose="02070309020205020404" pitchFamily="49" charset="0"/>
-                <a:cs typeface="Courier New" panose="02070309020205020404" pitchFamily="49" charset="0"/>
-              </a:rPr>
-              <a:t/>
-            </a:r>
-            <a:br>
-              <a:rPr lang="en-CA" dirty="0">
-                <a:latin typeface="Courier New" panose="02070309020205020404" pitchFamily="49" charset="0"/>
-                <a:cs typeface="Courier New" panose="02070309020205020404" pitchFamily="49" charset="0"/>
-              </a:rPr>
-            </a:br>
-            <a:r>
-              <a:rPr lang="en-CA" dirty="0">
-                <a:latin typeface="Courier New" panose="02070309020205020404" pitchFamily="49" charset="0"/>
-                <a:cs typeface="Courier New" panose="02070309020205020404" pitchFamily="49" charset="0"/>
-              </a:rPr>
-              <a:t/>
-            </a:r>
-            <a:br>
-              <a:rPr lang="en-CA" dirty="0">
-                <a:latin typeface="Courier New" panose="02070309020205020404" pitchFamily="49" charset="0"/>
-                <a:cs typeface="Courier New" panose="02070309020205020404" pitchFamily="49" charset="0"/>
-              </a:rPr>
-            </a:br>
             <a:endParaRPr lang="en-CA" b="1" dirty="0">
               <a:solidFill>
                 <a:srgbClr val="0070C0"/>
@@ -12214,7 +11845,7 @@
         </p:nvSpPr>
         <p:spPr>
           <a:xfrm>
-            <a:off x="6805894" y="3187231"/>
+            <a:off x="6640794" y="3823088"/>
             <a:ext cx="5113867" cy="523220"/>
           </a:xfrm>
           <a:prstGeom prst="rect">
@@ -12286,7 +11917,7 @@
         </p:nvCxnSpPr>
         <p:spPr>
           <a:xfrm flipH="1">
-            <a:off x="4707467" y="3429000"/>
+            <a:off x="4631267" y="4051300"/>
             <a:ext cx="1748950" cy="0"/>
           </a:xfrm>
           <a:prstGeom prst="straightConnector1">
@@ -12332,7 +11963,7 @@
           <a:blip r:embed="rId2">
             <a:extLst>
               <a:ext uri="{837473B0-CC2E-450A-ABE3-18F120FF3D39}">
-                <a1611:picAttrSrcUrl xmlns:a1611="http://schemas.microsoft.com/office/drawing/2016/11/main" xmlns="" r:id="rId3"/>
+                <a1611:picAttrSrcUrl xmlns:a1611="http://schemas.microsoft.com/office/drawing/2016/11/main" r:id="rId3"/>
               </a:ext>
             </a:extLst>
           </a:blip>
@@ -12445,6 +12076,37 @@
                                   </p:childTnLst>
                                 </p:cTn>
                               </p:par>
+                              <p:par>
+                                <p:cTn id="9" presetID="1" presetClass="entr" presetSubtype="0" fill="hold" grpId="0" nodeType="withEffect">
+                                  <p:stCondLst>
+                                    <p:cond delay="0"/>
+                                  </p:stCondLst>
+                                  <p:childTnLst>
+                                    <p:set>
+                                      <p:cBhvr>
+                                        <p:cTn id="10" dur="1" fill="hold">
+                                          <p:stCondLst>
+                                            <p:cond delay="0"/>
+                                          </p:stCondLst>
+                                        </p:cTn>
+                                        <p:tgtEl>
+                                          <p:spTgt spid="3">
+                                            <p:txEl>
+                                              <p:pRg st="2" end="2"/>
+                                            </p:txEl>
+                                          </p:spTgt>
+                                        </p:tgtEl>
+                                        <p:attrNameLst>
+                                          <p:attrName>style.visibility</p:attrName>
+                                        </p:attrNameLst>
+                                      </p:cBhvr>
+                                      <p:to>
+                                        <p:strVal val="visible"/>
+                                      </p:to>
+                                    </p:set>
+                                  </p:childTnLst>
+                                </p:cTn>
+                              </p:par>
                             </p:childTnLst>
                           </p:cTn>
                         </p:par>
@@ -12452,26 +12114,26 @@
                     </p:cTn>
                   </p:par>
                   <p:par>
-                    <p:cTn id="9" fill="hold">
+                    <p:cTn id="11" fill="hold">
                       <p:stCondLst>
                         <p:cond delay="indefinite"/>
                       </p:stCondLst>
                       <p:childTnLst>
                         <p:par>
-                          <p:cTn id="10" fill="hold">
+                          <p:cTn id="12" fill="hold">
                             <p:stCondLst>
                               <p:cond delay="0"/>
                             </p:stCondLst>
                             <p:childTnLst>
                               <p:par>
-                                <p:cTn id="11" presetID="1" presetClass="entr" presetSubtype="0" fill="hold" nodeType="clickEffect">
+                                <p:cTn id="13" presetID="1" presetClass="entr" presetSubtype="0" fill="hold" nodeType="clickEffect">
                                   <p:stCondLst>
                                     <p:cond delay="0"/>
                                   </p:stCondLst>
                                   <p:childTnLst>
                                     <p:set>
                                       <p:cBhvr>
-                                        <p:cTn id="12" dur="1" fill="hold">
+                                        <p:cTn id="14" dur="1" fill="hold">
                                           <p:stCondLst>
                                             <p:cond delay="0"/>
                                           </p:stCondLst>
@@ -12491,14 +12153,14 @@
                                 </p:cTn>
                               </p:par>
                               <p:par>
-                                <p:cTn id="13" presetID="1" presetClass="entr" presetSubtype="0" fill="hold" grpId="0" nodeType="withEffect">
+                                <p:cTn id="15" presetID="1" presetClass="entr" presetSubtype="0" fill="hold" grpId="0" nodeType="withEffect">
                                   <p:stCondLst>
                                     <p:cond delay="0"/>
                                   </p:stCondLst>
                                   <p:childTnLst>
                                     <p:set>
                                       <p:cBhvr>
-                                        <p:cTn id="14" dur="1" fill="hold">
+                                        <p:cTn id="16" dur="1" fill="hold">
                                           <p:stCondLst>
                                             <p:cond delay="0"/>
                                           </p:stCondLst>
